--- a/prezentacija projekta.pptx
+++ b/prezentacija projekta.pptx
@@ -1,45 +1,45 @@
 
 <file path=ppt/presentation.xml><?xml version="1.0" encoding="utf-8"?>
-<p:presentation xmlns:a="http://schemas.openxmlformats.org/drawingml/2006/main" xmlns:r="http://schemas.openxmlformats.org/officeDocument/2006/relationships" xmlns:mc="http://schemas.openxmlformats.org/markup-compatibility/2006" xmlns:mv="urn:schemas-microsoft-com:mac:vml" xmlns:p="http://schemas.openxmlformats.org/presentationml/2006/main" xmlns:c="http://schemas.openxmlformats.org/drawingml/2006/chart" xmlns:dgm="http://schemas.openxmlformats.org/drawingml/2006/diagram" xmlns:o="urn:schemas-microsoft-com:office:office" xmlns:v="urn:schemas-microsoft-com:vml" xmlns:pvml="urn:schemas-microsoft-com:office:powerpoint" xmlns:com="http://schemas.openxmlformats.org/drawingml/2006/compatibility" xmlns:p14="http://schemas.microsoft.com/office/powerpoint/2010/main" xmlns:p15="http://schemas.microsoft.com/office/powerpoint/2012/main" xmlns:ahyp="http://schemas.microsoft.com/office/drawing/2018/hyperlinkcolor" autoCompressPictures="0" embedTrueTypeFonts="1" strictFirstAndLastChars="0" saveSubsetFonts="1">
+<p:presentation xmlns:a="http://schemas.openxmlformats.org/drawingml/2006/main" xmlns:r="http://schemas.openxmlformats.org/officeDocument/2006/relationships" xmlns:p="http://schemas.openxmlformats.org/presentationml/2006/main" strictFirstAndLastChars="0" embedTrueTypeFonts="1" saveSubsetFonts="1" autoCompressPictures="0">
   <p:sldMasterIdLst>
-    <p:sldMasterId id="2147483659" r:id="rId5"/>
+    <p:sldMasterId id="2147483659" r:id="rId1"/>
   </p:sldMasterIdLst>
   <p:notesMasterIdLst>
-    <p:notesMasterId r:id="rId6"/>
+    <p:notesMasterId r:id="rId13"/>
   </p:notesMasterIdLst>
   <p:sldIdLst>
-    <p:sldId id="256" r:id="rId7"/>
-    <p:sldId id="257" r:id="rId8"/>
-    <p:sldId id="258" r:id="rId9"/>
-    <p:sldId id="259" r:id="rId10"/>
-    <p:sldId id="260" r:id="rId11"/>
-    <p:sldId id="261" r:id="rId12"/>
-    <p:sldId id="262" r:id="rId13"/>
-    <p:sldId id="263" r:id="rId14"/>
-    <p:sldId id="264" r:id="rId15"/>
-    <p:sldId id="265" r:id="rId16"/>
-    <p:sldId id="266" r:id="rId17"/>
+    <p:sldId id="256" r:id="rId2"/>
+    <p:sldId id="257" r:id="rId3"/>
+    <p:sldId id="258" r:id="rId4"/>
+    <p:sldId id="259" r:id="rId5"/>
+    <p:sldId id="260" r:id="rId6"/>
+    <p:sldId id="261" r:id="rId7"/>
+    <p:sldId id="262" r:id="rId8"/>
+    <p:sldId id="263" r:id="rId9"/>
+    <p:sldId id="264" r:id="rId10"/>
+    <p:sldId id="265" r:id="rId11"/>
+    <p:sldId id="266" r:id="rId12"/>
   </p:sldIdLst>
-  <p:sldSz cy="5143500" cx="9144000"/>
+  <p:sldSz cx="9144000" cy="5143500" type="screen16x9"/>
   <p:notesSz cx="6858000" cy="9144000"/>
   <p:embeddedFontLst>
     <p:embeddedFont>
-      <p:font typeface="Raleway"/>
+      <p:font typeface="Lato" panose="020F0502020204030203" pitchFamily="34" charset="0"/>
+      <p:regular r:id="rId14"/>
+      <p:bold r:id="rId15"/>
+      <p:italic r:id="rId16"/>
+      <p:boldItalic r:id="rId17"/>
+    </p:embeddedFont>
+    <p:embeddedFont>
+      <p:font typeface="Raleway" panose="020B0604020202020204" pitchFamily="2" charset="-18"/>
       <p:regular r:id="rId18"/>
       <p:bold r:id="rId19"/>
       <p:italic r:id="rId20"/>
       <p:boldItalic r:id="rId21"/>
     </p:embeddedFont>
-    <p:embeddedFont>
-      <p:font typeface="Lato"/>
-      <p:regular r:id="rId22"/>
-      <p:bold r:id="rId23"/>
-      <p:italic r:id="rId24"/>
-      <p:boldItalic r:id="rId25"/>
-    </p:embeddedFont>
   </p:embeddedFontLst>
   <p:defaultTextStyle>
-    <a:defPPr lvl="0" marR="0" rtl="0" algn="l">
+    <a:defPPr marR="0" lvl="0" algn="l" rtl="0">
       <a:lnSpc>
         <a:spcPct val="100000"/>
       </a:lnSpc>
@@ -50,7 +50,7 @@
         <a:spcPts val="0"/>
       </a:spcAft>
     </a:defPPr>
-    <a:lvl1pPr lvl="0" marR="0" rtl="0" algn="l">
+    <a:lvl1pPr marR="0" lvl="0" algn="l" rtl="0">
       <a:lnSpc>
         <a:spcPct val="100000"/>
       </a:lnSpc>
@@ -64,7 +64,7 @@
         <a:srgbClr val="000000"/>
       </a:buClr>
       <a:buFont typeface="Arial"/>
-      <a:defRPr b="0" i="0" sz="1400" u="none" cap="none" strike="noStrike">
+      <a:defRPr sz="1400" b="0" i="0" u="none" strike="noStrike" cap="none">
         <a:solidFill>
           <a:srgbClr val="000000"/>
         </a:solidFill>
@@ -74,7 +74,7 @@
         <a:sym typeface="Arial"/>
       </a:defRPr>
     </a:lvl1pPr>
-    <a:lvl2pPr lvl="1" marR="0" rtl="0" algn="l">
+    <a:lvl2pPr marR="0" lvl="1" algn="l" rtl="0">
       <a:lnSpc>
         <a:spcPct val="100000"/>
       </a:lnSpc>
@@ -88,7 +88,7 @@
         <a:srgbClr val="000000"/>
       </a:buClr>
       <a:buFont typeface="Arial"/>
-      <a:defRPr b="0" i="0" sz="1400" u="none" cap="none" strike="noStrike">
+      <a:defRPr sz="1400" b="0" i="0" u="none" strike="noStrike" cap="none">
         <a:solidFill>
           <a:srgbClr val="000000"/>
         </a:solidFill>
@@ -98,7 +98,7 @@
         <a:sym typeface="Arial"/>
       </a:defRPr>
     </a:lvl2pPr>
-    <a:lvl3pPr lvl="2" marR="0" rtl="0" algn="l">
+    <a:lvl3pPr marR="0" lvl="2" algn="l" rtl="0">
       <a:lnSpc>
         <a:spcPct val="100000"/>
       </a:lnSpc>
@@ -112,7 +112,7 @@
         <a:srgbClr val="000000"/>
       </a:buClr>
       <a:buFont typeface="Arial"/>
-      <a:defRPr b="0" i="0" sz="1400" u="none" cap="none" strike="noStrike">
+      <a:defRPr sz="1400" b="0" i="0" u="none" strike="noStrike" cap="none">
         <a:solidFill>
           <a:srgbClr val="000000"/>
         </a:solidFill>
@@ -122,7 +122,7 @@
         <a:sym typeface="Arial"/>
       </a:defRPr>
     </a:lvl3pPr>
-    <a:lvl4pPr lvl="3" marR="0" rtl="0" algn="l">
+    <a:lvl4pPr marR="0" lvl="3" algn="l" rtl="0">
       <a:lnSpc>
         <a:spcPct val="100000"/>
       </a:lnSpc>
@@ -136,7 +136,7 @@
         <a:srgbClr val="000000"/>
       </a:buClr>
       <a:buFont typeface="Arial"/>
-      <a:defRPr b="0" i="0" sz="1400" u="none" cap="none" strike="noStrike">
+      <a:defRPr sz="1400" b="0" i="0" u="none" strike="noStrike" cap="none">
         <a:solidFill>
           <a:srgbClr val="000000"/>
         </a:solidFill>
@@ -146,7 +146,7 @@
         <a:sym typeface="Arial"/>
       </a:defRPr>
     </a:lvl4pPr>
-    <a:lvl5pPr lvl="4" marR="0" rtl="0" algn="l">
+    <a:lvl5pPr marR="0" lvl="4" algn="l" rtl="0">
       <a:lnSpc>
         <a:spcPct val="100000"/>
       </a:lnSpc>
@@ -160,7 +160,7 @@
         <a:srgbClr val="000000"/>
       </a:buClr>
       <a:buFont typeface="Arial"/>
-      <a:defRPr b="0" i="0" sz="1400" u="none" cap="none" strike="noStrike">
+      <a:defRPr sz="1400" b="0" i="0" u="none" strike="noStrike" cap="none">
         <a:solidFill>
           <a:srgbClr val="000000"/>
         </a:solidFill>
@@ -170,7 +170,7 @@
         <a:sym typeface="Arial"/>
       </a:defRPr>
     </a:lvl5pPr>
-    <a:lvl6pPr lvl="5" marR="0" rtl="0" algn="l">
+    <a:lvl6pPr marR="0" lvl="5" algn="l" rtl="0">
       <a:lnSpc>
         <a:spcPct val="100000"/>
       </a:lnSpc>
@@ -184,7 +184,7 @@
         <a:srgbClr val="000000"/>
       </a:buClr>
       <a:buFont typeface="Arial"/>
-      <a:defRPr b="0" i="0" sz="1400" u="none" cap="none" strike="noStrike">
+      <a:defRPr sz="1400" b="0" i="0" u="none" strike="noStrike" cap="none">
         <a:solidFill>
           <a:srgbClr val="000000"/>
         </a:solidFill>
@@ -194,7 +194,7 @@
         <a:sym typeface="Arial"/>
       </a:defRPr>
     </a:lvl6pPr>
-    <a:lvl7pPr lvl="6" marR="0" rtl="0" algn="l">
+    <a:lvl7pPr marR="0" lvl="6" algn="l" rtl="0">
       <a:lnSpc>
         <a:spcPct val="100000"/>
       </a:lnSpc>
@@ -208,7 +208,7 @@
         <a:srgbClr val="000000"/>
       </a:buClr>
       <a:buFont typeface="Arial"/>
-      <a:defRPr b="0" i="0" sz="1400" u="none" cap="none" strike="noStrike">
+      <a:defRPr sz="1400" b="0" i="0" u="none" strike="noStrike" cap="none">
         <a:solidFill>
           <a:srgbClr val="000000"/>
         </a:solidFill>
@@ -218,7 +218,7 @@
         <a:sym typeface="Arial"/>
       </a:defRPr>
     </a:lvl7pPr>
-    <a:lvl8pPr lvl="7" marR="0" rtl="0" algn="l">
+    <a:lvl8pPr marR="0" lvl="7" algn="l" rtl="0">
       <a:lnSpc>
         <a:spcPct val="100000"/>
       </a:lnSpc>
@@ -232,7 +232,7 @@
         <a:srgbClr val="000000"/>
       </a:buClr>
       <a:buFont typeface="Arial"/>
-      <a:defRPr b="0" i="0" sz="1400" u="none" cap="none" strike="noStrike">
+      <a:defRPr sz="1400" b="0" i="0" u="none" strike="noStrike" cap="none">
         <a:solidFill>
           <a:srgbClr val="000000"/>
         </a:solidFill>
@@ -242,7 +242,7 @@
         <a:sym typeface="Arial"/>
       </a:defRPr>
     </a:lvl8pPr>
-    <a:lvl9pPr lvl="8" marR="0" rtl="0" algn="l">
+    <a:lvl9pPr marR="0" lvl="8" algn="l" rtl="0">
       <a:lnSpc>
         <a:spcPct val="100000"/>
       </a:lnSpc>
@@ -256,7 +256,7 @@
         <a:srgbClr val="000000"/>
       </a:buClr>
       <a:buFont typeface="Arial"/>
-      <a:defRPr b="0" i="0" sz="1400" u="none" cap="none" strike="noStrike">
+      <a:defRPr sz="1400" b="0" i="0" u="none" strike="noStrike" cap="none">
         <a:solidFill>
           <a:srgbClr val="000000"/>
         </a:solidFill>
@@ -269,7 +269,7 @@
   </p:defaultTextStyle>
   <p:extLst>
     <p:ext uri="{EFAFB233-063F-42B5-8137-9DF3F51BA10A}">
-      <p15:sldGuideLst>
+      <p15:sldGuideLst xmlns:p15="http://schemas.microsoft.com/office/powerpoint/2012/main">
         <p15:guide id="1" orient="horz" pos="1620">
           <p15:clr>
             <a:srgbClr val="A4A3A4"/>
@@ -287,11 +287,16 @@
 </file>
 
 <file path=ppt/notesMasters/notesMaster1.xml><?xml version="1.0" encoding="utf-8"?>
-<p:notesMaster xmlns:a="http://schemas.openxmlformats.org/drawingml/2006/main" xmlns:r="http://schemas.openxmlformats.org/officeDocument/2006/relationships" xmlns:mc="http://schemas.openxmlformats.org/markup-compatibility/2006" xmlns:mv="urn:schemas-microsoft-com:mac:vml" xmlns:p="http://schemas.openxmlformats.org/presentationml/2006/main" xmlns:c="http://schemas.openxmlformats.org/drawingml/2006/chart" xmlns:dgm="http://schemas.openxmlformats.org/drawingml/2006/diagram" xmlns:o="urn:schemas-microsoft-com:office:office" xmlns:v="urn:schemas-microsoft-com:vml" xmlns:pvml="urn:schemas-microsoft-com:office:powerpoint" xmlns:com="http://schemas.openxmlformats.org/drawingml/2006/compatibility" xmlns:p14="http://schemas.microsoft.com/office/powerpoint/2010/main" xmlns:p15="http://schemas.microsoft.com/office/powerpoint/2012/main" xmlns:ahyp="http://schemas.microsoft.com/office/drawing/2018/hyperlinkcolor">
+<p:notesMaster xmlns:a="http://schemas.openxmlformats.org/drawingml/2006/main" xmlns:r="http://schemas.openxmlformats.org/officeDocument/2006/relationships" xmlns:p="http://schemas.openxmlformats.org/presentationml/2006/main">
   <p:cSld>
+    <p:bg>
+      <p:bgRef idx="1001">
+        <a:schemeClr val="bg1"/>
+      </p:bgRef>
+    </p:bg>
     <p:spTree>
       <p:nvGrpSpPr>
-        <p:cNvPr id="2" name="Shape 2"/>
+        <p:cNvPr id="1" name="Shape 2"/>
         <p:cNvGrpSpPr/>
         <p:nvPr/>
       </p:nvGrpSpPr>
@@ -306,9 +311,11 @@
       <p:sp>
         <p:nvSpPr>
           <p:cNvPr id="3" name="Google Shape;3;n"/>
-          <p:cNvSpPr/>
+          <p:cNvSpPr>
+            <a:spLocks noGrp="1" noRot="1" noChangeAspect="1"/>
+          </p:cNvSpPr>
           <p:nvPr>
-            <p:ph idx="2" type="sldImg"/>
+            <p:ph type="sldImg" idx="2"/>
           </p:nvPr>
         </p:nvSpPr>
         <p:spPr>
@@ -317,9 +324,13 @@
             <a:ext cx="6096075" cy="3429000"/>
           </a:xfrm>
           <a:custGeom>
-            <a:rect b="b" l="l" r="r" t="t"/>
+            <a:avLst/>
+            <a:gdLst/>
+            <a:ahLst/>
+            <a:cxnLst/>
+            <a:rect l="l" t="t" r="r" b="b"/>
             <a:pathLst>
-              <a:path extrusionOk="0" h="120000" w="120000">
+              <a:path w="120000" h="120000" extrusionOk="0">
                 <a:moveTo>
                   <a:pt x="0" y="0"/>
                 </a:moveTo>
@@ -337,23 +348,25 @@
             </a:pathLst>
           </a:custGeom>
           <a:noFill/>
-          <a:ln cap="flat" cmpd="sng" w="9525">
+          <a:ln w="9525" cap="flat" cmpd="sng">
             <a:solidFill>
               <a:srgbClr val="000000"/>
             </a:solidFill>
             <a:prstDash val="solid"/>
             <a:round/>
-            <a:headEnd len="sm" w="sm" type="none"/>
-            <a:tailEnd len="sm" w="sm" type="none"/>
+            <a:headEnd type="none" w="sm" len="sm"/>
+            <a:tailEnd type="none" w="sm" len="sm"/>
           </a:ln>
         </p:spPr>
       </p:sp>
       <p:sp>
         <p:nvSpPr>
           <p:cNvPr id="4" name="Google Shape;4;n"/>
-          <p:cNvSpPr txBox="1"/>
+          <p:cNvSpPr txBox="1">
+            <a:spLocks noGrp="1"/>
+          </p:cNvSpPr>
           <p:nvPr>
-            <p:ph idx="1" type="body"/>
+            <p:ph type="body" idx="1"/>
           </p:nvPr>
         </p:nvSpPr>
         <p:spPr>
@@ -370,11 +383,11 @@
           </a:ln>
         </p:spPr>
         <p:txBody>
-          <a:bodyPr anchorCtr="0" anchor="t" bIns="91425" lIns="91425" spcFirstLastPara="1" rIns="91425" wrap="square" tIns="91425">
+          <a:bodyPr spcFirstLastPara="1" wrap="square" lIns="91425" tIns="91425" rIns="91425" bIns="91425" anchor="t" anchorCtr="0">
             <a:noAutofit/>
           </a:bodyPr>
           <a:lstStyle>
-            <a:lvl1pPr indent="-317500" lvl="0" marL="457200">
+            <a:lvl1pPr marL="457200" lvl="0" indent="-317500">
               <a:spcBef>
                 <a:spcPts val="0"/>
               </a:spcBef>
@@ -385,7 +398,7 @@
               <a:buChar char="●"/>
               <a:defRPr sz="1100"/>
             </a:lvl1pPr>
-            <a:lvl2pPr indent="-317500" lvl="1" marL="914400">
+            <a:lvl2pPr marL="914400" lvl="1" indent="-317500">
               <a:spcBef>
                 <a:spcPts val="0"/>
               </a:spcBef>
@@ -396,7 +409,7 @@
               <a:buChar char="○"/>
               <a:defRPr sz="1100"/>
             </a:lvl2pPr>
-            <a:lvl3pPr indent="-317500" lvl="2" marL="1371600">
+            <a:lvl3pPr marL="1371600" lvl="2" indent="-317500">
               <a:spcBef>
                 <a:spcPts val="0"/>
               </a:spcBef>
@@ -407,7 +420,7 @@
               <a:buChar char="■"/>
               <a:defRPr sz="1100"/>
             </a:lvl3pPr>
-            <a:lvl4pPr indent="-317500" lvl="3" marL="1828800">
+            <a:lvl4pPr marL="1828800" lvl="3" indent="-317500">
               <a:spcBef>
                 <a:spcPts val="0"/>
               </a:spcBef>
@@ -418,7 +431,7 @@
               <a:buChar char="●"/>
               <a:defRPr sz="1100"/>
             </a:lvl4pPr>
-            <a:lvl5pPr indent="-317500" lvl="4" marL="2286000">
+            <a:lvl5pPr marL="2286000" lvl="4" indent="-317500">
               <a:spcBef>
                 <a:spcPts val="0"/>
               </a:spcBef>
@@ -429,7 +442,7 @@
               <a:buChar char="○"/>
               <a:defRPr sz="1100"/>
             </a:lvl5pPr>
-            <a:lvl6pPr indent="-317500" lvl="5" marL="2743200">
+            <a:lvl6pPr marL="2743200" lvl="5" indent="-317500">
               <a:spcBef>
                 <a:spcPts val="0"/>
               </a:spcBef>
@@ -440,7 +453,7 @@
               <a:buChar char="■"/>
               <a:defRPr sz="1100"/>
             </a:lvl6pPr>
-            <a:lvl7pPr indent="-317500" lvl="6" marL="3200400">
+            <a:lvl7pPr marL="3200400" lvl="6" indent="-317500">
               <a:spcBef>
                 <a:spcPts val="0"/>
               </a:spcBef>
@@ -451,7 +464,7 @@
               <a:buChar char="●"/>
               <a:defRPr sz="1100"/>
             </a:lvl7pPr>
-            <a:lvl8pPr indent="-317500" lvl="7" marL="3657600">
+            <a:lvl8pPr marL="3657600" lvl="7" indent="-317500">
               <a:spcBef>
                 <a:spcPts val="0"/>
               </a:spcBef>
@@ -462,7 +475,7 @@
               <a:buChar char="○"/>
               <a:defRPr sz="1100"/>
             </a:lvl8pPr>
-            <a:lvl9pPr indent="-317500" lvl="8" marL="4114800">
+            <a:lvl9pPr marL="4114800" lvl="8" indent="-317500">
               <a:spcBef>
                 <a:spcPts val="0"/>
               </a:spcBef>
@@ -474,14 +487,16 @@
               <a:defRPr sz="1100"/>
             </a:lvl9pPr>
           </a:lstStyle>
-          <a:p/>
+          <a:p>
+            <a:endParaRPr/>
+          </a:p>
         </p:txBody>
       </p:sp>
     </p:spTree>
   </p:cSld>
-  <p:clrMap accent1="accent1" accent2="accent2" accent3="accent3" accent4="accent4" accent5="accent5" accent6="accent6" bg1="lt1" bg2="dk2" tx1="dk1" tx2="lt2" folHlink="folHlink" hlink="hlink"/>
+  <p:clrMap bg1="lt1" tx1="dk1" bg2="dk2" tx2="lt2" accent1="accent1" accent2="accent2" accent3="accent3" accent4="accent4" accent5="accent5" accent6="accent6" hlink="hlink" folHlink="folHlink"/>
   <p:notesStyle>
-    <a:defPPr lvl="0" marR="0" rtl="0" algn="l">
+    <a:defPPr marR="0" lvl="0" algn="l" rtl="0">
       <a:lnSpc>
         <a:spcPct val="100000"/>
       </a:lnSpc>
@@ -492,7 +507,7 @@
         <a:spcPts val="0"/>
       </a:spcAft>
     </a:defPPr>
-    <a:lvl1pPr lvl="0" marR="0" rtl="0" algn="l">
+    <a:lvl1pPr marR="0" lvl="0" algn="l" rtl="0">
       <a:lnSpc>
         <a:spcPct val="100000"/>
       </a:lnSpc>
@@ -506,7 +521,7 @@
         <a:srgbClr val="000000"/>
       </a:buClr>
       <a:buFont typeface="Arial"/>
-      <a:defRPr b="0" i="0" sz="1400" u="none" cap="none" strike="noStrike">
+      <a:defRPr sz="1400" b="0" i="0" u="none" strike="noStrike" cap="none">
         <a:solidFill>
           <a:srgbClr val="000000"/>
         </a:solidFill>
@@ -516,7 +531,7 @@
         <a:sym typeface="Arial"/>
       </a:defRPr>
     </a:lvl1pPr>
-    <a:lvl2pPr lvl="1" marR="0" rtl="0" algn="l">
+    <a:lvl2pPr marR="0" lvl="1" algn="l" rtl="0">
       <a:lnSpc>
         <a:spcPct val="100000"/>
       </a:lnSpc>
@@ -530,7 +545,7 @@
         <a:srgbClr val="000000"/>
       </a:buClr>
       <a:buFont typeface="Arial"/>
-      <a:defRPr b="0" i="0" sz="1400" u="none" cap="none" strike="noStrike">
+      <a:defRPr sz="1400" b="0" i="0" u="none" strike="noStrike" cap="none">
         <a:solidFill>
           <a:srgbClr val="000000"/>
         </a:solidFill>
@@ -540,7 +555,7 @@
         <a:sym typeface="Arial"/>
       </a:defRPr>
     </a:lvl2pPr>
-    <a:lvl3pPr lvl="2" marR="0" rtl="0" algn="l">
+    <a:lvl3pPr marR="0" lvl="2" algn="l" rtl="0">
       <a:lnSpc>
         <a:spcPct val="100000"/>
       </a:lnSpc>
@@ -554,7 +569,7 @@
         <a:srgbClr val="000000"/>
       </a:buClr>
       <a:buFont typeface="Arial"/>
-      <a:defRPr b="0" i="0" sz="1400" u="none" cap="none" strike="noStrike">
+      <a:defRPr sz="1400" b="0" i="0" u="none" strike="noStrike" cap="none">
         <a:solidFill>
           <a:srgbClr val="000000"/>
         </a:solidFill>
@@ -564,7 +579,7 @@
         <a:sym typeface="Arial"/>
       </a:defRPr>
     </a:lvl3pPr>
-    <a:lvl4pPr lvl="3" marR="0" rtl="0" algn="l">
+    <a:lvl4pPr marR="0" lvl="3" algn="l" rtl="0">
       <a:lnSpc>
         <a:spcPct val="100000"/>
       </a:lnSpc>
@@ -578,7 +593,7 @@
         <a:srgbClr val="000000"/>
       </a:buClr>
       <a:buFont typeface="Arial"/>
-      <a:defRPr b="0" i="0" sz="1400" u="none" cap="none" strike="noStrike">
+      <a:defRPr sz="1400" b="0" i="0" u="none" strike="noStrike" cap="none">
         <a:solidFill>
           <a:srgbClr val="000000"/>
         </a:solidFill>
@@ -588,7 +603,7 @@
         <a:sym typeface="Arial"/>
       </a:defRPr>
     </a:lvl4pPr>
-    <a:lvl5pPr lvl="4" marR="0" rtl="0" algn="l">
+    <a:lvl5pPr marR="0" lvl="4" algn="l" rtl="0">
       <a:lnSpc>
         <a:spcPct val="100000"/>
       </a:lnSpc>
@@ -602,7 +617,7 @@
         <a:srgbClr val="000000"/>
       </a:buClr>
       <a:buFont typeface="Arial"/>
-      <a:defRPr b="0" i="0" sz="1400" u="none" cap="none" strike="noStrike">
+      <a:defRPr sz="1400" b="0" i="0" u="none" strike="noStrike" cap="none">
         <a:solidFill>
           <a:srgbClr val="000000"/>
         </a:solidFill>
@@ -612,7 +627,7 @@
         <a:sym typeface="Arial"/>
       </a:defRPr>
     </a:lvl5pPr>
-    <a:lvl6pPr lvl="5" marR="0" rtl="0" algn="l">
+    <a:lvl6pPr marR="0" lvl="5" algn="l" rtl="0">
       <a:lnSpc>
         <a:spcPct val="100000"/>
       </a:lnSpc>
@@ -626,7 +641,7 @@
         <a:srgbClr val="000000"/>
       </a:buClr>
       <a:buFont typeface="Arial"/>
-      <a:defRPr b="0" i="0" sz="1400" u="none" cap="none" strike="noStrike">
+      <a:defRPr sz="1400" b="0" i="0" u="none" strike="noStrike" cap="none">
         <a:solidFill>
           <a:srgbClr val="000000"/>
         </a:solidFill>
@@ -636,7 +651,7 @@
         <a:sym typeface="Arial"/>
       </a:defRPr>
     </a:lvl6pPr>
-    <a:lvl7pPr lvl="6" marR="0" rtl="0" algn="l">
+    <a:lvl7pPr marR="0" lvl="6" algn="l" rtl="0">
       <a:lnSpc>
         <a:spcPct val="100000"/>
       </a:lnSpc>
@@ -650,7 +665,7 @@
         <a:srgbClr val="000000"/>
       </a:buClr>
       <a:buFont typeface="Arial"/>
-      <a:defRPr b="0" i="0" sz="1400" u="none" cap="none" strike="noStrike">
+      <a:defRPr sz="1400" b="0" i="0" u="none" strike="noStrike" cap="none">
         <a:solidFill>
           <a:srgbClr val="000000"/>
         </a:solidFill>
@@ -660,7 +675,7 @@
         <a:sym typeface="Arial"/>
       </a:defRPr>
     </a:lvl7pPr>
-    <a:lvl8pPr lvl="7" marR="0" rtl="0" algn="l">
+    <a:lvl8pPr marR="0" lvl="7" algn="l" rtl="0">
       <a:lnSpc>
         <a:spcPct val="100000"/>
       </a:lnSpc>
@@ -674,7 +689,7 @@
         <a:srgbClr val="000000"/>
       </a:buClr>
       <a:buFont typeface="Arial"/>
-      <a:defRPr b="0" i="0" sz="1400" u="none" cap="none" strike="noStrike">
+      <a:defRPr sz="1400" b="0" i="0" u="none" strike="noStrike" cap="none">
         <a:solidFill>
           <a:srgbClr val="000000"/>
         </a:solidFill>
@@ -684,7 +699,7 @@
         <a:sym typeface="Arial"/>
       </a:defRPr>
     </a:lvl8pPr>
-    <a:lvl9pPr lvl="8" marR="0" rtl="0" algn="l">
+    <a:lvl9pPr marR="0" lvl="8" algn="l" rtl="0">
       <a:lnSpc>
         <a:spcPct val="100000"/>
       </a:lnSpc>
@@ -698,7 +713,7 @@
         <a:srgbClr val="000000"/>
       </a:buClr>
       <a:buFont typeface="Arial"/>
-      <a:defRPr b="0" i="0" sz="1400" u="none" cap="none" strike="noStrike">
+      <a:defRPr sz="1400" b="0" i="0" u="none" strike="noStrike" cap="none">
         <a:solidFill>
           <a:srgbClr val="000000"/>
         </a:solidFill>
@@ -713,11 +728,11 @@
 </file>
 
 <file path=ppt/notesSlides/notesSlide1.xml><?xml version="1.0" encoding="utf-8"?>
-<p:notes xmlns:a="http://schemas.openxmlformats.org/drawingml/2006/main" xmlns:r="http://schemas.openxmlformats.org/officeDocument/2006/relationships" xmlns:mc="http://schemas.openxmlformats.org/markup-compatibility/2006" xmlns:mv="urn:schemas-microsoft-com:mac:vml" xmlns:p="http://schemas.openxmlformats.org/presentationml/2006/main" xmlns:c="http://schemas.openxmlformats.org/drawingml/2006/chart" xmlns:dgm="http://schemas.openxmlformats.org/drawingml/2006/diagram" xmlns:o="urn:schemas-microsoft-com:office:office" xmlns:v="urn:schemas-microsoft-com:vml" xmlns:pvml="urn:schemas-microsoft-com:office:powerpoint" xmlns:com="http://schemas.openxmlformats.org/drawingml/2006/compatibility" xmlns:p14="http://schemas.microsoft.com/office/powerpoint/2010/main" xmlns:p15="http://schemas.microsoft.com/office/powerpoint/2012/main" xmlns:ahyp="http://schemas.microsoft.com/office/drawing/2018/hyperlinkcolor" showMasterPhAnim="0" showMasterSp="0">
+<p:notes xmlns:a="http://schemas.openxmlformats.org/drawingml/2006/main" xmlns:r="http://schemas.openxmlformats.org/officeDocument/2006/relationships" xmlns:p="http://schemas.openxmlformats.org/presentationml/2006/main" showMasterSp="0" showMasterPhAnim="0">
   <p:cSld>
     <p:spTree>
       <p:nvGrpSpPr>
-        <p:cNvPr id="68" name="Shape 68"/>
+        <p:cNvPr id="1" name="Shape 68"/>
         <p:cNvGrpSpPr/>
         <p:nvPr/>
       </p:nvGrpSpPr>
@@ -732,9 +747,11 @@
       <p:sp>
         <p:nvSpPr>
           <p:cNvPr id="69" name="Google Shape;69;gcb9a0b074_1_0:notes"/>
-          <p:cNvSpPr/>
+          <p:cNvSpPr>
+            <a:spLocks noGrp="1" noRot="1" noChangeAspect="1"/>
+          </p:cNvSpPr>
           <p:nvPr>
-            <p:ph idx="2" type="sldImg"/>
+            <p:ph type="sldImg" idx="2"/>
           </p:nvPr>
         </p:nvSpPr>
         <p:spPr>
@@ -743,9 +760,13 @@
             <a:ext cx="6096000" cy="3429000"/>
           </a:xfrm>
           <a:custGeom>
-            <a:rect b="b" l="l" r="r" t="t"/>
+            <a:avLst/>
+            <a:gdLst/>
+            <a:ahLst/>
+            <a:cxnLst/>
+            <a:rect l="l" t="t" r="r" b="b"/>
             <a:pathLst>
-              <a:path extrusionOk="0" h="120000" w="120000">
+              <a:path w="120000" h="120000" extrusionOk="0">
                 <a:moveTo>
                   <a:pt x="0" y="0"/>
                 </a:moveTo>
@@ -767,9 +788,11 @@
       <p:sp>
         <p:nvSpPr>
           <p:cNvPr id="70" name="Google Shape;70;gcb9a0b074_1_0:notes"/>
-          <p:cNvSpPr txBox="1"/>
+          <p:cNvSpPr txBox="1">
+            <a:spLocks noGrp="1"/>
+          </p:cNvSpPr>
           <p:nvPr>
-            <p:ph idx="1" type="body"/>
+            <p:ph type="body" idx="1"/>
           </p:nvPr>
         </p:nvSpPr>
         <p:spPr>
@@ -782,12 +805,12 @@
           </a:prstGeom>
         </p:spPr>
         <p:txBody>
-          <a:bodyPr anchorCtr="0" anchor="t" bIns="91425" lIns="91425" spcFirstLastPara="1" rIns="91425" wrap="square" tIns="91425">
+          <a:bodyPr spcFirstLastPara="1" wrap="square" lIns="91425" tIns="91425" rIns="91425" bIns="91425" anchor="t" anchorCtr="0">
             <a:noAutofit/>
           </a:bodyPr>
           <a:lstStyle/>
           <a:p>
-            <a:pPr indent="0" lvl="0" marL="0" rtl="0" algn="l">
+            <a:pPr marL="0" lvl="0" indent="0" algn="l" rtl="0">
               <a:spcBef>
                 <a:spcPts val="0"/>
               </a:spcBef>
@@ -796,9 +819,6 @@
               </a:spcAft>
               <a:buNone/>
             </a:pPr>
-            <a:r>
-              <a:t/>
-            </a:r>
             <a:endParaRPr/>
           </a:p>
         </p:txBody>
@@ -812,11 +832,11 @@
 </file>
 
 <file path=ppt/notesSlides/notesSlide10.xml><?xml version="1.0" encoding="utf-8"?>
-<p:notes xmlns:a="http://schemas.openxmlformats.org/drawingml/2006/main" xmlns:r="http://schemas.openxmlformats.org/officeDocument/2006/relationships" xmlns:mc="http://schemas.openxmlformats.org/markup-compatibility/2006" xmlns:mv="urn:schemas-microsoft-com:mac:vml" xmlns:p="http://schemas.openxmlformats.org/presentationml/2006/main" xmlns:c="http://schemas.openxmlformats.org/drawingml/2006/chart" xmlns:dgm="http://schemas.openxmlformats.org/drawingml/2006/diagram" xmlns:o="urn:schemas-microsoft-com:office:office" xmlns:v="urn:schemas-microsoft-com:vml" xmlns:pvml="urn:schemas-microsoft-com:office:powerpoint" xmlns:com="http://schemas.openxmlformats.org/drawingml/2006/compatibility" xmlns:p14="http://schemas.microsoft.com/office/powerpoint/2010/main" xmlns:p15="http://schemas.microsoft.com/office/powerpoint/2012/main" xmlns:ahyp="http://schemas.microsoft.com/office/drawing/2018/hyperlinkcolor" showMasterPhAnim="0" showMasterSp="0">
+<p:notes xmlns:a="http://schemas.openxmlformats.org/drawingml/2006/main" xmlns:r="http://schemas.openxmlformats.org/officeDocument/2006/relationships" xmlns:p="http://schemas.openxmlformats.org/presentationml/2006/main" showMasterSp="0" showMasterPhAnim="0">
   <p:cSld>
     <p:spTree>
       <p:nvGrpSpPr>
-        <p:cNvPr id="141" name="Shape 141"/>
+        <p:cNvPr id="1" name="Shape 141"/>
         <p:cNvGrpSpPr/>
         <p:nvPr/>
       </p:nvGrpSpPr>
@@ -831,9 +851,11 @@
       <p:sp>
         <p:nvSpPr>
           <p:cNvPr id="142" name="Google Shape;142;ge965474a9_3_399:notes"/>
-          <p:cNvSpPr/>
+          <p:cNvSpPr>
+            <a:spLocks noGrp="1" noRot="1" noChangeAspect="1"/>
+          </p:cNvSpPr>
           <p:nvPr>
-            <p:ph idx="2" type="sldImg"/>
+            <p:ph type="sldImg" idx="2"/>
           </p:nvPr>
         </p:nvSpPr>
         <p:spPr>
@@ -842,9 +864,13 @@
             <a:ext cx="6096000" cy="3429000"/>
           </a:xfrm>
           <a:custGeom>
-            <a:rect b="b" l="l" r="r" t="t"/>
+            <a:avLst/>
+            <a:gdLst/>
+            <a:ahLst/>
+            <a:cxnLst/>
+            <a:rect l="l" t="t" r="r" b="b"/>
             <a:pathLst>
-              <a:path extrusionOk="0" h="120000" w="120000">
+              <a:path w="120000" h="120000" extrusionOk="0">
                 <a:moveTo>
                   <a:pt x="0" y="0"/>
                 </a:moveTo>
@@ -866,9 +892,11 @@
       <p:sp>
         <p:nvSpPr>
           <p:cNvPr id="143" name="Google Shape;143;ge965474a9_3_399:notes"/>
-          <p:cNvSpPr txBox="1"/>
+          <p:cNvSpPr txBox="1">
+            <a:spLocks noGrp="1"/>
+          </p:cNvSpPr>
           <p:nvPr>
-            <p:ph idx="1" type="body"/>
+            <p:ph type="body" idx="1"/>
           </p:nvPr>
         </p:nvSpPr>
         <p:spPr>
@@ -881,12 +909,12 @@
           </a:prstGeom>
         </p:spPr>
         <p:txBody>
-          <a:bodyPr anchorCtr="0" anchor="t" bIns="91425" lIns="91425" spcFirstLastPara="1" rIns="91425" wrap="square" tIns="91425">
+          <a:bodyPr spcFirstLastPara="1" wrap="square" lIns="91425" tIns="91425" rIns="91425" bIns="91425" anchor="t" anchorCtr="0">
             <a:noAutofit/>
           </a:bodyPr>
           <a:lstStyle/>
           <a:p>
-            <a:pPr indent="0" lvl="0" marL="0" rtl="0" algn="l">
+            <a:pPr marL="0" lvl="0" indent="0" algn="l" rtl="0">
               <a:spcBef>
                 <a:spcPts val="0"/>
               </a:spcBef>
@@ -895,9 +923,6 @@
               </a:spcAft>
               <a:buNone/>
             </a:pPr>
-            <a:r>
-              <a:t/>
-            </a:r>
             <a:endParaRPr/>
           </a:p>
         </p:txBody>
@@ -911,11 +936,11 @@
 </file>
 
 <file path=ppt/notesSlides/notesSlide11.xml><?xml version="1.0" encoding="utf-8"?>
-<p:notes xmlns:a="http://schemas.openxmlformats.org/drawingml/2006/main" xmlns:r="http://schemas.openxmlformats.org/officeDocument/2006/relationships" xmlns:mc="http://schemas.openxmlformats.org/markup-compatibility/2006" xmlns:mv="urn:schemas-microsoft-com:mac:vml" xmlns:p="http://schemas.openxmlformats.org/presentationml/2006/main" xmlns:c="http://schemas.openxmlformats.org/drawingml/2006/chart" xmlns:dgm="http://schemas.openxmlformats.org/drawingml/2006/diagram" xmlns:o="urn:schemas-microsoft-com:office:office" xmlns:v="urn:schemas-microsoft-com:vml" xmlns:pvml="urn:schemas-microsoft-com:office:powerpoint" xmlns:com="http://schemas.openxmlformats.org/drawingml/2006/compatibility" xmlns:p14="http://schemas.microsoft.com/office/powerpoint/2010/main" xmlns:p15="http://schemas.microsoft.com/office/powerpoint/2012/main" xmlns:ahyp="http://schemas.microsoft.com/office/drawing/2018/hyperlinkcolor" showMasterPhAnim="0" showMasterSp="0">
+<p:notes xmlns:a="http://schemas.openxmlformats.org/drawingml/2006/main" xmlns:r="http://schemas.openxmlformats.org/officeDocument/2006/relationships" xmlns:p="http://schemas.openxmlformats.org/presentationml/2006/main" showMasterSp="0" showMasterPhAnim="0">
   <p:cSld>
     <p:spTree>
       <p:nvGrpSpPr>
-        <p:cNvPr id="147" name="Shape 147"/>
+        <p:cNvPr id="1" name="Shape 147"/>
         <p:cNvGrpSpPr/>
         <p:nvPr/>
       </p:nvGrpSpPr>
@@ -930,9 +955,11 @@
       <p:sp>
         <p:nvSpPr>
           <p:cNvPr id="148" name="Google Shape;148;gcb9a0b074_1_213:notes"/>
-          <p:cNvSpPr/>
+          <p:cNvSpPr>
+            <a:spLocks noGrp="1" noRot="1" noChangeAspect="1"/>
+          </p:cNvSpPr>
           <p:nvPr>
-            <p:ph idx="2" type="sldImg"/>
+            <p:ph type="sldImg" idx="2"/>
           </p:nvPr>
         </p:nvSpPr>
         <p:spPr>
@@ -941,9 +968,13 @@
             <a:ext cx="6096000" cy="3429000"/>
           </a:xfrm>
           <a:custGeom>
-            <a:rect b="b" l="l" r="r" t="t"/>
+            <a:avLst/>
+            <a:gdLst/>
+            <a:ahLst/>
+            <a:cxnLst/>
+            <a:rect l="l" t="t" r="r" b="b"/>
             <a:pathLst>
-              <a:path extrusionOk="0" h="120000" w="120000">
+              <a:path w="120000" h="120000" extrusionOk="0">
                 <a:moveTo>
                   <a:pt x="0" y="0"/>
                 </a:moveTo>
@@ -965,9 +996,11 @@
       <p:sp>
         <p:nvSpPr>
           <p:cNvPr id="149" name="Google Shape;149;gcb9a0b074_1_213:notes"/>
-          <p:cNvSpPr txBox="1"/>
+          <p:cNvSpPr txBox="1">
+            <a:spLocks noGrp="1"/>
+          </p:cNvSpPr>
           <p:nvPr>
-            <p:ph idx="1" type="body"/>
+            <p:ph type="body" idx="1"/>
           </p:nvPr>
         </p:nvSpPr>
         <p:spPr>
@@ -980,12 +1013,12 @@
           </a:prstGeom>
         </p:spPr>
         <p:txBody>
-          <a:bodyPr anchorCtr="0" anchor="t" bIns="91425" lIns="91425" spcFirstLastPara="1" rIns="91425" wrap="square" tIns="91425">
+          <a:bodyPr spcFirstLastPara="1" wrap="square" lIns="91425" tIns="91425" rIns="91425" bIns="91425" anchor="t" anchorCtr="0">
             <a:noAutofit/>
           </a:bodyPr>
           <a:lstStyle/>
           <a:p>
-            <a:pPr indent="0" lvl="0" marL="0" rtl="0" algn="l">
+            <a:pPr marL="0" lvl="0" indent="0" algn="l" rtl="0">
               <a:spcBef>
                 <a:spcPts val="0"/>
               </a:spcBef>
@@ -994,9 +1027,6 @@
               </a:spcAft>
               <a:buNone/>
             </a:pPr>
-            <a:r>
-              <a:t/>
-            </a:r>
             <a:endParaRPr/>
           </a:p>
         </p:txBody>
@@ -1010,11 +1040,11 @@
 </file>
 
 <file path=ppt/notesSlides/notesSlide2.xml><?xml version="1.0" encoding="utf-8"?>
-<p:notes xmlns:a="http://schemas.openxmlformats.org/drawingml/2006/main" xmlns:r="http://schemas.openxmlformats.org/officeDocument/2006/relationships" xmlns:mc="http://schemas.openxmlformats.org/markup-compatibility/2006" xmlns:mv="urn:schemas-microsoft-com:mac:vml" xmlns:p="http://schemas.openxmlformats.org/presentationml/2006/main" xmlns:c="http://schemas.openxmlformats.org/drawingml/2006/chart" xmlns:dgm="http://schemas.openxmlformats.org/drawingml/2006/diagram" xmlns:o="urn:schemas-microsoft-com:office:office" xmlns:v="urn:schemas-microsoft-com:vml" xmlns:pvml="urn:schemas-microsoft-com:office:powerpoint" xmlns:com="http://schemas.openxmlformats.org/drawingml/2006/compatibility" xmlns:p14="http://schemas.microsoft.com/office/powerpoint/2010/main" xmlns:p15="http://schemas.microsoft.com/office/powerpoint/2012/main" xmlns:ahyp="http://schemas.microsoft.com/office/drawing/2018/hyperlinkcolor" showMasterPhAnim="0" showMasterSp="0">
+<p:notes xmlns:a="http://schemas.openxmlformats.org/drawingml/2006/main" xmlns:r="http://schemas.openxmlformats.org/officeDocument/2006/relationships" xmlns:p="http://schemas.openxmlformats.org/presentationml/2006/main" showMasterSp="0" showMasterPhAnim="0">
   <p:cSld>
     <p:spTree>
       <p:nvGrpSpPr>
-        <p:cNvPr id="75" name="Shape 75"/>
+        <p:cNvPr id="1" name="Shape 75"/>
         <p:cNvGrpSpPr/>
         <p:nvPr/>
       </p:nvGrpSpPr>
@@ -1029,9 +1059,11 @@
       <p:sp>
         <p:nvSpPr>
           <p:cNvPr id="76" name="Google Shape;76;g723630543_3_0:notes"/>
-          <p:cNvSpPr/>
+          <p:cNvSpPr>
+            <a:spLocks noGrp="1" noRot="1" noChangeAspect="1"/>
+          </p:cNvSpPr>
           <p:nvPr>
-            <p:ph idx="2" type="sldImg"/>
+            <p:ph type="sldImg" idx="2"/>
           </p:nvPr>
         </p:nvSpPr>
         <p:spPr>
@@ -1040,9 +1072,13 @@
             <a:ext cx="6096000" cy="3429000"/>
           </a:xfrm>
           <a:custGeom>
-            <a:rect b="b" l="l" r="r" t="t"/>
+            <a:avLst/>
+            <a:gdLst/>
+            <a:ahLst/>
+            <a:cxnLst/>
+            <a:rect l="l" t="t" r="r" b="b"/>
             <a:pathLst>
-              <a:path extrusionOk="0" h="120000" w="120000">
+              <a:path w="120000" h="120000" extrusionOk="0">
                 <a:moveTo>
                   <a:pt x="0" y="0"/>
                 </a:moveTo>
@@ -1064,9 +1100,11 @@
       <p:sp>
         <p:nvSpPr>
           <p:cNvPr id="77" name="Google Shape;77;g723630543_3_0:notes"/>
-          <p:cNvSpPr txBox="1"/>
+          <p:cNvSpPr txBox="1">
+            <a:spLocks noGrp="1"/>
+          </p:cNvSpPr>
           <p:nvPr>
-            <p:ph idx="1" type="body"/>
+            <p:ph type="body" idx="1"/>
           </p:nvPr>
         </p:nvSpPr>
         <p:spPr>
@@ -1079,12 +1117,12 @@
           </a:prstGeom>
         </p:spPr>
         <p:txBody>
-          <a:bodyPr anchorCtr="0" anchor="t" bIns="91425" lIns="91425" spcFirstLastPara="1" rIns="91425" wrap="square" tIns="91425">
+          <a:bodyPr spcFirstLastPara="1" wrap="square" lIns="91425" tIns="91425" rIns="91425" bIns="91425" anchor="t" anchorCtr="0">
             <a:noAutofit/>
           </a:bodyPr>
           <a:lstStyle/>
           <a:p>
-            <a:pPr indent="0" lvl="0" marL="0" rtl="0" algn="l">
+            <a:pPr marL="0" lvl="0" indent="0" algn="l" rtl="0">
               <a:spcBef>
                 <a:spcPts val="0"/>
               </a:spcBef>
@@ -1093,9 +1131,6 @@
               </a:spcAft>
               <a:buNone/>
             </a:pPr>
-            <a:r>
-              <a:t/>
-            </a:r>
             <a:endParaRPr/>
           </a:p>
         </p:txBody>
@@ -1109,11 +1144,11 @@
 </file>
 
 <file path=ppt/notesSlides/notesSlide3.xml><?xml version="1.0" encoding="utf-8"?>
-<p:notes xmlns:a="http://schemas.openxmlformats.org/drawingml/2006/main" xmlns:r="http://schemas.openxmlformats.org/officeDocument/2006/relationships" xmlns:mc="http://schemas.openxmlformats.org/markup-compatibility/2006" xmlns:mv="urn:schemas-microsoft-com:mac:vml" xmlns:p="http://schemas.openxmlformats.org/presentationml/2006/main" xmlns:c="http://schemas.openxmlformats.org/drawingml/2006/chart" xmlns:dgm="http://schemas.openxmlformats.org/drawingml/2006/diagram" xmlns:o="urn:schemas-microsoft-com:office:office" xmlns:v="urn:schemas-microsoft-com:vml" xmlns:pvml="urn:schemas-microsoft-com:office:powerpoint" xmlns:com="http://schemas.openxmlformats.org/drawingml/2006/compatibility" xmlns:p14="http://schemas.microsoft.com/office/powerpoint/2010/main" xmlns:p15="http://schemas.microsoft.com/office/powerpoint/2012/main" xmlns:ahyp="http://schemas.microsoft.com/office/drawing/2018/hyperlinkcolor" showMasterPhAnim="0" showMasterSp="0">
+<p:notes xmlns:a="http://schemas.openxmlformats.org/drawingml/2006/main" xmlns:r="http://schemas.openxmlformats.org/officeDocument/2006/relationships" xmlns:p="http://schemas.openxmlformats.org/presentationml/2006/main" showMasterSp="0" showMasterPhAnim="0">
   <p:cSld>
     <p:spTree>
       <p:nvGrpSpPr>
-        <p:cNvPr id="84" name="Shape 84"/>
+        <p:cNvPr id="1" name="Shape 84"/>
         <p:cNvGrpSpPr/>
         <p:nvPr/>
       </p:nvGrpSpPr>
@@ -1128,9 +1163,11 @@
       <p:sp>
         <p:nvSpPr>
           <p:cNvPr id="85" name="Google Shape;85;gcb9a0b074_1_140:notes"/>
-          <p:cNvSpPr/>
+          <p:cNvSpPr>
+            <a:spLocks noGrp="1" noRot="1" noChangeAspect="1"/>
+          </p:cNvSpPr>
           <p:nvPr>
-            <p:ph idx="2" type="sldImg"/>
+            <p:ph type="sldImg" idx="2"/>
           </p:nvPr>
         </p:nvSpPr>
         <p:spPr>
@@ -1139,9 +1176,13 @@
             <a:ext cx="6096000" cy="3429000"/>
           </a:xfrm>
           <a:custGeom>
-            <a:rect b="b" l="l" r="r" t="t"/>
+            <a:avLst/>
+            <a:gdLst/>
+            <a:ahLst/>
+            <a:cxnLst/>
+            <a:rect l="l" t="t" r="r" b="b"/>
             <a:pathLst>
-              <a:path extrusionOk="0" h="120000" w="120000">
+              <a:path w="120000" h="120000" extrusionOk="0">
                 <a:moveTo>
                   <a:pt x="0" y="0"/>
                 </a:moveTo>
@@ -1163,9 +1204,11 @@
       <p:sp>
         <p:nvSpPr>
           <p:cNvPr id="86" name="Google Shape;86;gcb9a0b074_1_140:notes"/>
-          <p:cNvSpPr txBox="1"/>
+          <p:cNvSpPr txBox="1">
+            <a:spLocks noGrp="1"/>
+          </p:cNvSpPr>
           <p:nvPr>
-            <p:ph idx="1" type="body"/>
+            <p:ph type="body" idx="1"/>
           </p:nvPr>
         </p:nvSpPr>
         <p:spPr>
@@ -1178,12 +1221,12 @@
           </a:prstGeom>
         </p:spPr>
         <p:txBody>
-          <a:bodyPr anchorCtr="0" anchor="t" bIns="91425" lIns="91425" spcFirstLastPara="1" rIns="91425" wrap="square" tIns="91425">
+          <a:bodyPr spcFirstLastPara="1" wrap="square" lIns="91425" tIns="91425" rIns="91425" bIns="91425" anchor="t" anchorCtr="0">
             <a:noAutofit/>
           </a:bodyPr>
           <a:lstStyle/>
           <a:p>
-            <a:pPr indent="0" lvl="0" marL="0" rtl="0" algn="l">
+            <a:pPr marL="0" lvl="0" indent="0" algn="l" rtl="0">
               <a:spcBef>
                 <a:spcPts val="0"/>
               </a:spcBef>
@@ -1192,9 +1235,6 @@
               </a:spcAft>
               <a:buNone/>
             </a:pPr>
-            <a:r>
-              <a:t/>
-            </a:r>
             <a:endParaRPr/>
           </a:p>
         </p:txBody>
@@ -1208,11 +1248,11 @@
 </file>
 
 <file path=ppt/notesSlides/notesSlide4.xml><?xml version="1.0" encoding="utf-8"?>
-<p:notes xmlns:a="http://schemas.openxmlformats.org/drawingml/2006/main" xmlns:r="http://schemas.openxmlformats.org/officeDocument/2006/relationships" xmlns:mc="http://schemas.openxmlformats.org/markup-compatibility/2006" xmlns:mv="urn:schemas-microsoft-com:mac:vml" xmlns:p="http://schemas.openxmlformats.org/presentationml/2006/main" xmlns:c="http://schemas.openxmlformats.org/drawingml/2006/chart" xmlns:dgm="http://schemas.openxmlformats.org/drawingml/2006/diagram" xmlns:o="urn:schemas-microsoft-com:office:office" xmlns:v="urn:schemas-microsoft-com:vml" xmlns:pvml="urn:schemas-microsoft-com:office:powerpoint" xmlns:com="http://schemas.openxmlformats.org/drawingml/2006/compatibility" xmlns:p14="http://schemas.microsoft.com/office/powerpoint/2010/main" xmlns:p15="http://schemas.microsoft.com/office/powerpoint/2012/main" xmlns:ahyp="http://schemas.microsoft.com/office/drawing/2018/hyperlinkcolor" showMasterPhAnim="0" showMasterSp="0">
+<p:notes xmlns:a="http://schemas.openxmlformats.org/drawingml/2006/main" xmlns:r="http://schemas.openxmlformats.org/officeDocument/2006/relationships" xmlns:p="http://schemas.openxmlformats.org/presentationml/2006/main" showMasterSp="0" showMasterPhAnim="0">
   <p:cSld>
     <p:spTree>
       <p:nvGrpSpPr>
-        <p:cNvPr id="91" name="Shape 91"/>
+        <p:cNvPr id="1" name="Shape 91"/>
         <p:cNvGrpSpPr/>
         <p:nvPr/>
       </p:nvGrpSpPr>
@@ -1227,9 +1267,11 @@
       <p:sp>
         <p:nvSpPr>
           <p:cNvPr id="92" name="Google Shape;92;gd251bb473_0_600:notes"/>
-          <p:cNvSpPr/>
+          <p:cNvSpPr>
+            <a:spLocks noGrp="1" noRot="1" noChangeAspect="1"/>
+          </p:cNvSpPr>
           <p:nvPr>
-            <p:ph idx="2" type="sldImg"/>
+            <p:ph type="sldImg" idx="2"/>
           </p:nvPr>
         </p:nvSpPr>
         <p:spPr>
@@ -1238,9 +1280,13 @@
             <a:ext cx="6096000" cy="3429000"/>
           </a:xfrm>
           <a:custGeom>
-            <a:rect b="b" l="l" r="r" t="t"/>
+            <a:avLst/>
+            <a:gdLst/>
+            <a:ahLst/>
+            <a:cxnLst/>
+            <a:rect l="l" t="t" r="r" b="b"/>
             <a:pathLst>
-              <a:path extrusionOk="0" h="120000" w="120000">
+              <a:path w="120000" h="120000" extrusionOk="0">
                 <a:moveTo>
                   <a:pt x="0" y="0"/>
                 </a:moveTo>
@@ -1262,9 +1308,11 @@
       <p:sp>
         <p:nvSpPr>
           <p:cNvPr id="93" name="Google Shape;93;gd251bb473_0_600:notes"/>
-          <p:cNvSpPr txBox="1"/>
+          <p:cNvSpPr txBox="1">
+            <a:spLocks noGrp="1"/>
+          </p:cNvSpPr>
           <p:nvPr>
-            <p:ph idx="1" type="body"/>
+            <p:ph type="body" idx="1"/>
           </p:nvPr>
         </p:nvSpPr>
         <p:spPr>
@@ -1277,12 +1325,12 @@
           </a:prstGeom>
         </p:spPr>
         <p:txBody>
-          <a:bodyPr anchorCtr="0" anchor="t" bIns="91425" lIns="91425" spcFirstLastPara="1" rIns="91425" wrap="square" tIns="91425">
+          <a:bodyPr spcFirstLastPara="1" wrap="square" lIns="91425" tIns="91425" rIns="91425" bIns="91425" anchor="t" anchorCtr="0">
             <a:noAutofit/>
           </a:bodyPr>
           <a:lstStyle/>
           <a:p>
-            <a:pPr indent="0" lvl="0" marL="0" rtl="0" algn="l">
+            <a:pPr marL="0" lvl="0" indent="0" algn="l" rtl="0">
               <a:spcBef>
                 <a:spcPts val="0"/>
               </a:spcBef>
@@ -1291,9 +1339,6 @@
               </a:spcAft>
               <a:buNone/>
             </a:pPr>
-            <a:r>
-              <a:t/>
-            </a:r>
             <a:endParaRPr/>
           </a:p>
         </p:txBody>
@@ -1307,11 +1352,11 @@
 </file>
 
 <file path=ppt/notesSlides/notesSlide5.xml><?xml version="1.0" encoding="utf-8"?>
-<p:notes xmlns:a="http://schemas.openxmlformats.org/drawingml/2006/main" xmlns:r="http://schemas.openxmlformats.org/officeDocument/2006/relationships" xmlns:mc="http://schemas.openxmlformats.org/markup-compatibility/2006" xmlns:mv="urn:schemas-microsoft-com:mac:vml" xmlns:p="http://schemas.openxmlformats.org/presentationml/2006/main" xmlns:c="http://schemas.openxmlformats.org/drawingml/2006/chart" xmlns:dgm="http://schemas.openxmlformats.org/drawingml/2006/diagram" xmlns:o="urn:schemas-microsoft-com:office:office" xmlns:v="urn:schemas-microsoft-com:vml" xmlns:pvml="urn:schemas-microsoft-com:office:powerpoint" xmlns:com="http://schemas.openxmlformats.org/drawingml/2006/compatibility" xmlns:p14="http://schemas.microsoft.com/office/powerpoint/2010/main" xmlns:p15="http://schemas.microsoft.com/office/powerpoint/2012/main" xmlns:ahyp="http://schemas.microsoft.com/office/drawing/2018/hyperlinkcolor" showMasterPhAnim="0" showMasterSp="0">
+<p:notes xmlns:a="http://schemas.openxmlformats.org/drawingml/2006/main" xmlns:r="http://schemas.openxmlformats.org/officeDocument/2006/relationships" xmlns:p="http://schemas.openxmlformats.org/presentationml/2006/main" showMasterSp="0" showMasterPhAnim="0">
   <p:cSld>
     <p:spTree>
       <p:nvGrpSpPr>
-        <p:cNvPr id="97" name="Shape 97"/>
+        <p:cNvPr id="1" name="Shape 97"/>
         <p:cNvGrpSpPr/>
         <p:nvPr/>
       </p:nvGrpSpPr>
@@ -1326,9 +1371,11 @@
       <p:sp>
         <p:nvSpPr>
           <p:cNvPr id="98" name="Google Shape;98;g10ac181f137_5_0:notes"/>
-          <p:cNvSpPr/>
+          <p:cNvSpPr>
+            <a:spLocks noGrp="1" noRot="1" noChangeAspect="1"/>
+          </p:cNvSpPr>
           <p:nvPr>
-            <p:ph idx="2" type="sldImg"/>
+            <p:ph type="sldImg" idx="2"/>
           </p:nvPr>
         </p:nvSpPr>
         <p:spPr>
@@ -1337,9 +1384,13 @@
             <a:ext cx="6096000" cy="3429000"/>
           </a:xfrm>
           <a:custGeom>
-            <a:rect b="b" l="l" r="r" t="t"/>
+            <a:avLst/>
+            <a:gdLst/>
+            <a:ahLst/>
+            <a:cxnLst/>
+            <a:rect l="l" t="t" r="r" b="b"/>
             <a:pathLst>
-              <a:path extrusionOk="0" h="120000" w="120000">
+              <a:path w="120000" h="120000" extrusionOk="0">
                 <a:moveTo>
                   <a:pt x="0" y="0"/>
                 </a:moveTo>
@@ -1361,9 +1412,11 @@
       <p:sp>
         <p:nvSpPr>
           <p:cNvPr id="99" name="Google Shape;99;g10ac181f137_5_0:notes"/>
-          <p:cNvSpPr txBox="1"/>
+          <p:cNvSpPr txBox="1">
+            <a:spLocks noGrp="1"/>
+          </p:cNvSpPr>
           <p:nvPr>
-            <p:ph idx="1" type="body"/>
+            <p:ph type="body" idx="1"/>
           </p:nvPr>
         </p:nvSpPr>
         <p:spPr>
@@ -1376,12 +1429,12 @@
           </a:prstGeom>
         </p:spPr>
         <p:txBody>
-          <a:bodyPr anchorCtr="0" anchor="t" bIns="91425" lIns="91425" spcFirstLastPara="1" rIns="91425" wrap="square" tIns="91425">
+          <a:bodyPr spcFirstLastPara="1" wrap="square" lIns="91425" tIns="91425" rIns="91425" bIns="91425" anchor="t" anchorCtr="0">
             <a:noAutofit/>
           </a:bodyPr>
           <a:lstStyle/>
           <a:p>
-            <a:pPr indent="0" lvl="0" marL="0" rtl="0" algn="l">
+            <a:pPr marL="0" lvl="0" indent="0" algn="l" rtl="0">
               <a:spcBef>
                 <a:spcPts val="0"/>
               </a:spcBef>
@@ -1390,9 +1443,6 @@
               </a:spcAft>
               <a:buNone/>
             </a:pPr>
-            <a:r>
-              <a:t/>
-            </a:r>
             <a:endParaRPr/>
           </a:p>
         </p:txBody>
@@ -1406,11 +1456,11 @@
 </file>
 
 <file path=ppt/notesSlides/notesSlide6.xml><?xml version="1.0" encoding="utf-8"?>
-<p:notes xmlns:a="http://schemas.openxmlformats.org/drawingml/2006/main" xmlns:r="http://schemas.openxmlformats.org/officeDocument/2006/relationships" xmlns:mc="http://schemas.openxmlformats.org/markup-compatibility/2006" xmlns:mv="urn:schemas-microsoft-com:mac:vml" xmlns:p="http://schemas.openxmlformats.org/presentationml/2006/main" xmlns:c="http://schemas.openxmlformats.org/drawingml/2006/chart" xmlns:dgm="http://schemas.openxmlformats.org/drawingml/2006/diagram" xmlns:o="urn:schemas-microsoft-com:office:office" xmlns:v="urn:schemas-microsoft-com:vml" xmlns:pvml="urn:schemas-microsoft-com:office:powerpoint" xmlns:com="http://schemas.openxmlformats.org/drawingml/2006/compatibility" xmlns:p14="http://schemas.microsoft.com/office/powerpoint/2010/main" xmlns:p15="http://schemas.microsoft.com/office/powerpoint/2012/main" xmlns:ahyp="http://schemas.microsoft.com/office/drawing/2018/hyperlinkcolor" showMasterPhAnim="0" showMasterSp="0">
+<p:notes xmlns:a="http://schemas.openxmlformats.org/drawingml/2006/main" xmlns:r="http://schemas.openxmlformats.org/officeDocument/2006/relationships" xmlns:p="http://schemas.openxmlformats.org/presentationml/2006/main" showMasterSp="0" showMasterPhAnim="0">
   <p:cSld>
     <p:spTree>
       <p:nvGrpSpPr>
-        <p:cNvPr id="104" name="Shape 104"/>
+        <p:cNvPr id="1" name="Shape 104"/>
         <p:cNvGrpSpPr/>
         <p:nvPr/>
       </p:nvGrpSpPr>
@@ -1425,9 +1475,11 @@
       <p:sp>
         <p:nvSpPr>
           <p:cNvPr id="105" name="Google Shape;105;gd251bb473_0_681:notes"/>
-          <p:cNvSpPr/>
+          <p:cNvSpPr>
+            <a:spLocks noGrp="1" noRot="1" noChangeAspect="1"/>
+          </p:cNvSpPr>
           <p:nvPr>
-            <p:ph idx="2" type="sldImg"/>
+            <p:ph type="sldImg" idx="2"/>
           </p:nvPr>
         </p:nvSpPr>
         <p:spPr>
@@ -1436,9 +1488,13 @@
             <a:ext cx="6096000" cy="3429000"/>
           </a:xfrm>
           <a:custGeom>
-            <a:rect b="b" l="l" r="r" t="t"/>
+            <a:avLst/>
+            <a:gdLst/>
+            <a:ahLst/>
+            <a:cxnLst/>
+            <a:rect l="l" t="t" r="r" b="b"/>
             <a:pathLst>
-              <a:path extrusionOk="0" h="120000" w="120000">
+              <a:path w="120000" h="120000" extrusionOk="0">
                 <a:moveTo>
                   <a:pt x="0" y="0"/>
                 </a:moveTo>
@@ -1460,9 +1516,11 @@
       <p:sp>
         <p:nvSpPr>
           <p:cNvPr id="106" name="Google Shape;106;gd251bb473_0_681:notes"/>
-          <p:cNvSpPr txBox="1"/>
+          <p:cNvSpPr txBox="1">
+            <a:spLocks noGrp="1"/>
+          </p:cNvSpPr>
           <p:nvPr>
-            <p:ph idx="1" type="body"/>
+            <p:ph type="body" idx="1"/>
           </p:nvPr>
         </p:nvSpPr>
         <p:spPr>
@@ -1475,12 +1533,12 @@
           </a:prstGeom>
         </p:spPr>
         <p:txBody>
-          <a:bodyPr anchorCtr="0" anchor="t" bIns="91425" lIns="91425" spcFirstLastPara="1" rIns="91425" wrap="square" tIns="91425">
+          <a:bodyPr spcFirstLastPara="1" wrap="square" lIns="91425" tIns="91425" rIns="91425" bIns="91425" anchor="t" anchorCtr="0">
             <a:noAutofit/>
           </a:bodyPr>
           <a:lstStyle/>
           <a:p>
-            <a:pPr indent="0" lvl="0" marL="0" rtl="0" algn="l">
+            <a:pPr marL="0" lvl="0" indent="0" algn="l" rtl="0">
               <a:spcBef>
                 <a:spcPts val="0"/>
               </a:spcBef>
@@ -1489,9 +1547,6 @@
               </a:spcAft>
               <a:buNone/>
             </a:pPr>
-            <a:r>
-              <a:t/>
-            </a:r>
             <a:endParaRPr/>
           </a:p>
         </p:txBody>
@@ -1505,11 +1560,11 @@
 </file>
 
 <file path=ppt/notesSlides/notesSlide7.xml><?xml version="1.0" encoding="utf-8"?>
-<p:notes xmlns:a="http://schemas.openxmlformats.org/drawingml/2006/main" xmlns:r="http://schemas.openxmlformats.org/officeDocument/2006/relationships" xmlns:mc="http://schemas.openxmlformats.org/markup-compatibility/2006" xmlns:mv="urn:schemas-microsoft-com:mac:vml" xmlns:p="http://schemas.openxmlformats.org/presentationml/2006/main" xmlns:c="http://schemas.openxmlformats.org/drawingml/2006/chart" xmlns:dgm="http://schemas.openxmlformats.org/drawingml/2006/diagram" xmlns:o="urn:schemas-microsoft-com:office:office" xmlns:v="urn:schemas-microsoft-com:vml" xmlns:pvml="urn:schemas-microsoft-com:office:powerpoint" xmlns:com="http://schemas.openxmlformats.org/drawingml/2006/compatibility" xmlns:p14="http://schemas.microsoft.com/office/powerpoint/2010/main" xmlns:p15="http://schemas.microsoft.com/office/powerpoint/2012/main" xmlns:ahyp="http://schemas.microsoft.com/office/drawing/2018/hyperlinkcolor" showMasterPhAnim="0" showMasterSp="0">
+<p:notes xmlns:a="http://schemas.openxmlformats.org/drawingml/2006/main" xmlns:r="http://schemas.openxmlformats.org/officeDocument/2006/relationships" xmlns:p="http://schemas.openxmlformats.org/presentationml/2006/main" showMasterSp="0" showMasterPhAnim="0">
   <p:cSld>
     <p:spTree>
       <p:nvGrpSpPr>
-        <p:cNvPr id="111" name="Shape 111"/>
+        <p:cNvPr id="1" name="Shape 111"/>
         <p:cNvGrpSpPr/>
         <p:nvPr/>
       </p:nvGrpSpPr>
@@ -1524,20 +1579,26 @@
       <p:sp>
         <p:nvSpPr>
           <p:cNvPr id="112" name="Google Shape;112;ge965474a9_3_50:notes"/>
-          <p:cNvSpPr/>
+          <p:cNvSpPr>
+            <a:spLocks noGrp="1" noRot="1" noChangeAspect="1"/>
+          </p:cNvSpPr>
           <p:nvPr>
-            <p:ph idx="2" type="sldImg"/>
+            <p:ph type="sldImg" idx="2"/>
           </p:nvPr>
         </p:nvSpPr>
         <p:spPr>
           <a:xfrm>
-            <a:off x="381300" y="685800"/>
+            <a:off x="381000" y="685800"/>
             <a:ext cx="6096000" cy="3429000"/>
           </a:xfrm>
           <a:custGeom>
-            <a:rect b="b" l="l" r="r" t="t"/>
+            <a:avLst/>
+            <a:gdLst/>
+            <a:ahLst/>
+            <a:cxnLst/>
+            <a:rect l="l" t="t" r="r" b="b"/>
             <a:pathLst>
-              <a:path extrusionOk="0" h="120000" w="120000">
+              <a:path w="120000" h="120000" extrusionOk="0">
                 <a:moveTo>
                   <a:pt x="0" y="0"/>
                 </a:moveTo>
@@ -1559,9 +1620,11 @@
       <p:sp>
         <p:nvSpPr>
           <p:cNvPr id="113" name="Google Shape;113;ge965474a9_3_50:notes"/>
-          <p:cNvSpPr txBox="1"/>
+          <p:cNvSpPr txBox="1">
+            <a:spLocks noGrp="1"/>
+          </p:cNvSpPr>
           <p:nvPr>
-            <p:ph idx="1" type="body"/>
+            <p:ph type="body" idx="1"/>
           </p:nvPr>
         </p:nvSpPr>
         <p:spPr>
@@ -1574,12 +1637,12 @@
           </a:prstGeom>
         </p:spPr>
         <p:txBody>
-          <a:bodyPr anchorCtr="0" anchor="t" bIns="91425" lIns="91425" spcFirstLastPara="1" rIns="91425" wrap="square" tIns="91425">
+          <a:bodyPr spcFirstLastPara="1" wrap="square" lIns="91425" tIns="91425" rIns="91425" bIns="91425" anchor="t" anchorCtr="0">
             <a:noAutofit/>
           </a:bodyPr>
           <a:lstStyle/>
           <a:p>
-            <a:pPr indent="0" lvl="0" marL="0" rtl="0" algn="l">
+            <a:pPr marL="0" lvl="0" indent="0" algn="l" rtl="0">
               <a:spcBef>
                 <a:spcPts val="0"/>
               </a:spcBef>
@@ -1588,9 +1651,6 @@
               </a:spcAft>
               <a:buNone/>
             </a:pPr>
-            <a:r>
-              <a:t/>
-            </a:r>
             <a:endParaRPr/>
           </a:p>
         </p:txBody>
@@ -1604,11 +1664,11 @@
 </file>
 
 <file path=ppt/notesSlides/notesSlide8.xml><?xml version="1.0" encoding="utf-8"?>
-<p:notes xmlns:a="http://schemas.openxmlformats.org/drawingml/2006/main" xmlns:r="http://schemas.openxmlformats.org/officeDocument/2006/relationships" xmlns:mc="http://schemas.openxmlformats.org/markup-compatibility/2006" xmlns:mv="urn:schemas-microsoft-com:mac:vml" xmlns:p="http://schemas.openxmlformats.org/presentationml/2006/main" xmlns:c="http://schemas.openxmlformats.org/drawingml/2006/chart" xmlns:dgm="http://schemas.openxmlformats.org/drawingml/2006/diagram" xmlns:o="urn:schemas-microsoft-com:office:office" xmlns:v="urn:schemas-microsoft-com:vml" xmlns:pvml="urn:schemas-microsoft-com:office:powerpoint" xmlns:com="http://schemas.openxmlformats.org/drawingml/2006/compatibility" xmlns:p14="http://schemas.microsoft.com/office/powerpoint/2010/main" xmlns:p15="http://schemas.microsoft.com/office/powerpoint/2012/main" xmlns:ahyp="http://schemas.microsoft.com/office/drawing/2018/hyperlinkcolor" showMasterPhAnim="0" showMasterSp="0">
+<p:notes xmlns:a="http://schemas.openxmlformats.org/drawingml/2006/main" xmlns:r="http://schemas.openxmlformats.org/officeDocument/2006/relationships" xmlns:p="http://schemas.openxmlformats.org/presentationml/2006/main" showMasterSp="0" showMasterPhAnim="0">
   <p:cSld>
     <p:spTree>
       <p:nvGrpSpPr>
-        <p:cNvPr id="125" name="Shape 125"/>
+        <p:cNvPr id="1" name="Shape 125"/>
         <p:cNvGrpSpPr/>
         <p:nvPr/>
       </p:nvGrpSpPr>
@@ -1623,9 +1683,11 @@
       <p:sp>
         <p:nvSpPr>
           <p:cNvPr id="126" name="Google Shape;126;g10ac181f137_5_18:notes"/>
-          <p:cNvSpPr/>
+          <p:cNvSpPr>
+            <a:spLocks noGrp="1" noRot="1" noChangeAspect="1"/>
+          </p:cNvSpPr>
           <p:nvPr>
-            <p:ph idx="2" type="sldImg"/>
+            <p:ph type="sldImg" idx="2"/>
           </p:nvPr>
         </p:nvSpPr>
         <p:spPr>
@@ -1634,9 +1696,13 @@
             <a:ext cx="6096000" cy="3429000"/>
           </a:xfrm>
           <a:custGeom>
-            <a:rect b="b" l="l" r="r" t="t"/>
+            <a:avLst/>
+            <a:gdLst/>
+            <a:ahLst/>
+            <a:cxnLst/>
+            <a:rect l="l" t="t" r="r" b="b"/>
             <a:pathLst>
-              <a:path extrusionOk="0" h="120000" w="120000">
+              <a:path w="120000" h="120000" extrusionOk="0">
                 <a:moveTo>
                   <a:pt x="0" y="0"/>
                 </a:moveTo>
@@ -1658,9 +1724,11 @@
       <p:sp>
         <p:nvSpPr>
           <p:cNvPr id="127" name="Google Shape;127;g10ac181f137_5_18:notes"/>
-          <p:cNvSpPr txBox="1"/>
+          <p:cNvSpPr txBox="1">
+            <a:spLocks noGrp="1"/>
+          </p:cNvSpPr>
           <p:nvPr>
-            <p:ph idx="1" type="body"/>
+            <p:ph type="body" idx="1"/>
           </p:nvPr>
         </p:nvSpPr>
         <p:spPr>
@@ -1673,12 +1741,12 @@
           </a:prstGeom>
         </p:spPr>
         <p:txBody>
-          <a:bodyPr anchorCtr="0" anchor="t" bIns="91425" lIns="91425" spcFirstLastPara="1" rIns="91425" wrap="square" tIns="91425">
+          <a:bodyPr spcFirstLastPara="1" wrap="square" lIns="91425" tIns="91425" rIns="91425" bIns="91425" anchor="t" anchorCtr="0">
             <a:noAutofit/>
           </a:bodyPr>
           <a:lstStyle/>
           <a:p>
-            <a:pPr indent="0" lvl="0" marL="0" rtl="0" algn="l">
+            <a:pPr marL="0" lvl="0" indent="0" algn="l" rtl="0">
               <a:spcBef>
                 <a:spcPts val="0"/>
               </a:spcBef>
@@ -1687,9 +1755,6 @@
               </a:spcAft>
               <a:buNone/>
             </a:pPr>
-            <a:r>
-              <a:t/>
-            </a:r>
             <a:endParaRPr/>
           </a:p>
         </p:txBody>
@@ -1703,11 +1768,11 @@
 </file>
 
 <file path=ppt/notesSlides/notesSlide9.xml><?xml version="1.0" encoding="utf-8"?>
-<p:notes xmlns:a="http://schemas.openxmlformats.org/drawingml/2006/main" xmlns:r="http://schemas.openxmlformats.org/officeDocument/2006/relationships" xmlns:mc="http://schemas.openxmlformats.org/markup-compatibility/2006" xmlns:mv="urn:schemas-microsoft-com:mac:vml" xmlns:p="http://schemas.openxmlformats.org/presentationml/2006/main" xmlns:c="http://schemas.openxmlformats.org/drawingml/2006/chart" xmlns:dgm="http://schemas.openxmlformats.org/drawingml/2006/diagram" xmlns:o="urn:schemas-microsoft-com:office:office" xmlns:v="urn:schemas-microsoft-com:vml" xmlns:pvml="urn:schemas-microsoft-com:office:powerpoint" xmlns:com="http://schemas.openxmlformats.org/drawingml/2006/compatibility" xmlns:p14="http://schemas.microsoft.com/office/powerpoint/2010/main" xmlns:p15="http://schemas.microsoft.com/office/powerpoint/2012/main" xmlns:ahyp="http://schemas.microsoft.com/office/drawing/2018/hyperlinkcolor" showMasterPhAnim="0" showMasterSp="0">
+<p:notes xmlns:a="http://schemas.openxmlformats.org/drawingml/2006/main" xmlns:r="http://schemas.openxmlformats.org/officeDocument/2006/relationships" xmlns:p="http://schemas.openxmlformats.org/presentationml/2006/main" showMasterSp="0" showMasterPhAnim="0">
   <p:cSld>
     <p:spTree>
       <p:nvGrpSpPr>
-        <p:cNvPr id="132" name="Shape 132"/>
+        <p:cNvPr id="1" name="Shape 132"/>
         <p:cNvGrpSpPr/>
         <p:nvPr/>
       </p:nvGrpSpPr>
@@ -1722,9 +1787,11 @@
       <p:sp>
         <p:nvSpPr>
           <p:cNvPr id="133" name="Google Shape;133;gcb9a0b074_1_103:notes"/>
-          <p:cNvSpPr/>
+          <p:cNvSpPr>
+            <a:spLocks noGrp="1" noRot="1" noChangeAspect="1"/>
+          </p:cNvSpPr>
           <p:nvPr>
-            <p:ph idx="2" type="sldImg"/>
+            <p:ph type="sldImg" idx="2"/>
           </p:nvPr>
         </p:nvSpPr>
         <p:spPr>
@@ -1733,9 +1800,13 @@
             <a:ext cx="6096000" cy="3429000"/>
           </a:xfrm>
           <a:custGeom>
-            <a:rect b="b" l="l" r="r" t="t"/>
+            <a:avLst/>
+            <a:gdLst/>
+            <a:ahLst/>
+            <a:cxnLst/>
+            <a:rect l="l" t="t" r="r" b="b"/>
             <a:pathLst>
-              <a:path extrusionOk="0" h="120000" w="120000">
+              <a:path w="120000" h="120000" extrusionOk="0">
                 <a:moveTo>
                   <a:pt x="0" y="0"/>
                 </a:moveTo>
@@ -1757,9 +1828,11 @@
       <p:sp>
         <p:nvSpPr>
           <p:cNvPr id="134" name="Google Shape;134;gcb9a0b074_1_103:notes"/>
-          <p:cNvSpPr txBox="1"/>
+          <p:cNvSpPr txBox="1">
+            <a:spLocks noGrp="1"/>
+          </p:cNvSpPr>
           <p:nvPr>
-            <p:ph idx="1" type="body"/>
+            <p:ph type="body" idx="1"/>
           </p:nvPr>
         </p:nvSpPr>
         <p:spPr>
@@ -1772,12 +1845,12 @@
           </a:prstGeom>
         </p:spPr>
         <p:txBody>
-          <a:bodyPr anchorCtr="0" anchor="t" bIns="91425" lIns="91425" spcFirstLastPara="1" rIns="91425" wrap="square" tIns="91425">
+          <a:bodyPr spcFirstLastPara="1" wrap="square" lIns="91425" tIns="91425" rIns="91425" bIns="91425" anchor="t" anchorCtr="0">
             <a:noAutofit/>
           </a:bodyPr>
           <a:lstStyle/>
           <a:p>
-            <a:pPr indent="0" lvl="0" marL="0" rtl="0" algn="l">
+            <a:pPr marL="0" lvl="0" indent="0" algn="l" rtl="0">
               <a:spcBef>
                 <a:spcPts val="0"/>
               </a:spcBef>
@@ -1786,9 +1859,6 @@
               </a:spcAft>
               <a:buNone/>
             </a:pPr>
-            <a:r>
-              <a:t/>
-            </a:r>
             <a:endParaRPr/>
           </a:p>
         </p:txBody>
@@ -1802,18 +1872,19 @@
 </file>
 
 <file path=ppt/slideLayouts/slideLayout1.xml><?xml version="1.0" encoding="utf-8"?>
-<p:sldLayout xmlns:a="http://schemas.openxmlformats.org/drawingml/2006/main" xmlns:r="http://schemas.openxmlformats.org/officeDocument/2006/relationships" xmlns:mc="http://schemas.openxmlformats.org/markup-compatibility/2006" xmlns:mv="urn:schemas-microsoft-com:mac:vml" xmlns:p="http://schemas.openxmlformats.org/presentationml/2006/main" xmlns:c="http://schemas.openxmlformats.org/drawingml/2006/chart" xmlns:dgm="http://schemas.openxmlformats.org/drawingml/2006/diagram" xmlns:o="urn:schemas-microsoft-com:office:office" xmlns:v="urn:schemas-microsoft-com:vml" xmlns:pvml="urn:schemas-microsoft-com:office:powerpoint" xmlns:com="http://schemas.openxmlformats.org/drawingml/2006/compatibility" xmlns:p14="http://schemas.microsoft.com/office/powerpoint/2010/main" xmlns:p15="http://schemas.microsoft.com/office/powerpoint/2012/main" xmlns:ahyp="http://schemas.microsoft.com/office/drawing/2018/hyperlinkcolor" matchingName="Title slide" type="title">
+<p:sldLayout xmlns:a="http://schemas.openxmlformats.org/drawingml/2006/main" xmlns:r="http://schemas.openxmlformats.org/officeDocument/2006/relationships" xmlns:p="http://schemas.openxmlformats.org/presentationml/2006/main" matchingName="Title slide" type="title">
   <p:cSld name="TITLE">
     <p:bg>
       <p:bgPr>
         <a:solidFill>
           <a:schemeClr val="dk1"/>
         </a:solidFill>
+        <a:effectLst/>
       </p:bgPr>
     </p:bg>
     <p:spTree>
       <p:nvGrpSpPr>
-        <p:cNvPr id="9" name="Shape 9"/>
+        <p:cNvPr id="1" name="Shape 9"/>
         <p:cNvGrpSpPr/>
         <p:nvPr/>
       </p:nvGrpSpPr>
@@ -1840,14 +1911,14 @@
             <a:avLst/>
           </a:prstGeom>
           <a:noFill/>
-          <a:ln cap="flat" cmpd="sng" w="38100">
+          <a:ln w="38100" cap="flat" cmpd="sng">
             <a:solidFill>
               <a:schemeClr val="lt1"/>
             </a:solidFill>
             <a:prstDash val="solid"/>
             <a:round/>
-            <a:headEnd len="sm" w="sm" type="none"/>
-            <a:tailEnd len="sm" w="sm" type="none"/>
+            <a:headEnd type="none" w="sm" len="sm"/>
+            <a:tailEnd type="none" w="sm" len="sm"/>
           </a:ln>
         </p:spPr>
       </p:cxnSp>
@@ -1866,14 +1937,14 @@
             <a:avLst/>
           </a:prstGeom>
           <a:noFill/>
-          <a:ln cap="flat" cmpd="sng" w="19050">
+          <a:ln w="19050" cap="flat" cmpd="sng">
             <a:solidFill>
               <a:schemeClr val="lt1"/>
             </a:solidFill>
             <a:prstDash val="solid"/>
             <a:round/>
-            <a:headEnd len="sm" w="sm" type="none"/>
-            <a:tailEnd len="sm" w="sm" type="none"/>
+            <a:headEnd type="none" w="sm" len="sm"/>
+            <a:tailEnd type="none" w="sm" len="sm"/>
           </a:ln>
         </p:spPr>
       </p:cxnSp>
@@ -1892,21 +1963,23 @@
             <a:avLst/>
           </a:prstGeom>
           <a:noFill/>
-          <a:ln cap="flat" cmpd="sng" w="19050">
+          <a:ln w="19050" cap="flat" cmpd="sng">
             <a:solidFill>
               <a:schemeClr val="lt1"/>
             </a:solidFill>
             <a:prstDash val="solid"/>
             <a:round/>
-            <a:headEnd len="sm" w="sm" type="none"/>
-            <a:tailEnd len="sm" w="sm" type="none"/>
+            <a:headEnd type="none" w="sm" len="sm"/>
+            <a:tailEnd type="none" w="sm" len="sm"/>
           </a:ln>
         </p:spPr>
       </p:cxnSp>
       <p:sp>
         <p:nvSpPr>
           <p:cNvPr id="13" name="Google Shape;13;p2"/>
-          <p:cNvSpPr txBox="1"/>
+          <p:cNvSpPr txBox="1">
+            <a:spLocks noGrp="1"/>
+          </p:cNvSpPr>
           <p:nvPr>
             <p:ph type="ctrTitle"/>
           </p:nvPr>
@@ -1921,7 +1994,7 @@
           </a:prstGeom>
         </p:spPr>
         <p:txBody>
-          <a:bodyPr anchorCtr="0" anchor="t" bIns="91425" lIns="91425" spcFirstLastPara="1" rIns="91425" wrap="square" tIns="91425">
+          <a:bodyPr spcFirstLastPara="1" wrap="square" lIns="91425" tIns="91425" rIns="91425" bIns="91425" anchor="t" anchorCtr="0">
             <a:noAutofit/>
           </a:bodyPr>
           <a:lstStyle>
@@ -2088,15 +2161,19 @@
               </a:defRPr>
             </a:lvl9pPr>
           </a:lstStyle>
-          <a:p/>
+          <a:p>
+            <a:endParaRPr/>
+          </a:p>
         </p:txBody>
       </p:sp>
       <p:sp>
         <p:nvSpPr>
           <p:cNvPr id="14" name="Google Shape;14;p2"/>
-          <p:cNvSpPr txBox="1"/>
+          <p:cNvSpPr txBox="1">
+            <a:spLocks noGrp="1"/>
+          </p:cNvSpPr>
           <p:nvPr>
-            <p:ph idx="1" type="subTitle"/>
+            <p:ph type="subTitle" idx="1"/>
           </p:nvPr>
         </p:nvSpPr>
         <p:spPr>
@@ -2109,7 +2186,7 @@
           </a:prstGeom>
         </p:spPr>
         <p:txBody>
-          <a:bodyPr anchorCtr="0" anchor="b" bIns="91425" lIns="91425" spcFirstLastPara="1" rIns="91425" wrap="square" tIns="91425">
+          <a:bodyPr spcFirstLastPara="1" wrap="square" lIns="91425" tIns="91425" rIns="91425" bIns="91425" anchor="b" anchorCtr="0">
             <a:noAutofit/>
           </a:bodyPr>
           <a:lstStyle>
@@ -2303,15 +2380,19 @@
               </a:defRPr>
             </a:lvl9pPr>
           </a:lstStyle>
-          <a:p/>
+          <a:p>
+            <a:endParaRPr/>
+          </a:p>
         </p:txBody>
       </p:sp>
       <p:sp>
         <p:nvSpPr>
           <p:cNvPr id="15" name="Google Shape;15;p2"/>
-          <p:cNvSpPr txBox="1"/>
+          <p:cNvSpPr txBox="1">
+            <a:spLocks noGrp="1"/>
+          </p:cNvSpPr>
           <p:nvPr>
-            <p:ph idx="12" type="sldNum"/>
+            <p:ph type="sldNum" idx="12"/>
           </p:nvPr>
         </p:nvSpPr>
         <p:spPr>
@@ -2324,7 +2405,7 @@
           </a:prstGeom>
         </p:spPr>
         <p:txBody>
-          <a:bodyPr anchorCtr="0" anchor="ctr" bIns="91425" lIns="91425" spcFirstLastPara="1" rIns="91425" wrap="square" tIns="91425">
+          <a:bodyPr spcFirstLastPara="1" wrap="square" lIns="91425" tIns="91425" rIns="91425" bIns="91425" anchor="ctr" anchorCtr="0">
             <a:noAutofit/>
           </a:bodyPr>
           <a:lstStyle>
@@ -2402,7 +2483,7 @@
             </a:lvl9pPr>
           </a:lstStyle>
           <a:p>
-            <a:pPr indent="0" lvl="0" marL="0" rtl="0" algn="r">
+            <a:pPr marL="0" lvl="0" indent="0" algn="r" rtl="0">
               <a:spcBef>
                 <a:spcPts val="0"/>
               </a:spcBef>
@@ -2428,11 +2509,11 @@
 </file>
 
 <file path=ppt/slideLayouts/slideLayout10.xml><?xml version="1.0" encoding="utf-8"?>
-<p:sldLayout xmlns:a="http://schemas.openxmlformats.org/drawingml/2006/main" xmlns:r="http://schemas.openxmlformats.org/officeDocument/2006/relationships" xmlns:mc="http://schemas.openxmlformats.org/markup-compatibility/2006" xmlns:mv="urn:schemas-microsoft-com:mac:vml" xmlns:p="http://schemas.openxmlformats.org/presentationml/2006/main" xmlns:c="http://schemas.openxmlformats.org/drawingml/2006/chart" xmlns:dgm="http://schemas.openxmlformats.org/drawingml/2006/diagram" xmlns:o="urn:schemas-microsoft-com:office:office" xmlns:v="urn:schemas-microsoft-com:vml" xmlns:pvml="urn:schemas-microsoft-com:office:powerpoint" xmlns:com="http://schemas.openxmlformats.org/drawingml/2006/compatibility" xmlns:p14="http://schemas.microsoft.com/office/powerpoint/2010/main" xmlns:p15="http://schemas.microsoft.com/office/powerpoint/2012/main" xmlns:ahyp="http://schemas.microsoft.com/office/drawing/2018/hyperlinkcolor" matchingName="Big number">
+<p:sldLayout xmlns:a="http://schemas.openxmlformats.org/drawingml/2006/main" xmlns:r="http://schemas.openxmlformats.org/officeDocument/2006/relationships" xmlns:p="http://schemas.openxmlformats.org/presentationml/2006/main" matchingName="Big number">
   <p:cSld name="BIG_NUMBER">
     <p:spTree>
       <p:nvGrpSpPr>
-        <p:cNvPr id="60" name="Shape 60"/>
+        <p:cNvPr id="1" name="Shape 60"/>
         <p:cNvGrpSpPr/>
         <p:nvPr/>
       </p:nvGrpSpPr>
@@ -2459,14 +2540,14 @@
             <a:avLst/>
           </a:prstGeom>
           <a:noFill/>
-          <a:ln cap="flat" cmpd="sng" w="19050">
+          <a:ln w="19050" cap="flat" cmpd="sng">
             <a:solidFill>
               <a:schemeClr val="dk2"/>
             </a:solidFill>
             <a:prstDash val="solid"/>
             <a:round/>
-            <a:headEnd len="sm" w="sm" type="none"/>
-            <a:tailEnd len="sm" w="sm" type="none"/>
+            <a:headEnd type="none" w="sm" len="sm"/>
+            <a:tailEnd type="none" w="sm" len="sm"/>
           </a:ln>
         </p:spPr>
       </p:cxnSp>
@@ -2485,23 +2566,25 @@
             <a:avLst/>
           </a:prstGeom>
           <a:noFill/>
-          <a:ln cap="flat" cmpd="sng" w="38100">
+          <a:ln w="38100" cap="flat" cmpd="sng">
             <a:solidFill>
               <a:schemeClr val="dk2"/>
             </a:solidFill>
             <a:prstDash val="solid"/>
             <a:round/>
-            <a:headEnd len="sm" w="sm" type="none"/>
-            <a:tailEnd len="sm" w="sm" type="none"/>
+            <a:headEnd type="none" w="sm" len="sm"/>
+            <a:tailEnd type="none" w="sm" len="sm"/>
           </a:ln>
         </p:spPr>
       </p:cxnSp>
       <p:sp>
         <p:nvSpPr>
           <p:cNvPr id="63" name="Google Shape;63;p11"/>
-          <p:cNvSpPr txBox="1"/>
+          <p:cNvSpPr txBox="1">
+            <a:spLocks noGrp="1"/>
+          </p:cNvSpPr>
           <p:nvPr>
-            <p:ph hasCustomPrompt="1" type="title"/>
+            <p:ph type="title" hasCustomPrompt="1"/>
           </p:nvPr>
         </p:nvSpPr>
         <p:spPr>
@@ -2514,11 +2597,11 @@
           </a:prstGeom>
         </p:spPr>
         <p:txBody>
-          <a:bodyPr anchorCtr="0" anchor="ctr" bIns="91425" lIns="91425" spcFirstLastPara="1" rIns="91425" wrap="square" tIns="91425">
+          <a:bodyPr spcFirstLastPara="1" wrap="square" lIns="91425" tIns="91425" rIns="91425" bIns="91425" anchor="ctr" anchorCtr="0">
             <a:noAutofit/>
           </a:bodyPr>
           <a:lstStyle>
-            <a:lvl1pPr lvl="0" rtl="0" algn="ctr">
+            <a:lvl1pPr lvl="0" algn="ctr" rtl="0">
               <a:spcBef>
                 <a:spcPts val="0"/>
               </a:spcBef>
@@ -2541,7 +2624,7 @@
                 <a:sym typeface="Lato"/>
               </a:defRPr>
             </a:lvl1pPr>
-            <a:lvl2pPr lvl="1" rtl="0" algn="ctr">
+            <a:lvl2pPr lvl="1" algn="ctr" rtl="0">
               <a:spcBef>
                 <a:spcPts val="0"/>
               </a:spcBef>
@@ -2564,7 +2647,7 @@
                 <a:sym typeface="Lato"/>
               </a:defRPr>
             </a:lvl2pPr>
-            <a:lvl3pPr lvl="2" rtl="0" algn="ctr">
+            <a:lvl3pPr lvl="2" algn="ctr" rtl="0">
               <a:spcBef>
                 <a:spcPts val="0"/>
               </a:spcBef>
@@ -2587,7 +2670,7 @@
                 <a:sym typeface="Lato"/>
               </a:defRPr>
             </a:lvl3pPr>
-            <a:lvl4pPr lvl="3" rtl="0" algn="ctr">
+            <a:lvl4pPr lvl="3" algn="ctr" rtl="0">
               <a:spcBef>
                 <a:spcPts val="0"/>
               </a:spcBef>
@@ -2610,7 +2693,7 @@
                 <a:sym typeface="Lato"/>
               </a:defRPr>
             </a:lvl4pPr>
-            <a:lvl5pPr lvl="4" rtl="0" algn="ctr">
+            <a:lvl5pPr lvl="4" algn="ctr" rtl="0">
               <a:spcBef>
                 <a:spcPts val="0"/>
               </a:spcBef>
@@ -2633,7 +2716,7 @@
                 <a:sym typeface="Lato"/>
               </a:defRPr>
             </a:lvl5pPr>
-            <a:lvl6pPr lvl="5" rtl="0" algn="ctr">
+            <a:lvl6pPr lvl="5" algn="ctr" rtl="0">
               <a:spcBef>
                 <a:spcPts val="0"/>
               </a:spcBef>
@@ -2656,7 +2739,7 @@
                 <a:sym typeface="Lato"/>
               </a:defRPr>
             </a:lvl6pPr>
-            <a:lvl7pPr lvl="6" rtl="0" algn="ctr">
+            <a:lvl7pPr lvl="6" algn="ctr" rtl="0">
               <a:spcBef>
                 <a:spcPts val="0"/>
               </a:spcBef>
@@ -2679,7 +2762,7 @@
                 <a:sym typeface="Lato"/>
               </a:defRPr>
             </a:lvl7pPr>
-            <a:lvl8pPr lvl="7" rtl="0" algn="ctr">
+            <a:lvl8pPr lvl="7" algn="ctr" rtl="0">
               <a:spcBef>
                 <a:spcPts val="0"/>
               </a:spcBef>
@@ -2702,7 +2785,7 @@
                 <a:sym typeface="Lato"/>
               </a:defRPr>
             </a:lvl8pPr>
-            <a:lvl9pPr lvl="8" rtl="0" algn="ctr">
+            <a:lvl9pPr lvl="8" algn="ctr" rtl="0">
               <a:spcBef>
                 <a:spcPts val="0"/>
               </a:spcBef>
@@ -2736,9 +2819,11 @@
       <p:sp>
         <p:nvSpPr>
           <p:cNvPr id="64" name="Google Shape;64;p11"/>
-          <p:cNvSpPr txBox="1"/>
+          <p:cNvSpPr txBox="1">
+            <a:spLocks noGrp="1"/>
+          </p:cNvSpPr>
           <p:nvPr>
-            <p:ph idx="1" type="body"/>
+            <p:ph type="body" idx="1"/>
           </p:nvPr>
         </p:nvSpPr>
         <p:spPr>
@@ -2751,11 +2836,11 @@
           </a:prstGeom>
         </p:spPr>
         <p:txBody>
-          <a:bodyPr anchorCtr="0" anchor="t" bIns="91425" lIns="91425" spcFirstLastPara="1" rIns="91425" wrap="square" tIns="91425">
+          <a:bodyPr spcFirstLastPara="1" wrap="square" lIns="91425" tIns="91425" rIns="91425" bIns="91425" anchor="t" anchorCtr="0">
             <a:noAutofit/>
           </a:bodyPr>
           <a:lstStyle>
-            <a:lvl1pPr indent="-342900" lvl="0" marL="457200" rtl="0" algn="ctr">
+            <a:lvl1pPr marL="457200" lvl="0" indent="-342900" algn="ctr" rtl="0">
               <a:spcBef>
                 <a:spcPts val="0"/>
               </a:spcBef>
@@ -2766,7 +2851,7 @@
               <a:buChar char="●"/>
               <a:defRPr/>
             </a:lvl1pPr>
-            <a:lvl2pPr indent="-317500" lvl="1" marL="914400" rtl="0" algn="ctr">
+            <a:lvl2pPr marL="914400" lvl="1" indent="-317500" algn="ctr" rtl="0">
               <a:spcBef>
                 <a:spcPts val="1600"/>
               </a:spcBef>
@@ -2777,7 +2862,7 @@
               <a:buChar char="○"/>
               <a:defRPr/>
             </a:lvl2pPr>
-            <a:lvl3pPr indent="-317500" lvl="2" marL="1371600" rtl="0" algn="ctr">
+            <a:lvl3pPr marL="1371600" lvl="2" indent="-317500" algn="ctr" rtl="0">
               <a:spcBef>
                 <a:spcPts val="1600"/>
               </a:spcBef>
@@ -2788,7 +2873,7 @@
               <a:buChar char="■"/>
               <a:defRPr/>
             </a:lvl3pPr>
-            <a:lvl4pPr indent="-317500" lvl="3" marL="1828800" rtl="0" algn="ctr">
+            <a:lvl4pPr marL="1828800" lvl="3" indent="-317500" algn="ctr" rtl="0">
               <a:spcBef>
                 <a:spcPts val="1600"/>
               </a:spcBef>
@@ -2799,7 +2884,7 @@
               <a:buChar char="●"/>
               <a:defRPr/>
             </a:lvl4pPr>
-            <a:lvl5pPr indent="-317500" lvl="4" marL="2286000" rtl="0" algn="ctr">
+            <a:lvl5pPr marL="2286000" lvl="4" indent="-317500" algn="ctr" rtl="0">
               <a:spcBef>
                 <a:spcPts val="1600"/>
               </a:spcBef>
@@ -2810,7 +2895,7 @@
               <a:buChar char="○"/>
               <a:defRPr/>
             </a:lvl5pPr>
-            <a:lvl6pPr indent="-317500" lvl="5" marL="2743200" rtl="0" algn="ctr">
+            <a:lvl6pPr marL="2743200" lvl="5" indent="-317500" algn="ctr" rtl="0">
               <a:spcBef>
                 <a:spcPts val="1600"/>
               </a:spcBef>
@@ -2821,7 +2906,7 @@
               <a:buChar char="■"/>
               <a:defRPr/>
             </a:lvl6pPr>
-            <a:lvl7pPr indent="-317500" lvl="6" marL="3200400" rtl="0" algn="ctr">
+            <a:lvl7pPr marL="3200400" lvl="6" indent="-317500" algn="ctr" rtl="0">
               <a:spcBef>
                 <a:spcPts val="1600"/>
               </a:spcBef>
@@ -2832,7 +2917,7 @@
               <a:buChar char="●"/>
               <a:defRPr/>
             </a:lvl7pPr>
-            <a:lvl8pPr indent="-317500" lvl="7" marL="3657600" rtl="0" algn="ctr">
+            <a:lvl8pPr marL="3657600" lvl="7" indent="-317500" algn="ctr" rtl="0">
               <a:spcBef>
                 <a:spcPts val="1600"/>
               </a:spcBef>
@@ -2843,7 +2928,7 @@
               <a:buChar char="○"/>
               <a:defRPr/>
             </a:lvl8pPr>
-            <a:lvl9pPr indent="-317500" lvl="8" marL="4114800" rtl="0" algn="ctr">
+            <a:lvl9pPr marL="4114800" lvl="8" indent="-317500" algn="ctr" rtl="0">
               <a:spcBef>
                 <a:spcPts val="1600"/>
               </a:spcBef>
@@ -2855,15 +2940,19 @@
               <a:defRPr/>
             </a:lvl9pPr>
           </a:lstStyle>
-          <a:p/>
+          <a:p>
+            <a:endParaRPr/>
+          </a:p>
         </p:txBody>
       </p:sp>
       <p:sp>
         <p:nvSpPr>
           <p:cNvPr id="65" name="Google Shape;65;p11"/>
-          <p:cNvSpPr txBox="1"/>
+          <p:cNvSpPr txBox="1">
+            <a:spLocks noGrp="1"/>
+          </p:cNvSpPr>
           <p:nvPr>
-            <p:ph idx="12" type="sldNum"/>
+            <p:ph type="sldNum" idx="12"/>
           </p:nvPr>
         </p:nvSpPr>
         <p:spPr>
@@ -2876,7 +2965,7 @@
           </a:prstGeom>
         </p:spPr>
         <p:txBody>
-          <a:bodyPr anchorCtr="0" anchor="ctr" bIns="91425" lIns="91425" spcFirstLastPara="1" rIns="91425" wrap="square" tIns="91425">
+          <a:bodyPr spcFirstLastPara="1" wrap="square" lIns="91425" tIns="91425" rIns="91425" bIns="91425" anchor="ctr" anchorCtr="0">
             <a:noAutofit/>
           </a:bodyPr>
           <a:lstStyle>
@@ -2918,7 +3007,7 @@
             </a:lvl9pPr>
           </a:lstStyle>
           <a:p>
-            <a:pPr indent="0" lvl="0" marL="0" rtl="0" algn="r">
+            <a:pPr marL="0" lvl="0" indent="0" algn="r" rtl="0">
               <a:spcBef>
                 <a:spcPts val="0"/>
               </a:spcBef>
@@ -2944,11 +3033,11 @@
 </file>
 
 <file path=ppt/slideLayouts/slideLayout11.xml><?xml version="1.0" encoding="utf-8"?>
-<p:sldLayout xmlns:a="http://schemas.openxmlformats.org/drawingml/2006/main" xmlns:r="http://schemas.openxmlformats.org/officeDocument/2006/relationships" xmlns:mc="http://schemas.openxmlformats.org/markup-compatibility/2006" xmlns:mv="urn:schemas-microsoft-com:mac:vml" xmlns:p="http://schemas.openxmlformats.org/presentationml/2006/main" xmlns:c="http://schemas.openxmlformats.org/drawingml/2006/chart" xmlns:dgm="http://schemas.openxmlformats.org/drawingml/2006/diagram" xmlns:o="urn:schemas-microsoft-com:office:office" xmlns:v="urn:schemas-microsoft-com:vml" xmlns:pvml="urn:schemas-microsoft-com:office:powerpoint" xmlns:com="http://schemas.openxmlformats.org/drawingml/2006/compatibility" xmlns:p14="http://schemas.microsoft.com/office/powerpoint/2010/main" xmlns:p15="http://schemas.microsoft.com/office/powerpoint/2012/main" xmlns:ahyp="http://schemas.microsoft.com/office/drawing/2018/hyperlinkcolor" matchingName="Blank" type="blank">
+<p:sldLayout xmlns:a="http://schemas.openxmlformats.org/drawingml/2006/main" xmlns:r="http://schemas.openxmlformats.org/officeDocument/2006/relationships" xmlns:p="http://schemas.openxmlformats.org/presentationml/2006/main" matchingName="Blank" type="blank">
   <p:cSld name="BLANK">
     <p:spTree>
       <p:nvGrpSpPr>
-        <p:cNvPr id="66" name="Shape 66"/>
+        <p:cNvPr id="1" name="Shape 66"/>
         <p:cNvGrpSpPr/>
         <p:nvPr/>
       </p:nvGrpSpPr>
@@ -2963,9 +3052,11 @@
       <p:sp>
         <p:nvSpPr>
           <p:cNvPr id="67" name="Google Shape;67;p12"/>
-          <p:cNvSpPr txBox="1"/>
+          <p:cNvSpPr txBox="1">
+            <a:spLocks noGrp="1"/>
+          </p:cNvSpPr>
           <p:nvPr>
-            <p:ph idx="12" type="sldNum"/>
+            <p:ph type="sldNum" idx="12"/>
           </p:nvPr>
         </p:nvSpPr>
         <p:spPr>
@@ -2978,7 +3069,7 @@
           </a:prstGeom>
         </p:spPr>
         <p:txBody>
-          <a:bodyPr anchorCtr="0" anchor="ctr" bIns="91425" lIns="91425" spcFirstLastPara="1" rIns="91425" wrap="square" tIns="91425">
+          <a:bodyPr spcFirstLastPara="1" wrap="square" lIns="91425" tIns="91425" rIns="91425" bIns="91425" anchor="ctr" anchorCtr="0">
             <a:noAutofit/>
           </a:bodyPr>
           <a:lstStyle>
@@ -3020,7 +3111,7 @@
             </a:lvl9pPr>
           </a:lstStyle>
           <a:p>
-            <a:pPr indent="0" lvl="0" marL="0" rtl="0" algn="r">
+            <a:pPr marL="0" lvl="0" indent="0" algn="r" rtl="0">
               <a:spcBef>
                 <a:spcPts val="0"/>
               </a:spcBef>
@@ -3046,18 +3137,19 @@
 </file>
 
 <file path=ppt/slideLayouts/slideLayout2.xml><?xml version="1.0" encoding="utf-8"?>
-<p:sldLayout xmlns:a="http://schemas.openxmlformats.org/drawingml/2006/main" xmlns:r="http://schemas.openxmlformats.org/officeDocument/2006/relationships" xmlns:mc="http://schemas.openxmlformats.org/markup-compatibility/2006" xmlns:mv="urn:schemas-microsoft-com:mac:vml" xmlns:p="http://schemas.openxmlformats.org/presentationml/2006/main" xmlns:c="http://schemas.openxmlformats.org/drawingml/2006/chart" xmlns:dgm="http://schemas.openxmlformats.org/drawingml/2006/diagram" xmlns:o="urn:schemas-microsoft-com:office:office" xmlns:v="urn:schemas-microsoft-com:vml" xmlns:pvml="urn:schemas-microsoft-com:office:powerpoint" xmlns:com="http://schemas.openxmlformats.org/drawingml/2006/compatibility" xmlns:p14="http://schemas.microsoft.com/office/powerpoint/2010/main" xmlns:p15="http://schemas.microsoft.com/office/powerpoint/2012/main" xmlns:ahyp="http://schemas.microsoft.com/office/drawing/2018/hyperlinkcolor" matchingName="Section header" type="secHead">
+<p:sldLayout xmlns:a="http://schemas.openxmlformats.org/drawingml/2006/main" xmlns:r="http://schemas.openxmlformats.org/officeDocument/2006/relationships" xmlns:p="http://schemas.openxmlformats.org/presentationml/2006/main" matchingName="Section header" type="secHead">
   <p:cSld name="SECTION_HEADER">
     <p:bg>
       <p:bgPr>
         <a:solidFill>
           <a:schemeClr val="dk1"/>
         </a:solidFill>
+        <a:effectLst/>
       </p:bgPr>
     </p:bg>
     <p:spTree>
       <p:nvGrpSpPr>
-        <p:cNvPr id="16" name="Shape 16"/>
+        <p:cNvPr id="1" name="Shape 16"/>
         <p:cNvGrpSpPr/>
         <p:nvPr/>
       </p:nvGrpSpPr>
@@ -3084,14 +3176,14 @@
             <a:avLst/>
           </a:prstGeom>
           <a:noFill/>
-          <a:ln cap="flat" cmpd="sng" w="38100">
+          <a:ln w="38100" cap="flat" cmpd="sng">
             <a:solidFill>
               <a:schemeClr val="lt1"/>
             </a:solidFill>
             <a:prstDash val="solid"/>
             <a:round/>
-            <a:headEnd len="sm" w="sm" type="none"/>
-            <a:tailEnd len="sm" w="sm" type="none"/>
+            <a:headEnd type="none" w="sm" len="sm"/>
+            <a:tailEnd type="none" w="sm" len="sm"/>
           </a:ln>
         </p:spPr>
       </p:cxnSp>
@@ -3110,21 +3202,23 @@
             <a:avLst/>
           </a:prstGeom>
           <a:noFill/>
-          <a:ln cap="flat" cmpd="sng" w="19050">
+          <a:ln w="19050" cap="flat" cmpd="sng">
             <a:solidFill>
               <a:schemeClr val="lt1"/>
             </a:solidFill>
             <a:prstDash val="solid"/>
             <a:round/>
-            <a:headEnd len="sm" w="sm" type="none"/>
-            <a:tailEnd len="sm" w="sm" type="none"/>
+            <a:headEnd type="none" w="sm" len="sm"/>
+            <a:tailEnd type="none" w="sm" len="sm"/>
           </a:ln>
         </p:spPr>
       </p:cxnSp>
       <p:sp>
         <p:nvSpPr>
           <p:cNvPr id="19" name="Google Shape;19;p3"/>
-          <p:cNvSpPr txBox="1"/>
+          <p:cNvSpPr txBox="1">
+            <a:spLocks noGrp="1"/>
+          </p:cNvSpPr>
           <p:nvPr>
             <p:ph type="title"/>
           </p:nvPr>
@@ -3139,11 +3233,11 @@
           </a:prstGeom>
         </p:spPr>
         <p:txBody>
-          <a:bodyPr anchorCtr="0" anchor="ctr" bIns="91425" lIns="91425" spcFirstLastPara="1" rIns="91425" wrap="square" tIns="91425">
+          <a:bodyPr spcFirstLastPara="1" wrap="square" lIns="91425" tIns="91425" rIns="91425" bIns="91425" anchor="ctr" anchorCtr="0">
             <a:noAutofit/>
           </a:bodyPr>
           <a:lstStyle>
-            <a:lvl1pPr lvl="0" rtl="0" algn="ctr">
+            <a:lvl1pPr lvl="0" algn="ctr" rtl="0">
               <a:spcBef>
                 <a:spcPts val="0"/>
               </a:spcBef>
@@ -3161,7 +3255,7 @@
                 </a:solidFill>
               </a:defRPr>
             </a:lvl1pPr>
-            <a:lvl2pPr lvl="1" rtl="0" algn="ctr">
+            <a:lvl2pPr lvl="1" algn="ctr" rtl="0">
               <a:spcBef>
                 <a:spcPts val="0"/>
               </a:spcBef>
@@ -3179,7 +3273,7 @@
                 </a:solidFill>
               </a:defRPr>
             </a:lvl2pPr>
-            <a:lvl3pPr lvl="2" rtl="0" algn="ctr">
+            <a:lvl3pPr lvl="2" algn="ctr" rtl="0">
               <a:spcBef>
                 <a:spcPts val="0"/>
               </a:spcBef>
@@ -3197,7 +3291,7 @@
                 </a:solidFill>
               </a:defRPr>
             </a:lvl3pPr>
-            <a:lvl4pPr lvl="3" rtl="0" algn="ctr">
+            <a:lvl4pPr lvl="3" algn="ctr" rtl="0">
               <a:spcBef>
                 <a:spcPts val="0"/>
               </a:spcBef>
@@ -3215,7 +3309,7 @@
                 </a:solidFill>
               </a:defRPr>
             </a:lvl4pPr>
-            <a:lvl5pPr lvl="4" rtl="0" algn="ctr">
+            <a:lvl5pPr lvl="4" algn="ctr" rtl="0">
               <a:spcBef>
                 <a:spcPts val="0"/>
               </a:spcBef>
@@ -3233,7 +3327,7 @@
                 </a:solidFill>
               </a:defRPr>
             </a:lvl5pPr>
-            <a:lvl6pPr lvl="5" rtl="0" algn="ctr">
+            <a:lvl6pPr lvl="5" algn="ctr" rtl="0">
               <a:spcBef>
                 <a:spcPts val="0"/>
               </a:spcBef>
@@ -3251,7 +3345,7 @@
                 </a:solidFill>
               </a:defRPr>
             </a:lvl6pPr>
-            <a:lvl7pPr lvl="6" rtl="0" algn="ctr">
+            <a:lvl7pPr lvl="6" algn="ctr" rtl="0">
               <a:spcBef>
                 <a:spcPts val="0"/>
               </a:spcBef>
@@ -3269,7 +3363,7 @@
                 </a:solidFill>
               </a:defRPr>
             </a:lvl7pPr>
-            <a:lvl8pPr lvl="7" rtl="0" algn="ctr">
+            <a:lvl8pPr lvl="7" algn="ctr" rtl="0">
               <a:spcBef>
                 <a:spcPts val="0"/>
               </a:spcBef>
@@ -3287,7 +3381,7 @@
                 </a:solidFill>
               </a:defRPr>
             </a:lvl8pPr>
-            <a:lvl9pPr lvl="8" rtl="0" algn="ctr">
+            <a:lvl9pPr lvl="8" algn="ctr" rtl="0">
               <a:spcBef>
                 <a:spcPts val="0"/>
               </a:spcBef>
@@ -3306,15 +3400,19 @@
               </a:defRPr>
             </a:lvl9pPr>
           </a:lstStyle>
-          <a:p/>
+          <a:p>
+            <a:endParaRPr/>
+          </a:p>
         </p:txBody>
       </p:sp>
       <p:sp>
         <p:nvSpPr>
           <p:cNvPr id="20" name="Google Shape;20;p3"/>
-          <p:cNvSpPr txBox="1"/>
+          <p:cNvSpPr txBox="1">
+            <a:spLocks noGrp="1"/>
+          </p:cNvSpPr>
           <p:nvPr>
-            <p:ph idx="12" type="sldNum"/>
+            <p:ph type="sldNum" idx="12"/>
           </p:nvPr>
         </p:nvSpPr>
         <p:spPr>
@@ -3327,7 +3425,7 @@
           </a:prstGeom>
         </p:spPr>
         <p:txBody>
-          <a:bodyPr anchorCtr="0" anchor="ctr" bIns="91425" lIns="91425" spcFirstLastPara="1" rIns="91425" wrap="square" tIns="91425">
+          <a:bodyPr spcFirstLastPara="1" wrap="square" lIns="91425" tIns="91425" rIns="91425" bIns="91425" anchor="ctr" anchorCtr="0">
             <a:noAutofit/>
           </a:bodyPr>
           <a:lstStyle>
@@ -3405,7 +3503,7 @@
             </a:lvl9pPr>
           </a:lstStyle>
           <a:p>
-            <a:pPr indent="0" lvl="0" marL="0" rtl="0" algn="r">
+            <a:pPr marL="0" lvl="0" indent="0" algn="r" rtl="0">
               <a:spcBef>
                 <a:spcPts val="0"/>
               </a:spcBef>
@@ -3431,11 +3529,11 @@
 </file>
 
 <file path=ppt/slideLayouts/slideLayout3.xml><?xml version="1.0" encoding="utf-8"?>
-<p:sldLayout xmlns:a="http://schemas.openxmlformats.org/drawingml/2006/main" xmlns:r="http://schemas.openxmlformats.org/officeDocument/2006/relationships" xmlns:mc="http://schemas.openxmlformats.org/markup-compatibility/2006" xmlns:mv="urn:schemas-microsoft-com:mac:vml" xmlns:p="http://schemas.openxmlformats.org/presentationml/2006/main" xmlns:c="http://schemas.openxmlformats.org/drawingml/2006/chart" xmlns:dgm="http://schemas.openxmlformats.org/drawingml/2006/diagram" xmlns:o="urn:schemas-microsoft-com:office:office" xmlns:v="urn:schemas-microsoft-com:vml" xmlns:pvml="urn:schemas-microsoft-com:office:powerpoint" xmlns:com="http://schemas.openxmlformats.org/drawingml/2006/compatibility" xmlns:p14="http://schemas.microsoft.com/office/powerpoint/2010/main" xmlns:p15="http://schemas.microsoft.com/office/powerpoint/2012/main" xmlns:ahyp="http://schemas.microsoft.com/office/drawing/2018/hyperlinkcolor" matchingName="Title and body" type="tx">
+<p:sldLayout xmlns:a="http://schemas.openxmlformats.org/drawingml/2006/main" xmlns:r="http://schemas.openxmlformats.org/officeDocument/2006/relationships" xmlns:p="http://schemas.openxmlformats.org/presentationml/2006/main" matchingName="Title and body" type="tx">
   <p:cSld name="TITLE_AND_BODY">
     <p:spTree>
       <p:nvGrpSpPr>
-        <p:cNvPr id="21" name="Shape 21"/>
+        <p:cNvPr id="1" name="Shape 21"/>
         <p:cNvGrpSpPr/>
         <p:nvPr/>
       </p:nvGrpSpPr>
@@ -3462,14 +3560,14 @@
             <a:avLst/>
           </a:prstGeom>
           <a:noFill/>
-          <a:ln cap="flat" cmpd="sng" w="38100">
+          <a:ln w="38100" cap="flat" cmpd="sng">
             <a:solidFill>
               <a:schemeClr val="dk2"/>
             </a:solidFill>
             <a:prstDash val="solid"/>
             <a:round/>
-            <a:headEnd len="sm" w="sm" type="none"/>
-            <a:tailEnd len="sm" w="sm" type="none"/>
+            <a:headEnd type="none" w="sm" len="sm"/>
+            <a:tailEnd type="none" w="sm" len="sm"/>
           </a:ln>
         </p:spPr>
       </p:cxnSp>
@@ -3488,14 +3586,14 @@
             <a:avLst/>
           </a:prstGeom>
           <a:noFill/>
-          <a:ln cap="flat" cmpd="sng" w="19050">
+          <a:ln w="19050" cap="flat" cmpd="sng">
             <a:solidFill>
               <a:schemeClr val="dk2"/>
             </a:solidFill>
             <a:prstDash val="solid"/>
             <a:round/>
-            <a:headEnd len="sm" w="sm" type="none"/>
-            <a:tailEnd len="sm" w="sm" type="none"/>
+            <a:headEnd type="none" w="sm" len="sm"/>
+            <a:tailEnd type="none" w="sm" len="sm"/>
           </a:ln>
         </p:spPr>
       </p:cxnSp>
@@ -3514,21 +3612,23 @@
             <a:avLst/>
           </a:prstGeom>
           <a:noFill/>
-          <a:ln cap="flat" cmpd="sng" w="19050">
+          <a:ln w="19050" cap="flat" cmpd="sng">
             <a:solidFill>
               <a:schemeClr val="dk2"/>
             </a:solidFill>
             <a:prstDash val="solid"/>
             <a:round/>
-            <a:headEnd len="sm" w="sm" type="none"/>
-            <a:tailEnd len="sm" w="sm" type="none"/>
+            <a:headEnd type="none" w="sm" len="sm"/>
+            <a:tailEnd type="none" w="sm" len="sm"/>
           </a:ln>
         </p:spPr>
       </p:cxnSp>
       <p:sp>
         <p:nvSpPr>
           <p:cNvPr id="25" name="Google Shape;25;p4"/>
-          <p:cNvSpPr txBox="1"/>
+          <p:cNvSpPr txBox="1">
+            <a:spLocks noGrp="1"/>
+          </p:cNvSpPr>
           <p:nvPr>
             <p:ph type="title"/>
           </p:nvPr>
@@ -3543,7 +3643,7 @@
           </a:prstGeom>
         </p:spPr>
         <p:txBody>
-          <a:bodyPr anchorCtr="0" anchor="t" bIns="91425" lIns="91425" spcFirstLastPara="1" rIns="91425" wrap="square" tIns="91425">
+          <a:bodyPr spcFirstLastPara="1" wrap="square" lIns="91425" tIns="91425" rIns="91425" bIns="91425" anchor="t" anchorCtr="0">
             <a:noAutofit/>
           </a:bodyPr>
           <a:lstStyle>
@@ -3647,15 +3747,19 @@
               <a:defRPr/>
             </a:lvl9pPr>
           </a:lstStyle>
-          <a:p/>
+          <a:p>
+            <a:endParaRPr/>
+          </a:p>
         </p:txBody>
       </p:sp>
       <p:sp>
         <p:nvSpPr>
           <p:cNvPr id="26" name="Google Shape;26;p4"/>
-          <p:cNvSpPr txBox="1"/>
+          <p:cNvSpPr txBox="1">
+            <a:spLocks noGrp="1"/>
+          </p:cNvSpPr>
           <p:nvPr>
-            <p:ph idx="1" type="body"/>
+            <p:ph type="body" idx="1"/>
           </p:nvPr>
         </p:nvSpPr>
         <p:spPr>
@@ -3668,11 +3772,11 @@
           </a:prstGeom>
         </p:spPr>
         <p:txBody>
-          <a:bodyPr anchorCtr="0" anchor="t" bIns="91425" lIns="91425" spcFirstLastPara="1" rIns="91425" wrap="square" tIns="91425">
+          <a:bodyPr spcFirstLastPara="1" wrap="square" lIns="91425" tIns="91425" rIns="91425" bIns="91425" anchor="t" anchorCtr="0">
             <a:noAutofit/>
           </a:bodyPr>
           <a:lstStyle>
-            <a:lvl1pPr indent="-342900" lvl="0" marL="457200" rtl="0">
+            <a:lvl1pPr marL="457200" lvl="0" indent="-342900" rtl="0">
               <a:spcBef>
                 <a:spcPts val="0"/>
               </a:spcBef>
@@ -3683,7 +3787,7 @@
               <a:buChar char="●"/>
               <a:defRPr/>
             </a:lvl1pPr>
-            <a:lvl2pPr indent="-317500" lvl="1" marL="914400" rtl="0">
+            <a:lvl2pPr marL="914400" lvl="1" indent="-317500" rtl="0">
               <a:spcBef>
                 <a:spcPts val="1600"/>
               </a:spcBef>
@@ -3694,7 +3798,7 @@
               <a:buChar char="○"/>
               <a:defRPr/>
             </a:lvl2pPr>
-            <a:lvl3pPr indent="-317500" lvl="2" marL="1371600" rtl="0">
+            <a:lvl3pPr marL="1371600" lvl="2" indent="-317500" rtl="0">
               <a:spcBef>
                 <a:spcPts val="1600"/>
               </a:spcBef>
@@ -3705,7 +3809,7 @@
               <a:buChar char="■"/>
               <a:defRPr/>
             </a:lvl3pPr>
-            <a:lvl4pPr indent="-317500" lvl="3" marL="1828800" rtl="0">
+            <a:lvl4pPr marL="1828800" lvl="3" indent="-317500" rtl="0">
               <a:spcBef>
                 <a:spcPts val="1600"/>
               </a:spcBef>
@@ -3716,7 +3820,7 @@
               <a:buChar char="●"/>
               <a:defRPr/>
             </a:lvl4pPr>
-            <a:lvl5pPr indent="-317500" lvl="4" marL="2286000" rtl="0">
+            <a:lvl5pPr marL="2286000" lvl="4" indent="-317500" rtl="0">
               <a:spcBef>
                 <a:spcPts val="1600"/>
               </a:spcBef>
@@ -3727,7 +3831,7 @@
               <a:buChar char="○"/>
               <a:defRPr/>
             </a:lvl5pPr>
-            <a:lvl6pPr indent="-317500" lvl="5" marL="2743200" rtl="0">
+            <a:lvl6pPr marL="2743200" lvl="5" indent="-317500" rtl="0">
               <a:spcBef>
                 <a:spcPts val="1600"/>
               </a:spcBef>
@@ -3738,7 +3842,7 @@
               <a:buChar char="■"/>
               <a:defRPr/>
             </a:lvl6pPr>
-            <a:lvl7pPr indent="-317500" lvl="6" marL="3200400" rtl="0">
+            <a:lvl7pPr marL="3200400" lvl="6" indent="-317500" rtl="0">
               <a:spcBef>
                 <a:spcPts val="1600"/>
               </a:spcBef>
@@ -3749,7 +3853,7 @@
               <a:buChar char="●"/>
               <a:defRPr/>
             </a:lvl7pPr>
-            <a:lvl8pPr indent="-317500" lvl="7" marL="3657600" rtl="0">
+            <a:lvl8pPr marL="3657600" lvl="7" indent="-317500" rtl="0">
               <a:spcBef>
                 <a:spcPts val="1600"/>
               </a:spcBef>
@@ -3760,7 +3864,7 @@
               <a:buChar char="○"/>
               <a:defRPr/>
             </a:lvl8pPr>
-            <a:lvl9pPr indent="-317500" lvl="8" marL="4114800" rtl="0">
+            <a:lvl9pPr marL="4114800" lvl="8" indent="-317500" rtl="0">
               <a:spcBef>
                 <a:spcPts val="1600"/>
               </a:spcBef>
@@ -3772,15 +3876,19 @@
               <a:defRPr/>
             </a:lvl9pPr>
           </a:lstStyle>
-          <a:p/>
+          <a:p>
+            <a:endParaRPr/>
+          </a:p>
         </p:txBody>
       </p:sp>
       <p:sp>
         <p:nvSpPr>
           <p:cNvPr id="27" name="Google Shape;27;p4"/>
-          <p:cNvSpPr txBox="1"/>
+          <p:cNvSpPr txBox="1">
+            <a:spLocks noGrp="1"/>
+          </p:cNvSpPr>
           <p:nvPr>
-            <p:ph idx="12" type="sldNum"/>
+            <p:ph type="sldNum" idx="12"/>
           </p:nvPr>
         </p:nvSpPr>
         <p:spPr>
@@ -3793,7 +3901,7 @@
           </a:prstGeom>
         </p:spPr>
         <p:txBody>
-          <a:bodyPr anchorCtr="0" anchor="ctr" bIns="91425" lIns="91425" spcFirstLastPara="1" rIns="91425" wrap="square" tIns="91425">
+          <a:bodyPr spcFirstLastPara="1" wrap="square" lIns="91425" tIns="91425" rIns="91425" bIns="91425" anchor="ctr" anchorCtr="0">
             <a:noAutofit/>
           </a:bodyPr>
           <a:lstStyle>
@@ -3835,7 +3943,7 @@
             </a:lvl9pPr>
           </a:lstStyle>
           <a:p>
-            <a:pPr indent="0" lvl="0" marL="0" rtl="0" algn="r">
+            <a:pPr marL="0" lvl="0" indent="0" algn="r" rtl="0">
               <a:spcBef>
                 <a:spcPts val="0"/>
               </a:spcBef>
@@ -3861,11 +3969,11 @@
 </file>
 
 <file path=ppt/slideLayouts/slideLayout4.xml><?xml version="1.0" encoding="utf-8"?>
-<p:sldLayout xmlns:a="http://schemas.openxmlformats.org/drawingml/2006/main" xmlns:r="http://schemas.openxmlformats.org/officeDocument/2006/relationships" xmlns:mc="http://schemas.openxmlformats.org/markup-compatibility/2006" xmlns:mv="urn:schemas-microsoft-com:mac:vml" xmlns:p="http://schemas.openxmlformats.org/presentationml/2006/main" xmlns:c="http://schemas.openxmlformats.org/drawingml/2006/chart" xmlns:dgm="http://schemas.openxmlformats.org/drawingml/2006/diagram" xmlns:o="urn:schemas-microsoft-com:office:office" xmlns:v="urn:schemas-microsoft-com:vml" xmlns:pvml="urn:schemas-microsoft-com:office:powerpoint" xmlns:com="http://schemas.openxmlformats.org/drawingml/2006/compatibility" xmlns:p14="http://schemas.microsoft.com/office/powerpoint/2010/main" xmlns:p15="http://schemas.microsoft.com/office/powerpoint/2012/main" xmlns:ahyp="http://schemas.microsoft.com/office/drawing/2018/hyperlinkcolor" matchingName="Title and two columns" type="twoColTx">
+<p:sldLayout xmlns:a="http://schemas.openxmlformats.org/drawingml/2006/main" xmlns:r="http://schemas.openxmlformats.org/officeDocument/2006/relationships" xmlns:p="http://schemas.openxmlformats.org/presentationml/2006/main" matchingName="Title and two columns" type="twoColTx">
   <p:cSld name="TITLE_AND_TWO_COLUMNS">
     <p:spTree>
       <p:nvGrpSpPr>
-        <p:cNvPr id="28" name="Shape 28"/>
+        <p:cNvPr id="1" name="Shape 28"/>
         <p:cNvGrpSpPr/>
         <p:nvPr/>
       </p:nvGrpSpPr>
@@ -3892,14 +4000,14 @@
             <a:avLst/>
           </a:prstGeom>
           <a:noFill/>
-          <a:ln cap="flat" cmpd="sng" w="38100">
+          <a:ln w="38100" cap="flat" cmpd="sng">
             <a:solidFill>
               <a:schemeClr val="dk2"/>
             </a:solidFill>
             <a:prstDash val="solid"/>
             <a:round/>
-            <a:headEnd len="sm" w="sm" type="none"/>
-            <a:tailEnd len="sm" w="sm" type="none"/>
+            <a:headEnd type="none" w="sm" len="sm"/>
+            <a:tailEnd type="none" w="sm" len="sm"/>
           </a:ln>
         </p:spPr>
       </p:cxnSp>
@@ -3918,14 +4026,14 @@
             <a:avLst/>
           </a:prstGeom>
           <a:noFill/>
-          <a:ln cap="flat" cmpd="sng" w="19050">
+          <a:ln w="19050" cap="flat" cmpd="sng">
             <a:solidFill>
               <a:schemeClr val="dk2"/>
             </a:solidFill>
             <a:prstDash val="solid"/>
             <a:round/>
-            <a:headEnd len="sm" w="sm" type="none"/>
-            <a:tailEnd len="sm" w="sm" type="none"/>
+            <a:headEnd type="none" w="sm" len="sm"/>
+            <a:tailEnd type="none" w="sm" len="sm"/>
           </a:ln>
         </p:spPr>
       </p:cxnSp>
@@ -3944,21 +4052,23 @@
             <a:avLst/>
           </a:prstGeom>
           <a:noFill/>
-          <a:ln cap="flat" cmpd="sng" w="19050">
+          <a:ln w="19050" cap="flat" cmpd="sng">
             <a:solidFill>
               <a:schemeClr val="dk2"/>
             </a:solidFill>
             <a:prstDash val="solid"/>
             <a:round/>
-            <a:headEnd len="sm" w="sm" type="none"/>
-            <a:tailEnd len="sm" w="sm" type="none"/>
+            <a:headEnd type="none" w="sm" len="sm"/>
+            <a:tailEnd type="none" w="sm" len="sm"/>
           </a:ln>
         </p:spPr>
       </p:cxnSp>
       <p:sp>
         <p:nvSpPr>
           <p:cNvPr id="32" name="Google Shape;32;p5"/>
-          <p:cNvSpPr txBox="1"/>
+          <p:cNvSpPr txBox="1">
+            <a:spLocks noGrp="1"/>
+          </p:cNvSpPr>
           <p:nvPr>
             <p:ph type="title"/>
           </p:nvPr>
@@ -3973,7 +4083,7 @@
           </a:prstGeom>
         </p:spPr>
         <p:txBody>
-          <a:bodyPr anchorCtr="0" anchor="t" bIns="91425" lIns="91425" spcFirstLastPara="1" rIns="91425" wrap="square" tIns="91425">
+          <a:bodyPr spcFirstLastPara="1" wrap="square" lIns="91425" tIns="91425" rIns="91425" bIns="91425" anchor="t" anchorCtr="0">
             <a:noAutofit/>
           </a:bodyPr>
           <a:lstStyle>
@@ -4077,15 +4187,19 @@
               <a:defRPr/>
             </a:lvl9pPr>
           </a:lstStyle>
-          <a:p/>
+          <a:p>
+            <a:endParaRPr/>
+          </a:p>
         </p:txBody>
       </p:sp>
       <p:sp>
         <p:nvSpPr>
           <p:cNvPr id="33" name="Google Shape;33;p5"/>
-          <p:cNvSpPr txBox="1"/>
+          <p:cNvSpPr txBox="1">
+            <a:spLocks noGrp="1"/>
+          </p:cNvSpPr>
           <p:nvPr>
-            <p:ph idx="1" type="body"/>
+            <p:ph type="body" idx="1"/>
           </p:nvPr>
         </p:nvSpPr>
         <p:spPr>
@@ -4098,11 +4212,11 @@
           </a:prstGeom>
         </p:spPr>
         <p:txBody>
-          <a:bodyPr anchorCtr="0" anchor="t" bIns="91425" lIns="91425" spcFirstLastPara="1" rIns="91425" wrap="square" tIns="91425">
+          <a:bodyPr spcFirstLastPara="1" wrap="square" lIns="91425" tIns="91425" rIns="91425" bIns="91425" anchor="t" anchorCtr="0">
             <a:noAutofit/>
           </a:bodyPr>
           <a:lstStyle>
-            <a:lvl1pPr indent="-317500" lvl="0" marL="457200" rtl="0">
+            <a:lvl1pPr marL="457200" lvl="0" indent="-317500" rtl="0">
               <a:spcBef>
                 <a:spcPts val="0"/>
               </a:spcBef>
@@ -4113,7 +4227,7 @@
               <a:buChar char="●"/>
               <a:defRPr sz="1400"/>
             </a:lvl1pPr>
-            <a:lvl2pPr indent="-304800" lvl="1" marL="914400" rtl="0">
+            <a:lvl2pPr marL="914400" lvl="1" indent="-304800" rtl="0">
               <a:spcBef>
                 <a:spcPts val="1600"/>
               </a:spcBef>
@@ -4124,7 +4238,7 @@
               <a:buChar char="○"/>
               <a:defRPr sz="1200"/>
             </a:lvl2pPr>
-            <a:lvl3pPr indent="-304800" lvl="2" marL="1371600" rtl="0">
+            <a:lvl3pPr marL="1371600" lvl="2" indent="-304800" rtl="0">
               <a:spcBef>
                 <a:spcPts val="1600"/>
               </a:spcBef>
@@ -4135,7 +4249,7 @@
               <a:buChar char="■"/>
               <a:defRPr sz="1200"/>
             </a:lvl3pPr>
-            <a:lvl4pPr indent="-304800" lvl="3" marL="1828800" rtl="0">
+            <a:lvl4pPr marL="1828800" lvl="3" indent="-304800" rtl="0">
               <a:spcBef>
                 <a:spcPts val="1600"/>
               </a:spcBef>
@@ -4146,7 +4260,7 @@
               <a:buChar char="●"/>
               <a:defRPr sz="1200"/>
             </a:lvl4pPr>
-            <a:lvl5pPr indent="-304800" lvl="4" marL="2286000" rtl="0">
+            <a:lvl5pPr marL="2286000" lvl="4" indent="-304800" rtl="0">
               <a:spcBef>
                 <a:spcPts val="1600"/>
               </a:spcBef>
@@ -4157,7 +4271,7 @@
               <a:buChar char="○"/>
               <a:defRPr sz="1200"/>
             </a:lvl5pPr>
-            <a:lvl6pPr indent="-304800" lvl="5" marL="2743200" rtl="0">
+            <a:lvl6pPr marL="2743200" lvl="5" indent="-304800" rtl="0">
               <a:spcBef>
                 <a:spcPts val="1600"/>
               </a:spcBef>
@@ -4168,7 +4282,7 @@
               <a:buChar char="■"/>
               <a:defRPr sz="1200"/>
             </a:lvl6pPr>
-            <a:lvl7pPr indent="-304800" lvl="6" marL="3200400" rtl="0">
+            <a:lvl7pPr marL="3200400" lvl="6" indent="-304800" rtl="0">
               <a:spcBef>
                 <a:spcPts val="1600"/>
               </a:spcBef>
@@ -4179,7 +4293,7 @@
               <a:buChar char="●"/>
               <a:defRPr sz="1200"/>
             </a:lvl7pPr>
-            <a:lvl8pPr indent="-304800" lvl="7" marL="3657600" rtl="0">
+            <a:lvl8pPr marL="3657600" lvl="7" indent="-304800" rtl="0">
               <a:spcBef>
                 <a:spcPts val="1600"/>
               </a:spcBef>
@@ -4190,7 +4304,7 @@
               <a:buChar char="○"/>
               <a:defRPr sz="1200"/>
             </a:lvl8pPr>
-            <a:lvl9pPr indent="-304800" lvl="8" marL="4114800" rtl="0">
+            <a:lvl9pPr marL="4114800" lvl="8" indent="-304800" rtl="0">
               <a:spcBef>
                 <a:spcPts val="1600"/>
               </a:spcBef>
@@ -4202,15 +4316,19 @@
               <a:defRPr sz="1200"/>
             </a:lvl9pPr>
           </a:lstStyle>
-          <a:p/>
+          <a:p>
+            <a:endParaRPr/>
+          </a:p>
         </p:txBody>
       </p:sp>
       <p:sp>
         <p:nvSpPr>
           <p:cNvPr id="34" name="Google Shape;34;p5"/>
-          <p:cNvSpPr txBox="1"/>
+          <p:cNvSpPr txBox="1">
+            <a:spLocks noGrp="1"/>
+          </p:cNvSpPr>
           <p:nvPr>
-            <p:ph idx="2" type="body"/>
+            <p:ph type="body" idx="2"/>
           </p:nvPr>
         </p:nvSpPr>
         <p:spPr>
@@ -4223,11 +4341,11 @@
           </a:prstGeom>
         </p:spPr>
         <p:txBody>
-          <a:bodyPr anchorCtr="0" anchor="t" bIns="91425" lIns="91425" spcFirstLastPara="1" rIns="91425" wrap="square" tIns="91425">
+          <a:bodyPr spcFirstLastPara="1" wrap="square" lIns="91425" tIns="91425" rIns="91425" bIns="91425" anchor="t" anchorCtr="0">
             <a:noAutofit/>
           </a:bodyPr>
           <a:lstStyle>
-            <a:lvl1pPr indent="-317500" lvl="0" marL="457200" rtl="0">
+            <a:lvl1pPr marL="457200" lvl="0" indent="-317500" rtl="0">
               <a:spcBef>
                 <a:spcPts val="0"/>
               </a:spcBef>
@@ -4238,7 +4356,7 @@
               <a:buChar char="●"/>
               <a:defRPr sz="1400"/>
             </a:lvl1pPr>
-            <a:lvl2pPr indent="-304800" lvl="1" marL="914400" rtl="0">
+            <a:lvl2pPr marL="914400" lvl="1" indent="-304800" rtl="0">
               <a:spcBef>
                 <a:spcPts val="1600"/>
               </a:spcBef>
@@ -4249,7 +4367,7 @@
               <a:buChar char="○"/>
               <a:defRPr sz="1200"/>
             </a:lvl2pPr>
-            <a:lvl3pPr indent="-304800" lvl="2" marL="1371600" rtl="0">
+            <a:lvl3pPr marL="1371600" lvl="2" indent="-304800" rtl="0">
               <a:spcBef>
                 <a:spcPts val="1600"/>
               </a:spcBef>
@@ -4260,7 +4378,7 @@
               <a:buChar char="■"/>
               <a:defRPr sz="1200"/>
             </a:lvl3pPr>
-            <a:lvl4pPr indent="-304800" lvl="3" marL="1828800" rtl="0">
+            <a:lvl4pPr marL="1828800" lvl="3" indent="-304800" rtl="0">
               <a:spcBef>
                 <a:spcPts val="1600"/>
               </a:spcBef>
@@ -4271,7 +4389,7 @@
               <a:buChar char="●"/>
               <a:defRPr sz="1200"/>
             </a:lvl4pPr>
-            <a:lvl5pPr indent="-304800" lvl="4" marL="2286000" rtl="0">
+            <a:lvl5pPr marL="2286000" lvl="4" indent="-304800" rtl="0">
               <a:spcBef>
                 <a:spcPts val="1600"/>
               </a:spcBef>
@@ -4282,7 +4400,7 @@
               <a:buChar char="○"/>
               <a:defRPr sz="1200"/>
             </a:lvl5pPr>
-            <a:lvl6pPr indent="-304800" lvl="5" marL="2743200" rtl="0">
+            <a:lvl6pPr marL="2743200" lvl="5" indent="-304800" rtl="0">
               <a:spcBef>
                 <a:spcPts val="1600"/>
               </a:spcBef>
@@ -4293,7 +4411,7 @@
               <a:buChar char="■"/>
               <a:defRPr sz="1200"/>
             </a:lvl6pPr>
-            <a:lvl7pPr indent="-304800" lvl="6" marL="3200400" rtl="0">
+            <a:lvl7pPr marL="3200400" lvl="6" indent="-304800" rtl="0">
               <a:spcBef>
                 <a:spcPts val="1600"/>
               </a:spcBef>
@@ -4304,7 +4422,7 @@
               <a:buChar char="●"/>
               <a:defRPr sz="1200"/>
             </a:lvl7pPr>
-            <a:lvl8pPr indent="-304800" lvl="7" marL="3657600" rtl="0">
+            <a:lvl8pPr marL="3657600" lvl="7" indent="-304800" rtl="0">
               <a:spcBef>
                 <a:spcPts val="1600"/>
               </a:spcBef>
@@ -4315,7 +4433,7 @@
               <a:buChar char="○"/>
               <a:defRPr sz="1200"/>
             </a:lvl8pPr>
-            <a:lvl9pPr indent="-304800" lvl="8" marL="4114800" rtl="0">
+            <a:lvl9pPr marL="4114800" lvl="8" indent="-304800" rtl="0">
               <a:spcBef>
                 <a:spcPts val="1600"/>
               </a:spcBef>
@@ -4327,15 +4445,19 @@
               <a:defRPr sz="1200"/>
             </a:lvl9pPr>
           </a:lstStyle>
-          <a:p/>
+          <a:p>
+            <a:endParaRPr/>
+          </a:p>
         </p:txBody>
       </p:sp>
       <p:sp>
         <p:nvSpPr>
           <p:cNvPr id="35" name="Google Shape;35;p5"/>
-          <p:cNvSpPr txBox="1"/>
+          <p:cNvSpPr txBox="1">
+            <a:spLocks noGrp="1"/>
+          </p:cNvSpPr>
           <p:nvPr>
-            <p:ph idx="12" type="sldNum"/>
+            <p:ph type="sldNum" idx="12"/>
           </p:nvPr>
         </p:nvSpPr>
         <p:spPr>
@@ -4348,7 +4470,7 @@
           </a:prstGeom>
         </p:spPr>
         <p:txBody>
-          <a:bodyPr anchorCtr="0" anchor="ctr" bIns="91425" lIns="91425" spcFirstLastPara="1" rIns="91425" wrap="square" tIns="91425">
+          <a:bodyPr spcFirstLastPara="1" wrap="square" lIns="91425" tIns="91425" rIns="91425" bIns="91425" anchor="ctr" anchorCtr="0">
             <a:noAutofit/>
           </a:bodyPr>
           <a:lstStyle>
@@ -4390,7 +4512,7 @@
             </a:lvl9pPr>
           </a:lstStyle>
           <a:p>
-            <a:pPr indent="0" lvl="0" marL="0" rtl="0" algn="r">
+            <a:pPr marL="0" lvl="0" indent="0" algn="r" rtl="0">
               <a:spcBef>
                 <a:spcPts val="0"/>
               </a:spcBef>
@@ -4416,11 +4538,11 @@
 </file>
 
 <file path=ppt/slideLayouts/slideLayout5.xml><?xml version="1.0" encoding="utf-8"?>
-<p:sldLayout xmlns:a="http://schemas.openxmlformats.org/drawingml/2006/main" xmlns:r="http://schemas.openxmlformats.org/officeDocument/2006/relationships" xmlns:mc="http://schemas.openxmlformats.org/markup-compatibility/2006" xmlns:mv="urn:schemas-microsoft-com:mac:vml" xmlns:p="http://schemas.openxmlformats.org/presentationml/2006/main" xmlns:c="http://schemas.openxmlformats.org/drawingml/2006/chart" xmlns:dgm="http://schemas.openxmlformats.org/drawingml/2006/diagram" xmlns:o="urn:schemas-microsoft-com:office:office" xmlns:v="urn:schemas-microsoft-com:vml" xmlns:pvml="urn:schemas-microsoft-com:office:powerpoint" xmlns:com="http://schemas.openxmlformats.org/drawingml/2006/compatibility" xmlns:p14="http://schemas.microsoft.com/office/powerpoint/2010/main" xmlns:p15="http://schemas.microsoft.com/office/powerpoint/2012/main" xmlns:ahyp="http://schemas.microsoft.com/office/drawing/2018/hyperlinkcolor" matchingName="Title only" type="titleOnly">
+<p:sldLayout xmlns:a="http://schemas.openxmlformats.org/drawingml/2006/main" xmlns:r="http://schemas.openxmlformats.org/officeDocument/2006/relationships" xmlns:p="http://schemas.openxmlformats.org/presentationml/2006/main" matchingName="Title only" type="titleOnly">
   <p:cSld name="TITLE_ONLY">
     <p:spTree>
       <p:nvGrpSpPr>
-        <p:cNvPr id="36" name="Shape 36"/>
+        <p:cNvPr id="1" name="Shape 36"/>
         <p:cNvGrpSpPr/>
         <p:nvPr/>
       </p:nvGrpSpPr>
@@ -4435,7 +4557,9 @@
       <p:sp>
         <p:nvSpPr>
           <p:cNvPr id="37" name="Google Shape;37;p6"/>
-          <p:cNvSpPr txBox="1"/>
+          <p:cNvSpPr txBox="1">
+            <a:spLocks noGrp="1"/>
+          </p:cNvSpPr>
           <p:nvPr>
             <p:ph type="title"/>
           </p:nvPr>
@@ -4450,7 +4574,7 @@
           </a:prstGeom>
         </p:spPr>
         <p:txBody>
-          <a:bodyPr anchorCtr="0" anchor="t" bIns="91425" lIns="91425" spcFirstLastPara="1" rIns="91425" wrap="square" tIns="91425">
+          <a:bodyPr spcFirstLastPara="1" wrap="square" lIns="91425" tIns="91425" rIns="91425" bIns="91425" anchor="t" anchorCtr="0">
             <a:noAutofit/>
           </a:bodyPr>
           <a:lstStyle>
@@ -4554,15 +4678,19 @@
               <a:defRPr/>
             </a:lvl9pPr>
           </a:lstStyle>
-          <a:p/>
+          <a:p>
+            <a:endParaRPr/>
+          </a:p>
         </p:txBody>
       </p:sp>
       <p:sp>
         <p:nvSpPr>
           <p:cNvPr id="38" name="Google Shape;38;p6"/>
-          <p:cNvSpPr txBox="1"/>
+          <p:cNvSpPr txBox="1">
+            <a:spLocks noGrp="1"/>
+          </p:cNvSpPr>
           <p:nvPr>
-            <p:ph idx="12" type="sldNum"/>
+            <p:ph type="sldNum" idx="12"/>
           </p:nvPr>
         </p:nvSpPr>
         <p:spPr>
@@ -4575,7 +4703,7 @@
           </a:prstGeom>
         </p:spPr>
         <p:txBody>
-          <a:bodyPr anchorCtr="0" anchor="ctr" bIns="91425" lIns="91425" spcFirstLastPara="1" rIns="91425" wrap="square" tIns="91425">
+          <a:bodyPr spcFirstLastPara="1" wrap="square" lIns="91425" tIns="91425" rIns="91425" bIns="91425" anchor="ctr" anchorCtr="0">
             <a:noAutofit/>
           </a:bodyPr>
           <a:lstStyle>
@@ -4617,7 +4745,7 @@
             </a:lvl9pPr>
           </a:lstStyle>
           <a:p>
-            <a:pPr indent="0" lvl="0" marL="0" rtl="0" algn="r">
+            <a:pPr marL="0" lvl="0" indent="0" algn="r" rtl="0">
               <a:spcBef>
                 <a:spcPts val="0"/>
               </a:spcBef>
@@ -4643,11 +4771,11 @@
 </file>
 
 <file path=ppt/slideLayouts/slideLayout6.xml><?xml version="1.0" encoding="utf-8"?>
-<p:sldLayout xmlns:a="http://schemas.openxmlformats.org/drawingml/2006/main" xmlns:r="http://schemas.openxmlformats.org/officeDocument/2006/relationships" xmlns:mc="http://schemas.openxmlformats.org/markup-compatibility/2006" xmlns:mv="urn:schemas-microsoft-com:mac:vml" xmlns:p="http://schemas.openxmlformats.org/presentationml/2006/main" xmlns:c="http://schemas.openxmlformats.org/drawingml/2006/chart" xmlns:dgm="http://schemas.openxmlformats.org/drawingml/2006/diagram" xmlns:o="urn:schemas-microsoft-com:office:office" xmlns:v="urn:schemas-microsoft-com:vml" xmlns:pvml="urn:schemas-microsoft-com:office:powerpoint" xmlns:com="http://schemas.openxmlformats.org/drawingml/2006/compatibility" xmlns:p14="http://schemas.microsoft.com/office/powerpoint/2010/main" xmlns:p15="http://schemas.microsoft.com/office/powerpoint/2012/main" xmlns:ahyp="http://schemas.microsoft.com/office/drawing/2018/hyperlinkcolor" matchingName="One column text">
+<p:sldLayout xmlns:a="http://schemas.openxmlformats.org/drawingml/2006/main" xmlns:r="http://schemas.openxmlformats.org/officeDocument/2006/relationships" xmlns:p="http://schemas.openxmlformats.org/presentationml/2006/main" matchingName="One column text">
   <p:cSld name="ONE_COLUMN_TEXT">
     <p:spTree>
       <p:nvGrpSpPr>
-        <p:cNvPr id="39" name="Shape 39"/>
+        <p:cNvPr id="1" name="Shape 39"/>
         <p:cNvGrpSpPr/>
         <p:nvPr/>
       </p:nvGrpSpPr>
@@ -4674,21 +4802,23 @@
             <a:avLst/>
           </a:prstGeom>
           <a:noFill/>
-          <a:ln cap="flat" cmpd="sng" w="19050">
+          <a:ln w="19050" cap="flat" cmpd="sng">
             <a:solidFill>
               <a:schemeClr val="dk2"/>
             </a:solidFill>
             <a:prstDash val="solid"/>
             <a:round/>
-            <a:headEnd len="sm" w="sm" type="none"/>
-            <a:tailEnd len="sm" w="sm" type="none"/>
+            <a:headEnd type="none" w="sm" len="sm"/>
+            <a:tailEnd type="none" w="sm" len="sm"/>
           </a:ln>
         </p:spPr>
       </p:cxnSp>
       <p:sp>
         <p:nvSpPr>
           <p:cNvPr id="41" name="Google Shape;41;p7"/>
-          <p:cNvSpPr txBox="1"/>
+          <p:cNvSpPr txBox="1">
+            <a:spLocks noGrp="1"/>
+          </p:cNvSpPr>
           <p:nvPr>
             <p:ph type="title"/>
           </p:nvPr>
@@ -4703,7 +4833,7 @@
           </a:prstGeom>
         </p:spPr>
         <p:txBody>
-          <a:bodyPr anchorCtr="0" anchor="b" bIns="91425" lIns="91425" spcFirstLastPara="1" rIns="91425" wrap="square" tIns="91425">
+          <a:bodyPr spcFirstLastPara="1" wrap="square" lIns="91425" tIns="91425" rIns="91425" bIns="91425" anchor="b" anchorCtr="0">
             <a:noAutofit/>
           </a:bodyPr>
           <a:lstStyle>
@@ -4807,15 +4937,19 @@
               <a:defRPr sz="2400"/>
             </a:lvl9pPr>
           </a:lstStyle>
-          <a:p/>
+          <a:p>
+            <a:endParaRPr/>
+          </a:p>
         </p:txBody>
       </p:sp>
       <p:sp>
         <p:nvSpPr>
           <p:cNvPr id="42" name="Google Shape;42;p7"/>
-          <p:cNvSpPr txBox="1"/>
+          <p:cNvSpPr txBox="1">
+            <a:spLocks noGrp="1"/>
+          </p:cNvSpPr>
           <p:nvPr>
-            <p:ph idx="1" type="body"/>
+            <p:ph type="body" idx="1"/>
           </p:nvPr>
         </p:nvSpPr>
         <p:spPr>
@@ -4828,11 +4962,11 @@
           </a:prstGeom>
         </p:spPr>
         <p:txBody>
-          <a:bodyPr anchorCtr="0" anchor="t" bIns="91425" lIns="91425" spcFirstLastPara="1" rIns="91425" wrap="square" tIns="91425">
+          <a:bodyPr spcFirstLastPara="1" wrap="square" lIns="91425" tIns="91425" rIns="91425" bIns="91425" anchor="t" anchorCtr="0">
             <a:noAutofit/>
           </a:bodyPr>
           <a:lstStyle>
-            <a:lvl1pPr indent="-304800" lvl="0" marL="457200" rtl="0">
+            <a:lvl1pPr marL="457200" lvl="0" indent="-304800" rtl="0">
               <a:spcBef>
                 <a:spcPts val="0"/>
               </a:spcBef>
@@ -4843,7 +4977,7 @@
               <a:buChar char="●"/>
               <a:defRPr sz="1200"/>
             </a:lvl1pPr>
-            <a:lvl2pPr indent="-304800" lvl="1" marL="914400" rtl="0">
+            <a:lvl2pPr marL="914400" lvl="1" indent="-304800" rtl="0">
               <a:spcBef>
                 <a:spcPts val="1600"/>
               </a:spcBef>
@@ -4854,7 +4988,7 @@
               <a:buChar char="○"/>
               <a:defRPr sz="1200"/>
             </a:lvl2pPr>
-            <a:lvl3pPr indent="-304800" lvl="2" marL="1371600" rtl="0">
+            <a:lvl3pPr marL="1371600" lvl="2" indent="-304800" rtl="0">
               <a:spcBef>
                 <a:spcPts val="1600"/>
               </a:spcBef>
@@ -4865,7 +4999,7 @@
               <a:buChar char="■"/>
               <a:defRPr sz="1200"/>
             </a:lvl3pPr>
-            <a:lvl4pPr indent="-304800" lvl="3" marL="1828800" rtl="0">
+            <a:lvl4pPr marL="1828800" lvl="3" indent="-304800" rtl="0">
               <a:spcBef>
                 <a:spcPts val="1600"/>
               </a:spcBef>
@@ -4876,7 +5010,7 @@
               <a:buChar char="●"/>
               <a:defRPr sz="1200"/>
             </a:lvl4pPr>
-            <a:lvl5pPr indent="-304800" lvl="4" marL="2286000" rtl="0">
+            <a:lvl5pPr marL="2286000" lvl="4" indent="-304800" rtl="0">
               <a:spcBef>
                 <a:spcPts val="1600"/>
               </a:spcBef>
@@ -4887,7 +5021,7 @@
               <a:buChar char="○"/>
               <a:defRPr sz="1200"/>
             </a:lvl5pPr>
-            <a:lvl6pPr indent="-304800" lvl="5" marL="2743200" rtl="0">
+            <a:lvl6pPr marL="2743200" lvl="5" indent="-304800" rtl="0">
               <a:spcBef>
                 <a:spcPts val="1600"/>
               </a:spcBef>
@@ -4898,7 +5032,7 @@
               <a:buChar char="■"/>
               <a:defRPr sz="1200"/>
             </a:lvl6pPr>
-            <a:lvl7pPr indent="-304800" lvl="6" marL="3200400" rtl="0">
+            <a:lvl7pPr marL="3200400" lvl="6" indent="-304800" rtl="0">
               <a:spcBef>
                 <a:spcPts val="1600"/>
               </a:spcBef>
@@ -4909,7 +5043,7 @@
               <a:buChar char="●"/>
               <a:defRPr sz="1200"/>
             </a:lvl7pPr>
-            <a:lvl8pPr indent="-304800" lvl="7" marL="3657600" rtl="0">
+            <a:lvl8pPr marL="3657600" lvl="7" indent="-304800" rtl="0">
               <a:spcBef>
                 <a:spcPts val="1600"/>
               </a:spcBef>
@@ -4920,7 +5054,7 @@
               <a:buChar char="○"/>
               <a:defRPr sz="1200"/>
             </a:lvl8pPr>
-            <a:lvl9pPr indent="-304800" lvl="8" marL="4114800" rtl="0">
+            <a:lvl9pPr marL="4114800" lvl="8" indent="-304800" rtl="0">
               <a:spcBef>
                 <a:spcPts val="1600"/>
               </a:spcBef>
@@ -4932,15 +5066,19 @@
               <a:defRPr sz="1200"/>
             </a:lvl9pPr>
           </a:lstStyle>
-          <a:p/>
+          <a:p>
+            <a:endParaRPr/>
+          </a:p>
         </p:txBody>
       </p:sp>
       <p:sp>
         <p:nvSpPr>
           <p:cNvPr id="43" name="Google Shape;43;p7"/>
-          <p:cNvSpPr txBox="1"/>
+          <p:cNvSpPr txBox="1">
+            <a:spLocks noGrp="1"/>
+          </p:cNvSpPr>
           <p:nvPr>
-            <p:ph idx="12" type="sldNum"/>
+            <p:ph type="sldNum" idx="12"/>
           </p:nvPr>
         </p:nvSpPr>
         <p:spPr>
@@ -4953,7 +5091,7 @@
           </a:prstGeom>
         </p:spPr>
         <p:txBody>
-          <a:bodyPr anchorCtr="0" anchor="ctr" bIns="91425" lIns="91425" spcFirstLastPara="1" rIns="91425" wrap="square" tIns="91425">
+          <a:bodyPr spcFirstLastPara="1" wrap="square" lIns="91425" tIns="91425" rIns="91425" bIns="91425" anchor="ctr" anchorCtr="0">
             <a:noAutofit/>
           </a:bodyPr>
           <a:lstStyle>
@@ -4995,7 +5133,7 @@
             </a:lvl9pPr>
           </a:lstStyle>
           <a:p>
-            <a:pPr indent="0" lvl="0" marL="0" rtl="0" algn="r">
+            <a:pPr marL="0" lvl="0" indent="0" algn="r" rtl="0">
               <a:spcBef>
                 <a:spcPts val="0"/>
               </a:spcBef>
@@ -5021,18 +5159,19 @@
 </file>
 
 <file path=ppt/slideLayouts/slideLayout7.xml><?xml version="1.0" encoding="utf-8"?>
-<p:sldLayout xmlns:a="http://schemas.openxmlformats.org/drawingml/2006/main" xmlns:r="http://schemas.openxmlformats.org/officeDocument/2006/relationships" xmlns:mc="http://schemas.openxmlformats.org/markup-compatibility/2006" xmlns:mv="urn:schemas-microsoft-com:mac:vml" xmlns:p="http://schemas.openxmlformats.org/presentationml/2006/main" xmlns:c="http://schemas.openxmlformats.org/drawingml/2006/chart" xmlns:dgm="http://schemas.openxmlformats.org/drawingml/2006/diagram" xmlns:o="urn:schemas-microsoft-com:office:office" xmlns:v="urn:schemas-microsoft-com:vml" xmlns:pvml="urn:schemas-microsoft-com:office:powerpoint" xmlns:com="http://schemas.openxmlformats.org/drawingml/2006/compatibility" xmlns:p14="http://schemas.microsoft.com/office/powerpoint/2010/main" xmlns:p15="http://schemas.microsoft.com/office/powerpoint/2012/main" xmlns:ahyp="http://schemas.microsoft.com/office/drawing/2018/hyperlinkcolor" matchingName="Main point">
+<p:sldLayout xmlns:a="http://schemas.openxmlformats.org/drawingml/2006/main" xmlns:r="http://schemas.openxmlformats.org/officeDocument/2006/relationships" xmlns:p="http://schemas.openxmlformats.org/presentationml/2006/main" matchingName="Main point">
   <p:cSld name="MAIN_POINT">
     <p:bg>
       <p:bgPr>
         <a:solidFill>
           <a:srgbClr val="353535"/>
         </a:solidFill>
+        <a:effectLst/>
       </p:bgPr>
     </p:bg>
     <p:spTree>
       <p:nvGrpSpPr>
-        <p:cNvPr id="44" name="Shape 44"/>
+        <p:cNvPr id="1" name="Shape 44"/>
         <p:cNvGrpSpPr/>
         <p:nvPr/>
       </p:nvGrpSpPr>
@@ -5059,21 +5198,23 @@
             <a:avLst/>
           </a:prstGeom>
           <a:noFill/>
-          <a:ln cap="flat" cmpd="sng" w="19050">
+          <a:ln w="19050" cap="flat" cmpd="sng">
             <a:solidFill>
               <a:schemeClr val="lt1"/>
             </a:solidFill>
             <a:prstDash val="solid"/>
             <a:round/>
-            <a:headEnd len="sm" w="sm" type="none"/>
-            <a:tailEnd len="sm" w="sm" type="none"/>
+            <a:headEnd type="none" w="sm" len="sm"/>
+            <a:tailEnd type="none" w="sm" len="sm"/>
           </a:ln>
         </p:spPr>
       </p:cxnSp>
       <p:sp>
         <p:nvSpPr>
           <p:cNvPr id="46" name="Google Shape;46;p8"/>
-          <p:cNvSpPr txBox="1"/>
+          <p:cNvSpPr txBox="1">
+            <a:spLocks noGrp="1"/>
+          </p:cNvSpPr>
           <p:nvPr>
             <p:ph type="title"/>
           </p:nvPr>
@@ -5088,7 +5229,7 @@
           </a:prstGeom>
         </p:spPr>
         <p:txBody>
-          <a:bodyPr anchorCtr="0" anchor="ctr" bIns="91425" lIns="91425" spcFirstLastPara="1" rIns="91425" wrap="square" tIns="91425">
+          <a:bodyPr spcFirstLastPara="1" wrap="square" lIns="91425" tIns="91425" rIns="91425" bIns="91425" anchor="ctr" anchorCtr="0">
             <a:noAutofit/>
           </a:bodyPr>
           <a:lstStyle>
@@ -5255,15 +5396,19 @@
               </a:defRPr>
             </a:lvl9pPr>
           </a:lstStyle>
-          <a:p/>
+          <a:p>
+            <a:endParaRPr/>
+          </a:p>
         </p:txBody>
       </p:sp>
       <p:sp>
         <p:nvSpPr>
           <p:cNvPr id="47" name="Google Shape;47;p8"/>
-          <p:cNvSpPr txBox="1"/>
+          <p:cNvSpPr txBox="1">
+            <a:spLocks noGrp="1"/>
+          </p:cNvSpPr>
           <p:nvPr>
-            <p:ph idx="12" type="sldNum"/>
+            <p:ph type="sldNum" idx="12"/>
           </p:nvPr>
         </p:nvSpPr>
         <p:spPr>
@@ -5276,7 +5421,7 @@
           </a:prstGeom>
         </p:spPr>
         <p:txBody>
-          <a:bodyPr anchorCtr="0" anchor="ctr" bIns="91425" lIns="91425" spcFirstLastPara="1" rIns="91425" wrap="square" tIns="91425">
+          <a:bodyPr spcFirstLastPara="1" wrap="square" lIns="91425" tIns="91425" rIns="91425" bIns="91425" anchor="ctr" anchorCtr="0">
             <a:noAutofit/>
           </a:bodyPr>
           <a:lstStyle>
@@ -5354,7 +5499,7 @@
             </a:lvl9pPr>
           </a:lstStyle>
           <a:p>
-            <a:pPr indent="0" lvl="0" marL="0" rtl="0" algn="r">
+            <a:pPr marL="0" lvl="0" indent="0" algn="r" rtl="0">
               <a:spcBef>
                 <a:spcPts val="0"/>
               </a:spcBef>
@@ -5380,11 +5525,11 @@
 </file>
 
 <file path=ppt/slideLayouts/slideLayout8.xml><?xml version="1.0" encoding="utf-8"?>
-<p:sldLayout xmlns:a="http://schemas.openxmlformats.org/drawingml/2006/main" xmlns:r="http://schemas.openxmlformats.org/officeDocument/2006/relationships" xmlns:mc="http://schemas.openxmlformats.org/markup-compatibility/2006" xmlns:mv="urn:schemas-microsoft-com:mac:vml" xmlns:p="http://schemas.openxmlformats.org/presentationml/2006/main" xmlns:c="http://schemas.openxmlformats.org/drawingml/2006/chart" xmlns:dgm="http://schemas.openxmlformats.org/drawingml/2006/diagram" xmlns:o="urn:schemas-microsoft-com:office:office" xmlns:v="urn:schemas-microsoft-com:vml" xmlns:pvml="urn:schemas-microsoft-com:office:powerpoint" xmlns:com="http://schemas.openxmlformats.org/drawingml/2006/compatibility" xmlns:p14="http://schemas.microsoft.com/office/powerpoint/2010/main" xmlns:p15="http://schemas.microsoft.com/office/powerpoint/2012/main" xmlns:ahyp="http://schemas.microsoft.com/office/drawing/2018/hyperlinkcolor" matchingName="Section title and description">
+<p:sldLayout xmlns:a="http://schemas.openxmlformats.org/drawingml/2006/main" xmlns:r="http://schemas.openxmlformats.org/officeDocument/2006/relationships" xmlns:p="http://schemas.openxmlformats.org/presentationml/2006/main" matchingName="Section title and description">
   <p:cSld name="SECTION_TITLE_AND_DESCRIPTION">
     <p:spTree>
       <p:nvGrpSpPr>
-        <p:cNvPr id="48" name="Shape 48"/>
+        <p:cNvPr id="1" name="Shape 48"/>
         <p:cNvGrpSpPr/>
         <p:nvPr/>
       </p:nvGrpSpPr>
@@ -5418,12 +5563,12 @@
           </a:ln>
         </p:spPr>
         <p:txBody>
-          <a:bodyPr anchorCtr="0" anchor="ctr" bIns="91425" lIns="91425" spcFirstLastPara="1" rIns="91425" wrap="square" tIns="91425">
+          <a:bodyPr spcFirstLastPara="1" wrap="square" lIns="91425" tIns="91425" rIns="91425" bIns="91425" anchor="ctr" anchorCtr="0">
             <a:noAutofit/>
           </a:bodyPr>
           <a:lstStyle/>
           <a:p>
-            <a:pPr indent="0" lvl="0" marL="0" rtl="0" algn="l">
+            <a:pPr marL="0" lvl="0" indent="0" algn="l" rtl="0">
               <a:spcBef>
                 <a:spcPts val="0"/>
               </a:spcBef>
@@ -5432,9 +5577,6 @@
               </a:spcAft>
               <a:buNone/>
             </a:pPr>
-            <a:r>
-              <a:t/>
-            </a:r>
             <a:endParaRPr/>
           </a:p>
         </p:txBody>
@@ -5454,21 +5596,23 @@
             <a:avLst/>
           </a:prstGeom>
           <a:noFill/>
-          <a:ln cap="flat" cmpd="sng" w="19050">
+          <a:ln w="19050" cap="flat" cmpd="sng">
             <a:solidFill>
               <a:schemeClr val="lt1"/>
             </a:solidFill>
             <a:prstDash val="solid"/>
             <a:round/>
-            <a:headEnd len="sm" w="sm" type="none"/>
-            <a:tailEnd len="sm" w="sm" type="none"/>
+            <a:headEnd type="none" w="sm" len="sm"/>
+            <a:tailEnd type="none" w="sm" len="sm"/>
           </a:ln>
         </p:spPr>
       </p:cxnSp>
       <p:sp>
         <p:nvSpPr>
           <p:cNvPr id="51" name="Google Shape;51;p9"/>
-          <p:cNvSpPr txBox="1"/>
+          <p:cNvSpPr txBox="1">
+            <a:spLocks noGrp="1"/>
+          </p:cNvSpPr>
           <p:nvPr>
             <p:ph type="title"/>
           </p:nvPr>
@@ -5483,11 +5627,11 @@
           </a:prstGeom>
         </p:spPr>
         <p:txBody>
-          <a:bodyPr anchorCtr="0" anchor="b" bIns="91425" lIns="91425" spcFirstLastPara="1" rIns="91425" wrap="square" tIns="91425">
+          <a:bodyPr spcFirstLastPara="1" wrap="square" lIns="91425" tIns="91425" rIns="91425" bIns="91425" anchor="b" anchorCtr="0">
             <a:noAutofit/>
           </a:bodyPr>
           <a:lstStyle>
-            <a:lvl1pPr lvl="0" rtl="0" algn="ctr">
+            <a:lvl1pPr lvl="0" algn="ctr" rtl="0">
               <a:spcBef>
                 <a:spcPts val="0"/>
               </a:spcBef>
@@ -5505,7 +5649,7 @@
                 </a:solidFill>
               </a:defRPr>
             </a:lvl1pPr>
-            <a:lvl2pPr lvl="1" rtl="0" algn="ctr">
+            <a:lvl2pPr lvl="1" algn="ctr" rtl="0">
               <a:spcBef>
                 <a:spcPts val="0"/>
               </a:spcBef>
@@ -5523,7 +5667,7 @@
                 </a:solidFill>
               </a:defRPr>
             </a:lvl2pPr>
-            <a:lvl3pPr lvl="2" rtl="0" algn="ctr">
+            <a:lvl3pPr lvl="2" algn="ctr" rtl="0">
               <a:spcBef>
                 <a:spcPts val="0"/>
               </a:spcBef>
@@ -5541,7 +5685,7 @@
                 </a:solidFill>
               </a:defRPr>
             </a:lvl3pPr>
-            <a:lvl4pPr lvl="3" rtl="0" algn="ctr">
+            <a:lvl4pPr lvl="3" algn="ctr" rtl="0">
               <a:spcBef>
                 <a:spcPts val="0"/>
               </a:spcBef>
@@ -5559,7 +5703,7 @@
                 </a:solidFill>
               </a:defRPr>
             </a:lvl4pPr>
-            <a:lvl5pPr lvl="4" rtl="0" algn="ctr">
+            <a:lvl5pPr lvl="4" algn="ctr" rtl="0">
               <a:spcBef>
                 <a:spcPts val="0"/>
               </a:spcBef>
@@ -5577,7 +5721,7 @@
                 </a:solidFill>
               </a:defRPr>
             </a:lvl5pPr>
-            <a:lvl6pPr lvl="5" rtl="0" algn="ctr">
+            <a:lvl6pPr lvl="5" algn="ctr" rtl="0">
               <a:spcBef>
                 <a:spcPts val="0"/>
               </a:spcBef>
@@ -5595,7 +5739,7 @@
                 </a:solidFill>
               </a:defRPr>
             </a:lvl6pPr>
-            <a:lvl7pPr lvl="6" rtl="0" algn="ctr">
+            <a:lvl7pPr lvl="6" algn="ctr" rtl="0">
               <a:spcBef>
                 <a:spcPts val="0"/>
               </a:spcBef>
@@ -5613,7 +5757,7 @@
                 </a:solidFill>
               </a:defRPr>
             </a:lvl7pPr>
-            <a:lvl8pPr lvl="7" rtl="0" algn="ctr">
+            <a:lvl8pPr lvl="7" algn="ctr" rtl="0">
               <a:spcBef>
                 <a:spcPts val="0"/>
               </a:spcBef>
@@ -5631,7 +5775,7 @@
                 </a:solidFill>
               </a:defRPr>
             </a:lvl8pPr>
-            <a:lvl9pPr lvl="8" rtl="0" algn="ctr">
+            <a:lvl9pPr lvl="8" algn="ctr" rtl="0">
               <a:spcBef>
                 <a:spcPts val="0"/>
               </a:spcBef>
@@ -5650,15 +5794,19 @@
               </a:defRPr>
             </a:lvl9pPr>
           </a:lstStyle>
-          <a:p/>
+          <a:p>
+            <a:endParaRPr/>
+          </a:p>
         </p:txBody>
       </p:sp>
       <p:sp>
         <p:nvSpPr>
           <p:cNvPr id="52" name="Google Shape;52;p9"/>
-          <p:cNvSpPr txBox="1"/>
+          <p:cNvSpPr txBox="1">
+            <a:spLocks noGrp="1"/>
+          </p:cNvSpPr>
           <p:nvPr>
-            <p:ph idx="1" type="subTitle"/>
+            <p:ph type="subTitle" idx="1"/>
           </p:nvPr>
         </p:nvSpPr>
         <p:spPr>
@@ -5671,11 +5819,11 @@
           </a:prstGeom>
         </p:spPr>
         <p:txBody>
-          <a:bodyPr anchorCtr="0" anchor="t" bIns="91425" lIns="91425" spcFirstLastPara="1" rIns="91425" wrap="square" tIns="91425">
+          <a:bodyPr spcFirstLastPara="1" wrap="square" lIns="91425" tIns="91425" rIns="91425" bIns="91425" anchor="t" anchorCtr="0">
             <a:noAutofit/>
           </a:bodyPr>
           <a:lstStyle>
-            <a:lvl1pPr lvl="0" rtl="0" algn="ctr">
+            <a:lvl1pPr lvl="0" algn="ctr" rtl="0">
               <a:lnSpc>
                 <a:spcPct val="100000"/>
               </a:lnSpc>
@@ -5689,7 +5837,7 @@
               <a:buNone/>
               <a:defRPr sz="2100"/>
             </a:lvl1pPr>
-            <a:lvl2pPr lvl="1" rtl="0" algn="ctr">
+            <a:lvl2pPr lvl="1" algn="ctr" rtl="0">
               <a:lnSpc>
                 <a:spcPct val="100000"/>
               </a:lnSpc>
@@ -5703,7 +5851,7 @@
               <a:buNone/>
               <a:defRPr sz="2100"/>
             </a:lvl2pPr>
-            <a:lvl3pPr lvl="2" rtl="0" algn="ctr">
+            <a:lvl3pPr lvl="2" algn="ctr" rtl="0">
               <a:lnSpc>
                 <a:spcPct val="100000"/>
               </a:lnSpc>
@@ -5717,7 +5865,7 @@
               <a:buNone/>
               <a:defRPr sz="2100"/>
             </a:lvl3pPr>
-            <a:lvl4pPr lvl="3" rtl="0" algn="ctr">
+            <a:lvl4pPr lvl="3" algn="ctr" rtl="0">
               <a:lnSpc>
                 <a:spcPct val="100000"/>
               </a:lnSpc>
@@ -5731,7 +5879,7 @@
               <a:buNone/>
               <a:defRPr sz="2100"/>
             </a:lvl4pPr>
-            <a:lvl5pPr lvl="4" rtl="0" algn="ctr">
+            <a:lvl5pPr lvl="4" algn="ctr" rtl="0">
               <a:lnSpc>
                 <a:spcPct val="100000"/>
               </a:lnSpc>
@@ -5745,7 +5893,7 @@
               <a:buNone/>
               <a:defRPr sz="2100"/>
             </a:lvl5pPr>
-            <a:lvl6pPr lvl="5" rtl="0" algn="ctr">
+            <a:lvl6pPr lvl="5" algn="ctr" rtl="0">
               <a:lnSpc>
                 <a:spcPct val="100000"/>
               </a:lnSpc>
@@ -5759,7 +5907,7 @@
               <a:buNone/>
               <a:defRPr sz="2100"/>
             </a:lvl6pPr>
-            <a:lvl7pPr lvl="6" rtl="0" algn="ctr">
+            <a:lvl7pPr lvl="6" algn="ctr" rtl="0">
               <a:lnSpc>
                 <a:spcPct val="100000"/>
               </a:lnSpc>
@@ -5773,7 +5921,7 @@
               <a:buNone/>
               <a:defRPr sz="2100"/>
             </a:lvl7pPr>
-            <a:lvl8pPr lvl="7" rtl="0" algn="ctr">
+            <a:lvl8pPr lvl="7" algn="ctr" rtl="0">
               <a:lnSpc>
                 <a:spcPct val="100000"/>
               </a:lnSpc>
@@ -5787,7 +5935,7 @@
               <a:buNone/>
               <a:defRPr sz="2100"/>
             </a:lvl8pPr>
-            <a:lvl9pPr lvl="8" rtl="0" algn="ctr">
+            <a:lvl9pPr lvl="8" algn="ctr" rtl="0">
               <a:lnSpc>
                 <a:spcPct val="100000"/>
               </a:lnSpc>
@@ -5802,15 +5950,19 @@
               <a:defRPr sz="2100"/>
             </a:lvl9pPr>
           </a:lstStyle>
-          <a:p/>
+          <a:p>
+            <a:endParaRPr/>
+          </a:p>
         </p:txBody>
       </p:sp>
       <p:sp>
         <p:nvSpPr>
           <p:cNvPr id="53" name="Google Shape;53;p9"/>
-          <p:cNvSpPr txBox="1"/>
+          <p:cNvSpPr txBox="1">
+            <a:spLocks noGrp="1"/>
+          </p:cNvSpPr>
           <p:nvPr>
-            <p:ph idx="2" type="body"/>
+            <p:ph type="body" idx="2"/>
           </p:nvPr>
         </p:nvSpPr>
         <p:spPr>
@@ -5823,11 +5975,11 @@
           </a:prstGeom>
         </p:spPr>
         <p:txBody>
-          <a:bodyPr anchorCtr="0" anchor="ctr" bIns="91425" lIns="91425" spcFirstLastPara="1" rIns="91425" wrap="square" tIns="91425">
+          <a:bodyPr spcFirstLastPara="1" wrap="square" lIns="91425" tIns="91425" rIns="91425" bIns="91425" anchor="ctr" anchorCtr="0">
             <a:noAutofit/>
           </a:bodyPr>
           <a:lstStyle>
-            <a:lvl1pPr indent="-342900" lvl="0" marL="457200" rtl="0">
+            <a:lvl1pPr marL="457200" lvl="0" indent="-342900" rtl="0">
               <a:spcBef>
                 <a:spcPts val="0"/>
               </a:spcBef>
@@ -5845,7 +5997,7 @@
                 </a:solidFill>
               </a:defRPr>
             </a:lvl1pPr>
-            <a:lvl2pPr indent="-317500" lvl="1" marL="914400" rtl="0">
+            <a:lvl2pPr marL="914400" lvl="1" indent="-317500" rtl="0">
               <a:spcBef>
                 <a:spcPts val="1600"/>
               </a:spcBef>
@@ -5863,7 +6015,7 @@
                 </a:solidFill>
               </a:defRPr>
             </a:lvl2pPr>
-            <a:lvl3pPr indent="-317500" lvl="2" marL="1371600" rtl="0">
+            <a:lvl3pPr marL="1371600" lvl="2" indent="-317500" rtl="0">
               <a:spcBef>
                 <a:spcPts val="1600"/>
               </a:spcBef>
@@ -5881,7 +6033,7 @@
                 </a:solidFill>
               </a:defRPr>
             </a:lvl3pPr>
-            <a:lvl4pPr indent="-317500" lvl="3" marL="1828800" rtl="0">
+            <a:lvl4pPr marL="1828800" lvl="3" indent="-317500" rtl="0">
               <a:spcBef>
                 <a:spcPts val="1600"/>
               </a:spcBef>
@@ -5899,7 +6051,7 @@
                 </a:solidFill>
               </a:defRPr>
             </a:lvl4pPr>
-            <a:lvl5pPr indent="-317500" lvl="4" marL="2286000" rtl="0">
+            <a:lvl5pPr marL="2286000" lvl="4" indent="-317500" rtl="0">
               <a:spcBef>
                 <a:spcPts val="1600"/>
               </a:spcBef>
@@ -5917,7 +6069,7 @@
                 </a:solidFill>
               </a:defRPr>
             </a:lvl5pPr>
-            <a:lvl6pPr indent="-317500" lvl="5" marL="2743200" rtl="0">
+            <a:lvl6pPr marL="2743200" lvl="5" indent="-317500" rtl="0">
               <a:spcBef>
                 <a:spcPts val="1600"/>
               </a:spcBef>
@@ -5935,7 +6087,7 @@
                 </a:solidFill>
               </a:defRPr>
             </a:lvl6pPr>
-            <a:lvl7pPr indent="-317500" lvl="6" marL="3200400" rtl="0">
+            <a:lvl7pPr marL="3200400" lvl="6" indent="-317500" rtl="0">
               <a:spcBef>
                 <a:spcPts val="1600"/>
               </a:spcBef>
@@ -5953,7 +6105,7 @@
                 </a:solidFill>
               </a:defRPr>
             </a:lvl7pPr>
-            <a:lvl8pPr indent="-317500" lvl="7" marL="3657600" rtl="0">
+            <a:lvl8pPr marL="3657600" lvl="7" indent="-317500" rtl="0">
               <a:spcBef>
                 <a:spcPts val="1600"/>
               </a:spcBef>
@@ -5971,7 +6123,7 @@
                 </a:solidFill>
               </a:defRPr>
             </a:lvl8pPr>
-            <a:lvl9pPr indent="-317500" lvl="8" marL="4114800" rtl="0">
+            <a:lvl9pPr marL="4114800" lvl="8" indent="-317500" rtl="0">
               <a:spcBef>
                 <a:spcPts val="1600"/>
               </a:spcBef>
@@ -5990,15 +6142,19 @@
               </a:defRPr>
             </a:lvl9pPr>
           </a:lstStyle>
-          <a:p/>
+          <a:p>
+            <a:endParaRPr/>
+          </a:p>
         </p:txBody>
       </p:sp>
       <p:sp>
         <p:nvSpPr>
           <p:cNvPr id="54" name="Google Shape;54;p9"/>
-          <p:cNvSpPr txBox="1"/>
+          <p:cNvSpPr txBox="1">
+            <a:spLocks noGrp="1"/>
+          </p:cNvSpPr>
           <p:nvPr>
-            <p:ph idx="12" type="sldNum"/>
+            <p:ph type="sldNum" idx="12"/>
           </p:nvPr>
         </p:nvSpPr>
         <p:spPr>
@@ -6011,7 +6167,7 @@
           </a:prstGeom>
         </p:spPr>
         <p:txBody>
-          <a:bodyPr anchorCtr="0" anchor="ctr" bIns="91425" lIns="91425" spcFirstLastPara="1" rIns="91425" wrap="square" tIns="91425">
+          <a:bodyPr spcFirstLastPara="1" wrap="square" lIns="91425" tIns="91425" rIns="91425" bIns="91425" anchor="ctr" anchorCtr="0">
             <a:noAutofit/>
           </a:bodyPr>
           <a:lstStyle>
@@ -6089,7 +6245,7 @@
             </a:lvl9pPr>
           </a:lstStyle>
           <a:p>
-            <a:pPr indent="0" lvl="0" marL="0" rtl="0" algn="r">
+            <a:pPr marL="0" lvl="0" indent="0" algn="r" rtl="0">
               <a:spcBef>
                 <a:spcPts val="0"/>
               </a:spcBef>
@@ -6115,11 +6271,11 @@
 </file>
 
 <file path=ppt/slideLayouts/slideLayout9.xml><?xml version="1.0" encoding="utf-8"?>
-<p:sldLayout xmlns:a="http://schemas.openxmlformats.org/drawingml/2006/main" xmlns:r="http://schemas.openxmlformats.org/officeDocument/2006/relationships" xmlns:mc="http://schemas.openxmlformats.org/markup-compatibility/2006" xmlns:mv="urn:schemas-microsoft-com:mac:vml" xmlns:p="http://schemas.openxmlformats.org/presentationml/2006/main" xmlns:c="http://schemas.openxmlformats.org/drawingml/2006/chart" xmlns:dgm="http://schemas.openxmlformats.org/drawingml/2006/diagram" xmlns:o="urn:schemas-microsoft-com:office:office" xmlns:v="urn:schemas-microsoft-com:vml" xmlns:pvml="urn:schemas-microsoft-com:office:powerpoint" xmlns:com="http://schemas.openxmlformats.org/drawingml/2006/compatibility" xmlns:p14="http://schemas.microsoft.com/office/powerpoint/2010/main" xmlns:p15="http://schemas.microsoft.com/office/powerpoint/2012/main" xmlns:ahyp="http://schemas.microsoft.com/office/drawing/2018/hyperlinkcolor" matchingName="Caption">
+<p:sldLayout xmlns:a="http://schemas.openxmlformats.org/drawingml/2006/main" xmlns:r="http://schemas.openxmlformats.org/officeDocument/2006/relationships" xmlns:p="http://schemas.openxmlformats.org/presentationml/2006/main" matchingName="Caption">
   <p:cSld name="CAPTION_ONLY">
     <p:spTree>
       <p:nvGrpSpPr>
-        <p:cNvPr id="55" name="Shape 55"/>
+        <p:cNvPr id="1" name="Shape 55"/>
         <p:cNvGrpSpPr/>
         <p:nvPr/>
       </p:nvGrpSpPr>
@@ -6146,14 +6302,14 @@
             <a:avLst/>
           </a:prstGeom>
           <a:noFill/>
-          <a:ln cap="flat" cmpd="sng" w="19050">
+          <a:ln w="19050" cap="flat" cmpd="sng">
             <a:solidFill>
               <a:schemeClr val="dk2"/>
             </a:solidFill>
             <a:prstDash val="solid"/>
             <a:round/>
-            <a:headEnd len="sm" w="sm" type="none"/>
-            <a:tailEnd len="sm" w="sm" type="none"/>
+            <a:headEnd type="none" w="sm" len="sm"/>
+            <a:tailEnd type="none" w="sm" len="sm"/>
           </a:ln>
         </p:spPr>
       </p:cxnSp>
@@ -6172,23 +6328,25 @@
             <a:avLst/>
           </a:prstGeom>
           <a:noFill/>
-          <a:ln cap="flat" cmpd="sng" w="19050">
+          <a:ln w="19050" cap="flat" cmpd="sng">
             <a:solidFill>
               <a:schemeClr val="dk2"/>
             </a:solidFill>
             <a:prstDash val="solid"/>
             <a:round/>
-            <a:headEnd len="sm" w="sm" type="none"/>
-            <a:tailEnd len="sm" w="sm" type="none"/>
+            <a:headEnd type="none" w="sm" len="sm"/>
+            <a:tailEnd type="none" w="sm" len="sm"/>
           </a:ln>
         </p:spPr>
       </p:cxnSp>
       <p:sp>
         <p:nvSpPr>
           <p:cNvPr id="58" name="Google Shape;58;p10"/>
-          <p:cNvSpPr txBox="1"/>
+          <p:cNvSpPr txBox="1">
+            <a:spLocks noGrp="1"/>
+          </p:cNvSpPr>
           <p:nvPr>
-            <p:ph idx="1" type="body"/>
+            <p:ph type="body" idx="1"/>
           </p:nvPr>
         </p:nvSpPr>
         <p:spPr>
@@ -6201,11 +6359,11 @@
           </a:prstGeom>
         </p:spPr>
         <p:txBody>
-          <a:bodyPr anchorCtr="0" anchor="ctr" bIns="91425" lIns="91425" spcFirstLastPara="1" rIns="91425" wrap="square" tIns="91425">
+          <a:bodyPr spcFirstLastPara="1" wrap="square" lIns="91425" tIns="91425" rIns="91425" bIns="91425" anchor="ctr" anchorCtr="0">
             <a:noAutofit/>
           </a:bodyPr>
           <a:lstStyle>
-            <a:lvl1pPr indent="-228600" lvl="0" marL="457200" rtl="0">
+            <a:lvl1pPr marL="457200" lvl="0" indent="-228600" rtl="0">
               <a:lnSpc>
                 <a:spcPct val="100000"/>
               </a:lnSpc>
@@ -6220,15 +6378,19 @@
               <a:defRPr/>
             </a:lvl1pPr>
           </a:lstStyle>
-          <a:p/>
+          <a:p>
+            <a:endParaRPr/>
+          </a:p>
         </p:txBody>
       </p:sp>
       <p:sp>
         <p:nvSpPr>
           <p:cNvPr id="59" name="Google Shape;59;p10"/>
-          <p:cNvSpPr txBox="1"/>
+          <p:cNvSpPr txBox="1">
+            <a:spLocks noGrp="1"/>
+          </p:cNvSpPr>
           <p:nvPr>
-            <p:ph idx="12" type="sldNum"/>
+            <p:ph type="sldNum" idx="12"/>
           </p:nvPr>
         </p:nvSpPr>
         <p:spPr>
@@ -6241,7 +6403,7 @@
           </a:prstGeom>
         </p:spPr>
         <p:txBody>
-          <a:bodyPr anchorCtr="0" anchor="ctr" bIns="91425" lIns="91425" spcFirstLastPara="1" rIns="91425" wrap="square" tIns="91425">
+          <a:bodyPr spcFirstLastPara="1" wrap="square" lIns="91425" tIns="91425" rIns="91425" bIns="91425" anchor="ctr" anchorCtr="0">
             <a:noAutofit/>
           </a:bodyPr>
           <a:lstStyle>
@@ -6283,7 +6445,7 @@
             </a:lvl9pPr>
           </a:lstStyle>
           <a:p>
-            <a:pPr indent="0" lvl="0" marL="0" rtl="0" algn="r">
+            <a:pPr marL="0" lvl="0" indent="0" algn="r" rtl="0">
               <a:spcBef>
                 <a:spcPts val="0"/>
               </a:spcBef>
@@ -6309,18 +6471,19 @@
 </file>
 
 <file path=ppt/slideMasters/slideMaster1.xml><?xml version="1.0" encoding="utf-8"?>
-<p:sldMaster xmlns:a="http://schemas.openxmlformats.org/drawingml/2006/main" xmlns:r="http://schemas.openxmlformats.org/officeDocument/2006/relationships" xmlns:mc="http://schemas.openxmlformats.org/markup-compatibility/2006" xmlns:mv="urn:schemas-microsoft-com:mac:vml" xmlns:p="http://schemas.openxmlformats.org/presentationml/2006/main" xmlns:c="http://schemas.openxmlformats.org/drawingml/2006/chart" xmlns:dgm="http://schemas.openxmlformats.org/drawingml/2006/diagram" xmlns:o="urn:schemas-microsoft-com:office:office" xmlns:v="urn:schemas-microsoft-com:vml" xmlns:pvml="urn:schemas-microsoft-com:office:powerpoint" xmlns:com="http://schemas.openxmlformats.org/drawingml/2006/compatibility" xmlns:p14="http://schemas.microsoft.com/office/powerpoint/2010/main" xmlns:p15="http://schemas.microsoft.com/office/powerpoint/2012/main" xmlns:ahyp="http://schemas.microsoft.com/office/drawing/2018/hyperlinkcolor">
+<p:sldMaster xmlns:a="http://schemas.openxmlformats.org/drawingml/2006/main" xmlns:r="http://schemas.openxmlformats.org/officeDocument/2006/relationships" xmlns:p="http://schemas.openxmlformats.org/presentationml/2006/main">
   <p:cSld name="swiss-2">
     <p:bg>
       <p:bgPr>
         <a:solidFill>
           <a:schemeClr val="lt1"/>
         </a:solidFill>
+        <a:effectLst/>
       </p:bgPr>
     </p:bg>
     <p:spTree>
       <p:nvGrpSpPr>
-        <p:cNvPr id="5" name="Shape 5"/>
+        <p:cNvPr id="1" name="Shape 5"/>
         <p:cNvGrpSpPr/>
         <p:nvPr/>
       </p:nvGrpSpPr>
@@ -6335,7 +6498,9 @@
       <p:sp>
         <p:nvSpPr>
           <p:cNvPr id="6" name="Google Shape;6;p1"/>
-          <p:cNvSpPr txBox="1"/>
+          <p:cNvSpPr txBox="1">
+            <a:spLocks noGrp="1"/>
+          </p:cNvSpPr>
           <p:nvPr>
             <p:ph type="title"/>
           </p:nvPr>
@@ -6354,7 +6519,7 @@
           </a:ln>
         </p:spPr>
         <p:txBody>
-          <a:bodyPr anchorCtr="0" anchor="t" bIns="91425" lIns="91425" spcFirstLastPara="1" rIns="91425" wrap="square" tIns="91425">
+          <a:bodyPr spcFirstLastPara="1" wrap="square" lIns="91425" tIns="91425" rIns="91425" bIns="91425" anchor="t" anchorCtr="0">
             <a:noAutofit/>
           </a:bodyPr>
           <a:lstStyle>
@@ -6371,7 +6536,7 @@
               <a:buSzPts val="3000"/>
               <a:buFont typeface="Raleway"/>
               <a:buNone/>
-              <a:defRPr b="1" sz="3000">
+              <a:defRPr sz="3000" b="1">
                 <a:solidFill>
                   <a:schemeClr val="dk2"/>
                 </a:solidFill>
@@ -6394,7 +6559,7 @@
               <a:buSzPts val="3000"/>
               <a:buFont typeface="Raleway"/>
               <a:buNone/>
-              <a:defRPr b="1" sz="3000">
+              <a:defRPr sz="3000" b="1">
                 <a:solidFill>
                   <a:schemeClr val="dk2"/>
                 </a:solidFill>
@@ -6417,7 +6582,7 @@
               <a:buSzPts val="3000"/>
               <a:buFont typeface="Raleway"/>
               <a:buNone/>
-              <a:defRPr b="1" sz="3000">
+              <a:defRPr sz="3000" b="1">
                 <a:solidFill>
                   <a:schemeClr val="dk2"/>
                 </a:solidFill>
@@ -6440,7 +6605,7 @@
               <a:buSzPts val="3000"/>
               <a:buFont typeface="Raleway"/>
               <a:buNone/>
-              <a:defRPr b="1" sz="3000">
+              <a:defRPr sz="3000" b="1">
                 <a:solidFill>
                   <a:schemeClr val="dk2"/>
                 </a:solidFill>
@@ -6463,7 +6628,7 @@
               <a:buSzPts val="3000"/>
               <a:buFont typeface="Raleway"/>
               <a:buNone/>
-              <a:defRPr b="1" sz="3000">
+              <a:defRPr sz="3000" b="1">
                 <a:solidFill>
                   <a:schemeClr val="dk2"/>
                 </a:solidFill>
@@ -6486,7 +6651,7 @@
               <a:buSzPts val="3000"/>
               <a:buFont typeface="Raleway"/>
               <a:buNone/>
-              <a:defRPr b="1" sz="3000">
+              <a:defRPr sz="3000" b="1">
                 <a:solidFill>
                   <a:schemeClr val="dk2"/>
                 </a:solidFill>
@@ -6509,7 +6674,7 @@
               <a:buSzPts val="3000"/>
               <a:buFont typeface="Raleway"/>
               <a:buNone/>
-              <a:defRPr b="1" sz="3000">
+              <a:defRPr sz="3000" b="1">
                 <a:solidFill>
                   <a:schemeClr val="dk2"/>
                 </a:solidFill>
@@ -6532,7 +6697,7 @@
               <a:buSzPts val="3000"/>
               <a:buFont typeface="Raleway"/>
               <a:buNone/>
-              <a:defRPr b="1" sz="3000">
+              <a:defRPr sz="3000" b="1">
                 <a:solidFill>
                   <a:schemeClr val="dk2"/>
                 </a:solidFill>
@@ -6555,7 +6720,7 @@
               <a:buSzPts val="3000"/>
               <a:buFont typeface="Raleway"/>
               <a:buNone/>
-              <a:defRPr b="1" sz="3000">
+              <a:defRPr sz="3000" b="1">
                 <a:solidFill>
                   <a:schemeClr val="dk2"/>
                 </a:solidFill>
@@ -6566,15 +6731,19 @@
               </a:defRPr>
             </a:lvl9pPr>
           </a:lstStyle>
-          <a:p/>
+          <a:p>
+            <a:endParaRPr/>
+          </a:p>
         </p:txBody>
       </p:sp>
       <p:sp>
         <p:nvSpPr>
           <p:cNvPr id="7" name="Google Shape;7;p1"/>
-          <p:cNvSpPr txBox="1"/>
+          <p:cNvSpPr txBox="1">
+            <a:spLocks noGrp="1"/>
+          </p:cNvSpPr>
           <p:nvPr>
-            <p:ph idx="1" type="body"/>
+            <p:ph type="body" idx="1"/>
           </p:nvPr>
         </p:nvSpPr>
         <p:spPr>
@@ -6591,11 +6760,11 @@
           </a:ln>
         </p:spPr>
         <p:txBody>
-          <a:bodyPr anchorCtr="0" anchor="t" bIns="91425" lIns="91425" spcFirstLastPara="1" rIns="91425" wrap="square" tIns="91425">
+          <a:bodyPr spcFirstLastPara="1" wrap="square" lIns="91425" tIns="91425" rIns="91425" bIns="91425" anchor="t" anchorCtr="0">
             <a:noAutofit/>
           </a:bodyPr>
           <a:lstStyle>
-            <a:lvl1pPr indent="-342900" lvl="0" marL="457200" rtl="0">
+            <a:lvl1pPr marL="457200" lvl="0" indent="-342900" rtl="0">
               <a:lnSpc>
                 <a:spcPct val="115000"/>
               </a:lnSpc>
@@ -6621,7 +6790,7 @@
                 <a:sym typeface="Lato"/>
               </a:defRPr>
             </a:lvl1pPr>
-            <a:lvl2pPr indent="-317500" lvl="1" marL="914400" rtl="0">
+            <a:lvl2pPr marL="914400" lvl="1" indent="-317500" rtl="0">
               <a:lnSpc>
                 <a:spcPct val="115000"/>
               </a:lnSpc>
@@ -6647,7 +6816,7 @@
                 <a:sym typeface="Lato"/>
               </a:defRPr>
             </a:lvl2pPr>
-            <a:lvl3pPr indent="-317500" lvl="2" marL="1371600" rtl="0">
+            <a:lvl3pPr marL="1371600" lvl="2" indent="-317500" rtl="0">
               <a:lnSpc>
                 <a:spcPct val="115000"/>
               </a:lnSpc>
@@ -6673,7 +6842,7 @@
                 <a:sym typeface="Lato"/>
               </a:defRPr>
             </a:lvl3pPr>
-            <a:lvl4pPr indent="-317500" lvl="3" marL="1828800" rtl="0">
+            <a:lvl4pPr marL="1828800" lvl="3" indent="-317500" rtl="0">
               <a:lnSpc>
                 <a:spcPct val="115000"/>
               </a:lnSpc>
@@ -6699,7 +6868,7 @@
                 <a:sym typeface="Lato"/>
               </a:defRPr>
             </a:lvl4pPr>
-            <a:lvl5pPr indent="-317500" lvl="4" marL="2286000" rtl="0">
+            <a:lvl5pPr marL="2286000" lvl="4" indent="-317500" rtl="0">
               <a:lnSpc>
                 <a:spcPct val="115000"/>
               </a:lnSpc>
@@ -6725,7 +6894,7 @@
                 <a:sym typeface="Lato"/>
               </a:defRPr>
             </a:lvl5pPr>
-            <a:lvl6pPr indent="-317500" lvl="5" marL="2743200" rtl="0">
+            <a:lvl6pPr marL="2743200" lvl="5" indent="-317500" rtl="0">
               <a:lnSpc>
                 <a:spcPct val="115000"/>
               </a:lnSpc>
@@ -6751,7 +6920,7 @@
                 <a:sym typeface="Lato"/>
               </a:defRPr>
             </a:lvl6pPr>
-            <a:lvl7pPr indent="-317500" lvl="6" marL="3200400" rtl="0">
+            <a:lvl7pPr marL="3200400" lvl="6" indent="-317500" rtl="0">
               <a:lnSpc>
                 <a:spcPct val="115000"/>
               </a:lnSpc>
@@ -6777,7 +6946,7 @@
                 <a:sym typeface="Lato"/>
               </a:defRPr>
             </a:lvl7pPr>
-            <a:lvl8pPr indent="-317500" lvl="7" marL="3657600" rtl="0">
+            <a:lvl8pPr marL="3657600" lvl="7" indent="-317500" rtl="0">
               <a:lnSpc>
                 <a:spcPct val="115000"/>
               </a:lnSpc>
@@ -6803,7 +6972,7 @@
                 <a:sym typeface="Lato"/>
               </a:defRPr>
             </a:lvl8pPr>
-            <a:lvl9pPr indent="-317500" lvl="8" marL="4114800" rtl="0">
+            <a:lvl9pPr marL="4114800" lvl="8" indent="-317500" rtl="0">
               <a:lnSpc>
                 <a:spcPct val="115000"/>
               </a:lnSpc>
@@ -6830,15 +6999,19 @@
               </a:defRPr>
             </a:lvl9pPr>
           </a:lstStyle>
-          <a:p/>
+          <a:p>
+            <a:endParaRPr/>
+          </a:p>
         </p:txBody>
       </p:sp>
       <p:sp>
         <p:nvSpPr>
           <p:cNvPr id="8" name="Google Shape;8;p1"/>
-          <p:cNvSpPr txBox="1"/>
+          <p:cNvSpPr txBox="1">
+            <a:spLocks noGrp="1"/>
+          </p:cNvSpPr>
           <p:nvPr>
-            <p:ph idx="12" type="sldNum"/>
+            <p:ph type="sldNum" idx="12"/>
           </p:nvPr>
         </p:nvSpPr>
         <p:spPr>
@@ -6855,11 +7028,11 @@
           </a:ln>
         </p:spPr>
         <p:txBody>
-          <a:bodyPr anchorCtr="0" anchor="ctr" bIns="91425" lIns="91425" spcFirstLastPara="1" rIns="91425" wrap="square" tIns="91425">
+          <a:bodyPr spcFirstLastPara="1" wrap="square" lIns="91425" tIns="91425" rIns="91425" bIns="91425" anchor="ctr" anchorCtr="0">
             <a:noAutofit/>
           </a:bodyPr>
           <a:lstStyle>
-            <a:lvl1pPr lvl="0" rtl="0" algn="r">
+            <a:lvl1pPr lvl="0" algn="r" rtl="0">
               <a:buNone/>
               <a:defRPr sz="1000">
                 <a:solidFill>
@@ -6871,7 +7044,7 @@
                 <a:sym typeface="Lato"/>
               </a:defRPr>
             </a:lvl1pPr>
-            <a:lvl2pPr lvl="1" rtl="0" algn="r">
+            <a:lvl2pPr lvl="1" algn="r" rtl="0">
               <a:buNone/>
               <a:defRPr sz="1000">
                 <a:solidFill>
@@ -6883,7 +7056,7 @@
                 <a:sym typeface="Lato"/>
               </a:defRPr>
             </a:lvl2pPr>
-            <a:lvl3pPr lvl="2" rtl="0" algn="r">
+            <a:lvl3pPr lvl="2" algn="r" rtl="0">
               <a:buNone/>
               <a:defRPr sz="1000">
                 <a:solidFill>
@@ -6895,7 +7068,7 @@
                 <a:sym typeface="Lato"/>
               </a:defRPr>
             </a:lvl3pPr>
-            <a:lvl4pPr lvl="3" rtl="0" algn="r">
+            <a:lvl4pPr lvl="3" algn="r" rtl="0">
               <a:buNone/>
               <a:defRPr sz="1000">
                 <a:solidFill>
@@ -6907,7 +7080,7 @@
                 <a:sym typeface="Lato"/>
               </a:defRPr>
             </a:lvl4pPr>
-            <a:lvl5pPr lvl="4" rtl="0" algn="r">
+            <a:lvl5pPr lvl="4" algn="r" rtl="0">
               <a:buNone/>
               <a:defRPr sz="1000">
                 <a:solidFill>
@@ -6919,7 +7092,7 @@
                 <a:sym typeface="Lato"/>
               </a:defRPr>
             </a:lvl5pPr>
-            <a:lvl6pPr lvl="5" rtl="0" algn="r">
+            <a:lvl6pPr lvl="5" algn="r" rtl="0">
               <a:buNone/>
               <a:defRPr sz="1000">
                 <a:solidFill>
@@ -6931,7 +7104,7 @@
                 <a:sym typeface="Lato"/>
               </a:defRPr>
             </a:lvl6pPr>
-            <a:lvl7pPr lvl="6" rtl="0" algn="r">
+            <a:lvl7pPr lvl="6" algn="r" rtl="0">
               <a:buNone/>
               <a:defRPr sz="1000">
                 <a:solidFill>
@@ -6943,7 +7116,7 @@
                 <a:sym typeface="Lato"/>
               </a:defRPr>
             </a:lvl7pPr>
-            <a:lvl8pPr lvl="7" rtl="0" algn="r">
+            <a:lvl8pPr lvl="7" algn="r" rtl="0">
               <a:buNone/>
               <a:defRPr sz="1000">
                 <a:solidFill>
@@ -6955,7 +7128,7 @@
                 <a:sym typeface="Lato"/>
               </a:defRPr>
             </a:lvl8pPr>
-            <a:lvl9pPr lvl="8" rtl="0" algn="r">
+            <a:lvl9pPr lvl="8" algn="r" rtl="0">
               <a:buNone/>
               <a:defRPr sz="1000">
                 <a:solidFill>
@@ -6969,7 +7142,7 @@
             </a:lvl9pPr>
           </a:lstStyle>
           <a:p>
-            <a:pPr indent="0" lvl="0" marL="0" rtl="0" algn="r">
+            <a:pPr marL="0" lvl="0" indent="0" algn="r" rtl="0">
               <a:spcBef>
                 <a:spcPts val="0"/>
               </a:spcBef>
@@ -6988,7 +7161,7 @@
       </p:sp>
     </p:spTree>
   </p:cSld>
-  <p:clrMap accent1="accent1" accent2="accent2" accent3="accent3" accent4="accent4" accent5="accent5" accent6="accent6" bg1="lt1" bg2="dk2" tx1="dk1" tx2="lt2" folHlink="folHlink" hlink="hlink"/>
+  <p:clrMap bg1="lt1" tx1="dk1" bg2="dk2" tx2="lt2" accent1="accent1" accent2="accent2" accent3="accent3" accent4="accent4" accent5="accent5" accent6="accent6" hlink="hlink" folHlink="folHlink"/>
   <p:sldLayoutIdLst>
     <p:sldLayoutId id="2147483648" r:id="rId1"/>
     <p:sldLayoutId id="2147483649" r:id="rId2"/>
@@ -7002,10 +7175,10 @@
     <p:sldLayoutId id="2147483657" r:id="rId10"/>
     <p:sldLayoutId id="2147483658" r:id="rId11"/>
   </p:sldLayoutIdLst>
-  <p:hf dt="0" ftr="0" hdr="0" sldNum="0"/>
+  <p:hf sldNum="0" hdr="0" ftr="0" dt="0"/>
   <p:txStyles>
     <p:titleStyle>
-      <a:defPPr lvl="0" marR="0" rtl="0" algn="l">
+      <a:defPPr marR="0" lvl="0" algn="l" rtl="0">
         <a:lnSpc>
           <a:spcPct val="100000"/>
         </a:lnSpc>
@@ -7016,7 +7189,7 @@
           <a:spcPts val="0"/>
         </a:spcAft>
       </a:defPPr>
-      <a:lvl1pPr lvl="0" marR="0" rtl="0" algn="l">
+      <a:lvl1pPr marR="0" lvl="0" algn="l" rtl="0">
         <a:lnSpc>
           <a:spcPct val="100000"/>
         </a:lnSpc>
@@ -7030,7 +7203,7 @@
           <a:srgbClr val="000000"/>
         </a:buClr>
         <a:buFont typeface="Arial"/>
-        <a:defRPr b="0" i="0" sz="1400" u="none" cap="none" strike="noStrike">
+        <a:defRPr sz="1400" b="0" i="0" u="none" strike="noStrike" cap="none">
           <a:solidFill>
             <a:srgbClr val="000000"/>
           </a:solidFill>
@@ -7040,7 +7213,7 @@
           <a:sym typeface="Arial"/>
         </a:defRPr>
       </a:lvl1pPr>
-      <a:lvl2pPr lvl="1" marR="0" rtl="0" algn="l">
+      <a:lvl2pPr marR="0" lvl="1" algn="l" rtl="0">
         <a:lnSpc>
           <a:spcPct val="100000"/>
         </a:lnSpc>
@@ -7054,7 +7227,7 @@
           <a:srgbClr val="000000"/>
         </a:buClr>
         <a:buFont typeface="Arial"/>
-        <a:defRPr b="0" i="0" sz="1400" u="none" cap="none" strike="noStrike">
+        <a:defRPr sz="1400" b="0" i="0" u="none" strike="noStrike" cap="none">
           <a:solidFill>
             <a:srgbClr val="000000"/>
           </a:solidFill>
@@ -7064,7 +7237,7 @@
           <a:sym typeface="Arial"/>
         </a:defRPr>
       </a:lvl2pPr>
-      <a:lvl3pPr lvl="2" marR="0" rtl="0" algn="l">
+      <a:lvl3pPr marR="0" lvl="2" algn="l" rtl="0">
         <a:lnSpc>
           <a:spcPct val="100000"/>
         </a:lnSpc>
@@ -7078,7 +7251,7 @@
           <a:srgbClr val="000000"/>
         </a:buClr>
         <a:buFont typeface="Arial"/>
-        <a:defRPr b="0" i="0" sz="1400" u="none" cap="none" strike="noStrike">
+        <a:defRPr sz="1400" b="0" i="0" u="none" strike="noStrike" cap="none">
           <a:solidFill>
             <a:srgbClr val="000000"/>
           </a:solidFill>
@@ -7088,7 +7261,7 @@
           <a:sym typeface="Arial"/>
         </a:defRPr>
       </a:lvl3pPr>
-      <a:lvl4pPr lvl="3" marR="0" rtl="0" algn="l">
+      <a:lvl4pPr marR="0" lvl="3" algn="l" rtl="0">
         <a:lnSpc>
           <a:spcPct val="100000"/>
         </a:lnSpc>
@@ -7102,7 +7275,7 @@
           <a:srgbClr val="000000"/>
         </a:buClr>
         <a:buFont typeface="Arial"/>
-        <a:defRPr b="0" i="0" sz="1400" u="none" cap="none" strike="noStrike">
+        <a:defRPr sz="1400" b="0" i="0" u="none" strike="noStrike" cap="none">
           <a:solidFill>
             <a:srgbClr val="000000"/>
           </a:solidFill>
@@ -7112,7 +7285,7 @@
           <a:sym typeface="Arial"/>
         </a:defRPr>
       </a:lvl4pPr>
-      <a:lvl5pPr lvl="4" marR="0" rtl="0" algn="l">
+      <a:lvl5pPr marR="0" lvl="4" algn="l" rtl="0">
         <a:lnSpc>
           <a:spcPct val="100000"/>
         </a:lnSpc>
@@ -7126,7 +7299,7 @@
           <a:srgbClr val="000000"/>
         </a:buClr>
         <a:buFont typeface="Arial"/>
-        <a:defRPr b="0" i="0" sz="1400" u="none" cap="none" strike="noStrike">
+        <a:defRPr sz="1400" b="0" i="0" u="none" strike="noStrike" cap="none">
           <a:solidFill>
             <a:srgbClr val="000000"/>
           </a:solidFill>
@@ -7136,7 +7309,7 @@
           <a:sym typeface="Arial"/>
         </a:defRPr>
       </a:lvl5pPr>
-      <a:lvl6pPr lvl="5" marR="0" rtl="0" algn="l">
+      <a:lvl6pPr marR="0" lvl="5" algn="l" rtl="0">
         <a:lnSpc>
           <a:spcPct val="100000"/>
         </a:lnSpc>
@@ -7150,7 +7323,7 @@
           <a:srgbClr val="000000"/>
         </a:buClr>
         <a:buFont typeface="Arial"/>
-        <a:defRPr b="0" i="0" sz="1400" u="none" cap="none" strike="noStrike">
+        <a:defRPr sz="1400" b="0" i="0" u="none" strike="noStrike" cap="none">
           <a:solidFill>
             <a:srgbClr val="000000"/>
           </a:solidFill>
@@ -7160,7 +7333,7 @@
           <a:sym typeface="Arial"/>
         </a:defRPr>
       </a:lvl6pPr>
-      <a:lvl7pPr lvl="6" marR="0" rtl="0" algn="l">
+      <a:lvl7pPr marR="0" lvl="6" algn="l" rtl="0">
         <a:lnSpc>
           <a:spcPct val="100000"/>
         </a:lnSpc>
@@ -7174,7 +7347,7 @@
           <a:srgbClr val="000000"/>
         </a:buClr>
         <a:buFont typeface="Arial"/>
-        <a:defRPr b="0" i="0" sz="1400" u="none" cap="none" strike="noStrike">
+        <a:defRPr sz="1400" b="0" i="0" u="none" strike="noStrike" cap="none">
           <a:solidFill>
             <a:srgbClr val="000000"/>
           </a:solidFill>
@@ -7184,7 +7357,7 @@
           <a:sym typeface="Arial"/>
         </a:defRPr>
       </a:lvl7pPr>
-      <a:lvl8pPr lvl="7" marR="0" rtl="0" algn="l">
+      <a:lvl8pPr marR="0" lvl="7" algn="l" rtl="0">
         <a:lnSpc>
           <a:spcPct val="100000"/>
         </a:lnSpc>
@@ -7198,7 +7371,7 @@
           <a:srgbClr val="000000"/>
         </a:buClr>
         <a:buFont typeface="Arial"/>
-        <a:defRPr b="0" i="0" sz="1400" u="none" cap="none" strike="noStrike">
+        <a:defRPr sz="1400" b="0" i="0" u="none" strike="noStrike" cap="none">
           <a:solidFill>
             <a:srgbClr val="000000"/>
           </a:solidFill>
@@ -7208,7 +7381,7 @@
           <a:sym typeface="Arial"/>
         </a:defRPr>
       </a:lvl8pPr>
-      <a:lvl9pPr lvl="8" marR="0" rtl="0" algn="l">
+      <a:lvl9pPr marR="0" lvl="8" algn="l" rtl="0">
         <a:lnSpc>
           <a:spcPct val="100000"/>
         </a:lnSpc>
@@ -7222,7 +7395,7 @@
           <a:srgbClr val="000000"/>
         </a:buClr>
         <a:buFont typeface="Arial"/>
-        <a:defRPr b="0" i="0" sz="1400" u="none" cap="none" strike="noStrike">
+        <a:defRPr sz="1400" b="0" i="0" u="none" strike="noStrike" cap="none">
           <a:solidFill>
             <a:srgbClr val="000000"/>
           </a:solidFill>
@@ -7234,7 +7407,7 @@
       </a:lvl9pPr>
     </p:titleStyle>
     <p:bodyStyle>
-      <a:defPPr lvl="0" marR="0" rtl="0" algn="l">
+      <a:defPPr marR="0" lvl="0" algn="l" rtl="0">
         <a:lnSpc>
           <a:spcPct val="100000"/>
         </a:lnSpc>
@@ -7245,7 +7418,7 @@
           <a:spcPts val="0"/>
         </a:spcAft>
       </a:defPPr>
-      <a:lvl1pPr lvl="0" marR="0" rtl="0" algn="l">
+      <a:lvl1pPr marR="0" lvl="0" algn="l" rtl="0">
         <a:lnSpc>
           <a:spcPct val="100000"/>
         </a:lnSpc>
@@ -7259,7 +7432,7 @@
           <a:srgbClr val="000000"/>
         </a:buClr>
         <a:buFont typeface="Arial"/>
-        <a:defRPr b="0" i="0" sz="1400" u="none" cap="none" strike="noStrike">
+        <a:defRPr sz="1400" b="0" i="0" u="none" strike="noStrike" cap="none">
           <a:solidFill>
             <a:srgbClr val="000000"/>
           </a:solidFill>
@@ -7269,7 +7442,7 @@
           <a:sym typeface="Arial"/>
         </a:defRPr>
       </a:lvl1pPr>
-      <a:lvl2pPr lvl="1" marR="0" rtl="0" algn="l">
+      <a:lvl2pPr marR="0" lvl="1" algn="l" rtl="0">
         <a:lnSpc>
           <a:spcPct val="100000"/>
         </a:lnSpc>
@@ -7283,7 +7456,7 @@
           <a:srgbClr val="000000"/>
         </a:buClr>
         <a:buFont typeface="Arial"/>
-        <a:defRPr b="0" i="0" sz="1400" u="none" cap="none" strike="noStrike">
+        <a:defRPr sz="1400" b="0" i="0" u="none" strike="noStrike" cap="none">
           <a:solidFill>
             <a:srgbClr val="000000"/>
           </a:solidFill>
@@ -7293,7 +7466,7 @@
           <a:sym typeface="Arial"/>
         </a:defRPr>
       </a:lvl2pPr>
-      <a:lvl3pPr lvl="2" marR="0" rtl="0" algn="l">
+      <a:lvl3pPr marR="0" lvl="2" algn="l" rtl="0">
         <a:lnSpc>
           <a:spcPct val="100000"/>
         </a:lnSpc>
@@ -7307,7 +7480,7 @@
           <a:srgbClr val="000000"/>
         </a:buClr>
         <a:buFont typeface="Arial"/>
-        <a:defRPr b="0" i="0" sz="1400" u="none" cap="none" strike="noStrike">
+        <a:defRPr sz="1400" b="0" i="0" u="none" strike="noStrike" cap="none">
           <a:solidFill>
             <a:srgbClr val="000000"/>
           </a:solidFill>
@@ -7317,7 +7490,7 @@
           <a:sym typeface="Arial"/>
         </a:defRPr>
       </a:lvl3pPr>
-      <a:lvl4pPr lvl="3" marR="0" rtl="0" algn="l">
+      <a:lvl4pPr marR="0" lvl="3" algn="l" rtl="0">
         <a:lnSpc>
           <a:spcPct val="100000"/>
         </a:lnSpc>
@@ -7331,7 +7504,7 @@
           <a:srgbClr val="000000"/>
         </a:buClr>
         <a:buFont typeface="Arial"/>
-        <a:defRPr b="0" i="0" sz="1400" u="none" cap="none" strike="noStrike">
+        <a:defRPr sz="1400" b="0" i="0" u="none" strike="noStrike" cap="none">
           <a:solidFill>
             <a:srgbClr val="000000"/>
           </a:solidFill>
@@ -7341,7 +7514,7 @@
           <a:sym typeface="Arial"/>
         </a:defRPr>
       </a:lvl4pPr>
-      <a:lvl5pPr lvl="4" marR="0" rtl="0" algn="l">
+      <a:lvl5pPr marR="0" lvl="4" algn="l" rtl="0">
         <a:lnSpc>
           <a:spcPct val="100000"/>
         </a:lnSpc>
@@ -7355,7 +7528,7 @@
           <a:srgbClr val="000000"/>
         </a:buClr>
         <a:buFont typeface="Arial"/>
-        <a:defRPr b="0" i="0" sz="1400" u="none" cap="none" strike="noStrike">
+        <a:defRPr sz="1400" b="0" i="0" u="none" strike="noStrike" cap="none">
           <a:solidFill>
             <a:srgbClr val="000000"/>
           </a:solidFill>
@@ -7365,7 +7538,7 @@
           <a:sym typeface="Arial"/>
         </a:defRPr>
       </a:lvl5pPr>
-      <a:lvl6pPr lvl="5" marR="0" rtl="0" algn="l">
+      <a:lvl6pPr marR="0" lvl="5" algn="l" rtl="0">
         <a:lnSpc>
           <a:spcPct val="100000"/>
         </a:lnSpc>
@@ -7379,7 +7552,7 @@
           <a:srgbClr val="000000"/>
         </a:buClr>
         <a:buFont typeface="Arial"/>
-        <a:defRPr b="0" i="0" sz="1400" u="none" cap="none" strike="noStrike">
+        <a:defRPr sz="1400" b="0" i="0" u="none" strike="noStrike" cap="none">
           <a:solidFill>
             <a:srgbClr val="000000"/>
           </a:solidFill>
@@ -7389,7 +7562,7 @@
           <a:sym typeface="Arial"/>
         </a:defRPr>
       </a:lvl6pPr>
-      <a:lvl7pPr lvl="6" marR="0" rtl="0" algn="l">
+      <a:lvl7pPr marR="0" lvl="6" algn="l" rtl="0">
         <a:lnSpc>
           <a:spcPct val="100000"/>
         </a:lnSpc>
@@ -7403,7 +7576,7 @@
           <a:srgbClr val="000000"/>
         </a:buClr>
         <a:buFont typeface="Arial"/>
-        <a:defRPr b="0" i="0" sz="1400" u="none" cap="none" strike="noStrike">
+        <a:defRPr sz="1400" b="0" i="0" u="none" strike="noStrike" cap="none">
           <a:solidFill>
             <a:srgbClr val="000000"/>
           </a:solidFill>
@@ -7413,7 +7586,7 @@
           <a:sym typeface="Arial"/>
         </a:defRPr>
       </a:lvl7pPr>
-      <a:lvl8pPr lvl="7" marR="0" rtl="0" algn="l">
+      <a:lvl8pPr marR="0" lvl="7" algn="l" rtl="0">
         <a:lnSpc>
           <a:spcPct val="100000"/>
         </a:lnSpc>
@@ -7427,7 +7600,7 @@
           <a:srgbClr val="000000"/>
         </a:buClr>
         <a:buFont typeface="Arial"/>
-        <a:defRPr b="0" i="0" sz="1400" u="none" cap="none" strike="noStrike">
+        <a:defRPr sz="1400" b="0" i="0" u="none" strike="noStrike" cap="none">
           <a:solidFill>
             <a:srgbClr val="000000"/>
           </a:solidFill>
@@ -7437,7 +7610,7 @@
           <a:sym typeface="Arial"/>
         </a:defRPr>
       </a:lvl8pPr>
-      <a:lvl9pPr lvl="8" marR="0" rtl="0" algn="l">
+      <a:lvl9pPr marR="0" lvl="8" algn="l" rtl="0">
         <a:lnSpc>
           <a:spcPct val="100000"/>
         </a:lnSpc>
@@ -7451,7 +7624,7 @@
           <a:srgbClr val="000000"/>
         </a:buClr>
         <a:buFont typeface="Arial"/>
-        <a:defRPr b="0" i="0" sz="1400" u="none" cap="none" strike="noStrike">
+        <a:defRPr sz="1400" b="0" i="0" u="none" strike="noStrike" cap="none">
           <a:solidFill>
             <a:srgbClr val="000000"/>
           </a:solidFill>
@@ -7463,7 +7636,7 @@
       </a:lvl9pPr>
     </p:bodyStyle>
     <p:otherStyle>
-      <a:defPPr lvl="0" marR="0" rtl="0" algn="l">
+      <a:defPPr marR="0" lvl="0" algn="l" rtl="0">
         <a:lnSpc>
           <a:spcPct val="100000"/>
         </a:lnSpc>
@@ -7474,7 +7647,7 @@
           <a:spcPts val="0"/>
         </a:spcAft>
       </a:defPPr>
-      <a:lvl1pPr lvl="0" marR="0" rtl="0" algn="l">
+      <a:lvl1pPr marR="0" lvl="0" algn="l" rtl="0">
         <a:lnSpc>
           <a:spcPct val="100000"/>
         </a:lnSpc>
@@ -7488,7 +7661,7 @@
           <a:srgbClr val="000000"/>
         </a:buClr>
         <a:buFont typeface="Arial"/>
-        <a:defRPr b="0" i="0" sz="1400" u="none" cap="none" strike="noStrike">
+        <a:defRPr sz="1400" b="0" i="0" u="none" strike="noStrike" cap="none">
           <a:solidFill>
             <a:srgbClr val="000000"/>
           </a:solidFill>
@@ -7498,7 +7671,7 @@
           <a:sym typeface="Arial"/>
         </a:defRPr>
       </a:lvl1pPr>
-      <a:lvl2pPr lvl="1" marR="0" rtl="0" algn="l">
+      <a:lvl2pPr marR="0" lvl="1" algn="l" rtl="0">
         <a:lnSpc>
           <a:spcPct val="100000"/>
         </a:lnSpc>
@@ -7512,7 +7685,7 @@
           <a:srgbClr val="000000"/>
         </a:buClr>
         <a:buFont typeface="Arial"/>
-        <a:defRPr b="0" i="0" sz="1400" u="none" cap="none" strike="noStrike">
+        <a:defRPr sz="1400" b="0" i="0" u="none" strike="noStrike" cap="none">
           <a:solidFill>
             <a:srgbClr val="000000"/>
           </a:solidFill>
@@ -7522,7 +7695,7 @@
           <a:sym typeface="Arial"/>
         </a:defRPr>
       </a:lvl2pPr>
-      <a:lvl3pPr lvl="2" marR="0" rtl="0" algn="l">
+      <a:lvl3pPr marR="0" lvl="2" algn="l" rtl="0">
         <a:lnSpc>
           <a:spcPct val="100000"/>
         </a:lnSpc>
@@ -7536,7 +7709,7 @@
           <a:srgbClr val="000000"/>
         </a:buClr>
         <a:buFont typeface="Arial"/>
-        <a:defRPr b="0" i="0" sz="1400" u="none" cap="none" strike="noStrike">
+        <a:defRPr sz="1400" b="0" i="0" u="none" strike="noStrike" cap="none">
           <a:solidFill>
             <a:srgbClr val="000000"/>
           </a:solidFill>
@@ -7546,7 +7719,7 @@
           <a:sym typeface="Arial"/>
         </a:defRPr>
       </a:lvl3pPr>
-      <a:lvl4pPr lvl="3" marR="0" rtl="0" algn="l">
+      <a:lvl4pPr marR="0" lvl="3" algn="l" rtl="0">
         <a:lnSpc>
           <a:spcPct val="100000"/>
         </a:lnSpc>
@@ -7560,7 +7733,7 @@
           <a:srgbClr val="000000"/>
         </a:buClr>
         <a:buFont typeface="Arial"/>
-        <a:defRPr b="0" i="0" sz="1400" u="none" cap="none" strike="noStrike">
+        <a:defRPr sz="1400" b="0" i="0" u="none" strike="noStrike" cap="none">
           <a:solidFill>
             <a:srgbClr val="000000"/>
           </a:solidFill>
@@ -7570,7 +7743,7 @@
           <a:sym typeface="Arial"/>
         </a:defRPr>
       </a:lvl4pPr>
-      <a:lvl5pPr lvl="4" marR="0" rtl="0" algn="l">
+      <a:lvl5pPr marR="0" lvl="4" algn="l" rtl="0">
         <a:lnSpc>
           <a:spcPct val="100000"/>
         </a:lnSpc>
@@ -7584,7 +7757,7 @@
           <a:srgbClr val="000000"/>
         </a:buClr>
         <a:buFont typeface="Arial"/>
-        <a:defRPr b="0" i="0" sz="1400" u="none" cap="none" strike="noStrike">
+        <a:defRPr sz="1400" b="0" i="0" u="none" strike="noStrike" cap="none">
           <a:solidFill>
             <a:srgbClr val="000000"/>
           </a:solidFill>
@@ -7594,7 +7767,7 @@
           <a:sym typeface="Arial"/>
         </a:defRPr>
       </a:lvl5pPr>
-      <a:lvl6pPr lvl="5" marR="0" rtl="0" algn="l">
+      <a:lvl6pPr marR="0" lvl="5" algn="l" rtl="0">
         <a:lnSpc>
           <a:spcPct val="100000"/>
         </a:lnSpc>
@@ -7608,7 +7781,7 @@
           <a:srgbClr val="000000"/>
         </a:buClr>
         <a:buFont typeface="Arial"/>
-        <a:defRPr b="0" i="0" sz="1400" u="none" cap="none" strike="noStrike">
+        <a:defRPr sz="1400" b="0" i="0" u="none" strike="noStrike" cap="none">
           <a:solidFill>
             <a:srgbClr val="000000"/>
           </a:solidFill>
@@ -7618,7 +7791,7 @@
           <a:sym typeface="Arial"/>
         </a:defRPr>
       </a:lvl6pPr>
-      <a:lvl7pPr lvl="6" marR="0" rtl="0" algn="l">
+      <a:lvl7pPr marR="0" lvl="6" algn="l" rtl="0">
         <a:lnSpc>
           <a:spcPct val="100000"/>
         </a:lnSpc>
@@ -7632,7 +7805,7 @@
           <a:srgbClr val="000000"/>
         </a:buClr>
         <a:buFont typeface="Arial"/>
-        <a:defRPr b="0" i="0" sz="1400" u="none" cap="none" strike="noStrike">
+        <a:defRPr sz="1400" b="0" i="0" u="none" strike="noStrike" cap="none">
           <a:solidFill>
             <a:srgbClr val="000000"/>
           </a:solidFill>
@@ -7642,7 +7815,7 @@
           <a:sym typeface="Arial"/>
         </a:defRPr>
       </a:lvl7pPr>
-      <a:lvl8pPr lvl="7" marR="0" rtl="0" algn="l">
+      <a:lvl8pPr marR="0" lvl="7" algn="l" rtl="0">
         <a:lnSpc>
           <a:spcPct val="100000"/>
         </a:lnSpc>
@@ -7656,7 +7829,7 @@
           <a:srgbClr val="000000"/>
         </a:buClr>
         <a:buFont typeface="Arial"/>
-        <a:defRPr b="0" i="0" sz="1400" u="none" cap="none" strike="noStrike">
+        <a:defRPr sz="1400" b="0" i="0" u="none" strike="noStrike" cap="none">
           <a:solidFill>
             <a:srgbClr val="000000"/>
           </a:solidFill>
@@ -7666,7 +7839,7 @@
           <a:sym typeface="Arial"/>
         </a:defRPr>
       </a:lvl8pPr>
-      <a:lvl9pPr lvl="8" marR="0" rtl="0" algn="l">
+      <a:lvl9pPr marR="0" lvl="8" algn="l" rtl="0">
         <a:lnSpc>
           <a:spcPct val="100000"/>
         </a:lnSpc>
@@ -7680,7 +7853,7 @@
           <a:srgbClr val="000000"/>
         </a:buClr>
         <a:buFont typeface="Arial"/>
-        <a:defRPr b="0" i="0" sz="1400" u="none" cap="none" strike="noStrike">
+        <a:defRPr sz="1400" b="0" i="0" u="none" strike="noStrike" cap="none">
           <a:solidFill>
             <a:srgbClr val="000000"/>
           </a:solidFill>
@@ -7696,11 +7869,11 @@
 </file>
 
 <file path=ppt/slides/slide1.xml><?xml version="1.0" encoding="utf-8"?>
-<p:sld xmlns:a="http://schemas.openxmlformats.org/drawingml/2006/main" xmlns:r="http://schemas.openxmlformats.org/officeDocument/2006/relationships" xmlns:mc="http://schemas.openxmlformats.org/markup-compatibility/2006" xmlns:mv="urn:schemas-microsoft-com:mac:vml" xmlns:p="http://schemas.openxmlformats.org/presentationml/2006/main" xmlns:c="http://schemas.openxmlformats.org/drawingml/2006/chart" xmlns:dgm="http://schemas.openxmlformats.org/drawingml/2006/diagram" xmlns:o="urn:schemas-microsoft-com:office:office" xmlns:v="urn:schemas-microsoft-com:vml" xmlns:pvml="urn:schemas-microsoft-com:office:powerpoint" xmlns:com="http://schemas.openxmlformats.org/drawingml/2006/compatibility" xmlns:p14="http://schemas.microsoft.com/office/powerpoint/2010/main" xmlns:p15="http://schemas.microsoft.com/office/powerpoint/2012/main" xmlns:ahyp="http://schemas.microsoft.com/office/drawing/2018/hyperlinkcolor">
+<p:sld xmlns:a="http://schemas.openxmlformats.org/drawingml/2006/main" xmlns:r="http://schemas.openxmlformats.org/officeDocument/2006/relationships" xmlns:p="http://schemas.openxmlformats.org/presentationml/2006/main">
   <p:cSld>
     <p:spTree>
       <p:nvGrpSpPr>
-        <p:cNvPr id="71" name="Shape 71"/>
+        <p:cNvPr id="1" name="Shape 71"/>
         <p:cNvGrpSpPr/>
         <p:nvPr/>
       </p:nvGrpSpPr>
@@ -7715,7 +7888,9 @@
       <p:sp>
         <p:nvSpPr>
           <p:cNvPr id="72" name="Google Shape;72;p13"/>
-          <p:cNvSpPr txBox="1"/>
+          <p:cNvSpPr txBox="1">
+            <a:spLocks noGrp="1"/>
+          </p:cNvSpPr>
           <p:nvPr>
             <p:ph type="ctrTitle"/>
           </p:nvPr>
@@ -7730,12 +7905,12 @@
           </a:prstGeom>
         </p:spPr>
         <p:txBody>
-          <a:bodyPr anchorCtr="0" anchor="t" bIns="91425" lIns="91425" spcFirstLastPara="1" rIns="91425" wrap="square" tIns="91425">
+          <a:bodyPr spcFirstLastPara="1" wrap="square" lIns="91425" tIns="91425" rIns="91425" bIns="91425" anchor="t" anchorCtr="0">
             <a:noAutofit/>
           </a:bodyPr>
           <a:lstStyle/>
           <a:p>
-            <a:pPr indent="0" lvl="0" marL="0" rtl="0" algn="l">
+            <a:pPr marL="0" lvl="0" indent="0" algn="l" rtl="0">
               <a:spcBef>
                 <a:spcPts val="0"/>
               </a:spcBef>
@@ -7755,9 +7930,11 @@
       <p:sp>
         <p:nvSpPr>
           <p:cNvPr id="73" name="Google Shape;73;p13"/>
-          <p:cNvSpPr txBox="1"/>
+          <p:cNvSpPr txBox="1">
+            <a:spLocks noGrp="1"/>
+          </p:cNvSpPr>
           <p:nvPr>
-            <p:ph idx="1" type="subTitle"/>
+            <p:ph type="subTitle" idx="1"/>
           </p:nvPr>
         </p:nvSpPr>
         <p:spPr>
@@ -7770,12 +7947,12 @@
           </a:prstGeom>
         </p:spPr>
         <p:txBody>
-          <a:bodyPr anchorCtr="0" anchor="b" bIns="91425" lIns="91425" spcFirstLastPara="1" rIns="91425" wrap="square" tIns="91425">
+          <a:bodyPr spcFirstLastPara="1" wrap="square" lIns="91425" tIns="91425" rIns="91425" bIns="91425" anchor="b" anchorCtr="0">
             <a:noAutofit/>
           </a:bodyPr>
           <a:lstStyle/>
           <a:p>
-            <a:pPr indent="0" lvl="0" marL="0" rtl="0" algn="l">
+            <a:pPr marL="0" lvl="0" indent="0" algn="l" rtl="0">
               <a:spcBef>
                 <a:spcPts val="0"/>
               </a:spcBef>
@@ -7785,10 +7962,10 @@
               <a:buNone/>
             </a:pPr>
             <a:r>
-              <a:rPr b="1" lang="en" sz="2400"/>
+              <a:rPr lang="en" sz="2400" b="1"/>
               <a:t>D. Doljanin, J. Grgić, R. Kustura, F. Pavičić</a:t>
             </a:r>
-            <a:endParaRPr b="1" sz="2400"/>
+            <a:endParaRPr sz="2400" b="1"/>
           </a:p>
         </p:txBody>
       </p:sp>
@@ -7829,11 +8006,11 @@
 </file>
 
 <file path=ppt/slides/slide10.xml><?xml version="1.0" encoding="utf-8"?>
-<p:sld xmlns:a="http://schemas.openxmlformats.org/drawingml/2006/main" xmlns:r="http://schemas.openxmlformats.org/officeDocument/2006/relationships" xmlns:mc="http://schemas.openxmlformats.org/markup-compatibility/2006" xmlns:mv="urn:schemas-microsoft-com:mac:vml" xmlns:p="http://schemas.openxmlformats.org/presentationml/2006/main" xmlns:c="http://schemas.openxmlformats.org/drawingml/2006/chart" xmlns:dgm="http://schemas.openxmlformats.org/drawingml/2006/diagram" xmlns:o="urn:schemas-microsoft-com:office:office" xmlns:v="urn:schemas-microsoft-com:vml" xmlns:pvml="urn:schemas-microsoft-com:office:powerpoint" xmlns:com="http://schemas.openxmlformats.org/drawingml/2006/compatibility" xmlns:p14="http://schemas.microsoft.com/office/powerpoint/2010/main" xmlns:p15="http://schemas.microsoft.com/office/powerpoint/2012/main" xmlns:ahyp="http://schemas.microsoft.com/office/drawing/2018/hyperlinkcolor">
+<p:sld xmlns:a="http://schemas.openxmlformats.org/drawingml/2006/main" xmlns:r="http://schemas.openxmlformats.org/officeDocument/2006/relationships" xmlns:p="http://schemas.openxmlformats.org/presentationml/2006/main">
   <p:cSld>
     <p:spTree>
       <p:nvGrpSpPr>
-        <p:cNvPr id="144" name="Shape 144"/>
+        <p:cNvPr id="1" name="Shape 144"/>
         <p:cNvGrpSpPr/>
         <p:nvPr/>
       </p:nvGrpSpPr>
@@ -7855,7 +8032,7 @@
           <a:blip r:embed="rId3">
             <a:alphaModFix/>
           </a:blip>
-          <a:srcRect b="5329" l="0" r="11111" t="0"/>
+          <a:srcRect r="11111" b="5329"/>
           <a:stretch/>
         </p:blipFill>
         <p:spPr>
@@ -7875,7 +8052,9 @@
       <p:sp>
         <p:nvSpPr>
           <p:cNvPr id="146" name="Google Shape;146;p22"/>
-          <p:cNvSpPr txBox="1"/>
+          <p:cNvSpPr txBox="1">
+            <a:spLocks noGrp="1"/>
+          </p:cNvSpPr>
           <p:nvPr>
             <p:ph type="title"/>
           </p:nvPr>
@@ -7890,12 +8069,12 @@
           </a:prstGeom>
         </p:spPr>
         <p:txBody>
-          <a:bodyPr anchorCtr="0" anchor="t" bIns="91425" lIns="91425" spcFirstLastPara="1" rIns="91425" wrap="square" tIns="91425">
+          <a:bodyPr spcFirstLastPara="1" wrap="square" lIns="91425" tIns="91425" rIns="91425" bIns="91425" anchor="t" anchorCtr="0">
             <a:noAutofit/>
           </a:bodyPr>
           <a:lstStyle/>
           <a:p>
-            <a:pPr indent="0" lvl="0" marL="0" rtl="0" algn="l">
+            <a:pPr marL="0" lvl="0" indent="0" algn="l" rtl="0">
               <a:spcBef>
                 <a:spcPts val="0"/>
               </a:spcBef>
@@ -7919,7 +8098,7 @@
             </a:endParaRPr>
           </a:p>
           <a:p>
-            <a:pPr indent="0" lvl="0" marL="0" rtl="0" algn="l">
+            <a:pPr marL="0" lvl="0" indent="0" algn="l" rtl="0">
               <a:spcBef>
                 <a:spcPts val="1000"/>
               </a:spcBef>
@@ -7935,7 +8114,7 @@
             <a:endParaRPr sz="2100"/>
           </a:p>
           <a:p>
-            <a:pPr indent="0" lvl="0" marL="0" rtl="0" algn="l">
+            <a:pPr marL="0" lvl="0" indent="0" algn="l" rtl="0">
               <a:spcBef>
                 <a:spcPts val="1000"/>
               </a:spcBef>
@@ -7951,7 +8130,7 @@
             <a:endParaRPr sz="2100"/>
           </a:p>
           <a:p>
-            <a:pPr indent="0" lvl="0" marL="0" rtl="0" algn="l">
+            <a:pPr marL="0" lvl="0" indent="0" algn="l" rtl="0">
               <a:lnSpc>
                 <a:spcPct val="115000"/>
               </a:lnSpc>
@@ -7963,9 +8142,6 @@
               </a:spcAft>
               <a:buNone/>
             </a:pPr>
-            <a:r>
-              <a:t/>
-            </a:r>
             <a:endParaRPr sz="2400" u="sng">
               <a:solidFill>
                 <a:schemeClr val="accent5"/>
@@ -7983,18 +8159,19 @@
 </file>
 
 <file path=ppt/slides/slide11.xml><?xml version="1.0" encoding="utf-8"?>
-<p:sld xmlns:a="http://schemas.openxmlformats.org/drawingml/2006/main" xmlns:r="http://schemas.openxmlformats.org/officeDocument/2006/relationships" xmlns:mc="http://schemas.openxmlformats.org/markup-compatibility/2006" xmlns:mv="urn:schemas-microsoft-com:mac:vml" xmlns:p="http://schemas.openxmlformats.org/presentationml/2006/main" xmlns:c="http://schemas.openxmlformats.org/drawingml/2006/chart" xmlns:dgm="http://schemas.openxmlformats.org/drawingml/2006/diagram" xmlns:o="urn:schemas-microsoft-com:office:office" xmlns:v="urn:schemas-microsoft-com:vml" xmlns:pvml="urn:schemas-microsoft-com:office:powerpoint" xmlns:com="http://schemas.openxmlformats.org/drawingml/2006/compatibility" xmlns:p14="http://schemas.microsoft.com/office/powerpoint/2010/main" xmlns:p15="http://schemas.microsoft.com/office/powerpoint/2012/main" xmlns:ahyp="http://schemas.microsoft.com/office/drawing/2018/hyperlinkcolor">
+<p:sld xmlns:a="http://schemas.openxmlformats.org/drawingml/2006/main" xmlns:r="http://schemas.openxmlformats.org/officeDocument/2006/relationships" xmlns:p="http://schemas.openxmlformats.org/presentationml/2006/main">
   <p:cSld>
     <p:bg>
       <p:bgPr>
         <a:solidFill>
           <a:schemeClr val="dk1"/>
         </a:solidFill>
+        <a:effectLst/>
       </p:bgPr>
     </p:bg>
     <p:spTree>
       <p:nvGrpSpPr>
-        <p:cNvPr id="150" name="Shape 150"/>
+        <p:cNvPr id="1" name="Shape 150"/>
         <p:cNvGrpSpPr/>
         <p:nvPr/>
       </p:nvGrpSpPr>
@@ -8036,7 +8213,7 @@
       </p:pic>
       <p:pic>
         <p:nvPicPr>
-          <p:cNvPr descr="Piece of duct tape sticking a note to the slide" id="152" name="Google Shape;152;p23"/>
+          <p:cNvPr id="152" name="Google Shape;152;p23" descr="Piece of duct tape sticking a note to the slide"/>
           <p:cNvPicPr preferRelativeResize="0"/>
           <p:nvPr/>
         </p:nvPicPr>
@@ -8044,7 +8221,7 @@
           <a:blip r:embed="rId4">
             <a:alphaModFix/>
           </a:blip>
-          <a:srcRect b="10011" l="9244" r="2118" t="5926"/>
+          <a:srcRect l="9244" t="5926" r="2118" b="10011"/>
           <a:stretch/>
         </p:blipFill>
         <p:spPr>
@@ -8081,12 +8258,12 @@
           </a:ln>
         </p:spPr>
         <p:txBody>
-          <a:bodyPr anchorCtr="0" anchor="b" bIns="91425" lIns="91425" spcFirstLastPara="1" rIns="91425" wrap="square" tIns="91425">
+          <a:bodyPr spcFirstLastPara="1" wrap="square" lIns="91425" tIns="91425" rIns="91425" bIns="91425" anchor="b" anchorCtr="0">
             <a:noAutofit/>
           </a:bodyPr>
           <a:lstStyle/>
           <a:p>
-            <a:pPr indent="0" lvl="0" marL="0" rtl="0" algn="l">
+            <a:pPr marL="0" lvl="0" indent="0" algn="l" rtl="0">
               <a:spcBef>
                 <a:spcPts val="0"/>
               </a:spcBef>
@@ -8096,7 +8273,7 @@
               <a:buNone/>
             </a:pPr>
             <a:r>
-              <a:rPr b="1" lang="en" sz="3000">
+              <a:rPr lang="en" sz="3000" b="1">
                 <a:solidFill>
                   <a:schemeClr val="lt2"/>
                 </a:solidFill>
@@ -8107,7 +8284,7 @@
               </a:rPr>
               <a:t>Hvala na pažnji!</a:t>
             </a:r>
-            <a:endParaRPr b="1" sz="3000">
+            <a:endParaRPr sz="3000" b="1">
               <a:solidFill>
                 <a:schemeClr val="lt2"/>
               </a:solidFill>
@@ -8139,12 +8316,12 @@
           </a:ln>
         </p:spPr>
         <p:txBody>
-          <a:bodyPr anchorCtr="0" anchor="b" bIns="91425" lIns="91425" spcFirstLastPara="1" rIns="91425" wrap="square" tIns="91425">
+          <a:bodyPr spcFirstLastPara="1" wrap="square" lIns="91425" tIns="91425" rIns="91425" bIns="91425" anchor="b" anchorCtr="0">
             <a:noAutofit/>
           </a:bodyPr>
           <a:lstStyle/>
           <a:p>
-            <a:pPr indent="0" lvl="0" marL="0" rtl="0" algn="l">
+            <a:pPr marL="0" lvl="0" indent="0" algn="l" rtl="0">
               <a:lnSpc>
                 <a:spcPct val="115000"/>
               </a:lnSpc>
@@ -8156,9 +8333,6 @@
               </a:spcAft>
               <a:buNone/>
             </a:pPr>
-            <a:r>
-              <a:t/>
-            </a:r>
             <a:endParaRPr sz="1200">
               <a:solidFill>
                 <a:schemeClr val="dk2"/>
@@ -8180,18 +8354,19 @@
 </file>
 
 <file path=ppt/slides/slide2.xml><?xml version="1.0" encoding="utf-8"?>
-<p:sld xmlns:a="http://schemas.openxmlformats.org/drawingml/2006/main" xmlns:r="http://schemas.openxmlformats.org/officeDocument/2006/relationships" xmlns:mc="http://schemas.openxmlformats.org/markup-compatibility/2006" xmlns:mv="urn:schemas-microsoft-com:mac:vml" xmlns:p="http://schemas.openxmlformats.org/presentationml/2006/main" xmlns:c="http://schemas.openxmlformats.org/drawingml/2006/chart" xmlns:dgm="http://schemas.openxmlformats.org/drawingml/2006/diagram" xmlns:o="urn:schemas-microsoft-com:office:office" xmlns:v="urn:schemas-microsoft-com:vml" xmlns:pvml="urn:schemas-microsoft-com:office:powerpoint" xmlns:com="http://schemas.openxmlformats.org/drawingml/2006/compatibility" xmlns:p14="http://schemas.microsoft.com/office/powerpoint/2010/main" xmlns:p15="http://schemas.microsoft.com/office/powerpoint/2012/main" xmlns:ahyp="http://schemas.microsoft.com/office/drawing/2018/hyperlinkcolor">
+<p:sld xmlns:a="http://schemas.openxmlformats.org/drawingml/2006/main" xmlns:r="http://schemas.openxmlformats.org/officeDocument/2006/relationships" xmlns:p="http://schemas.openxmlformats.org/presentationml/2006/main">
   <p:cSld>
     <p:bg>
       <p:bgPr>
         <a:solidFill>
           <a:schemeClr val="dk1"/>
         </a:solidFill>
+        <a:effectLst/>
       </p:bgPr>
     </p:bg>
     <p:spTree>
       <p:nvGrpSpPr>
-        <p:cNvPr id="78" name="Shape 78"/>
+        <p:cNvPr id="1" name="Shape 78"/>
         <p:cNvGrpSpPr/>
         <p:nvPr/>
       </p:nvGrpSpPr>
@@ -8233,7 +8408,7 @@
       </p:pic>
       <p:pic>
         <p:nvPicPr>
-          <p:cNvPr descr="Piece of duct tape sticking a note to the slide" id="80" name="Google Shape;80;p14"/>
+          <p:cNvPr id="80" name="Google Shape;80;p14" descr="Piece of duct tape sticking a note to the slide"/>
           <p:cNvPicPr preferRelativeResize="0"/>
           <p:nvPr/>
         </p:nvPicPr>
@@ -8241,7 +8416,7 @@
           <a:blip r:embed="rId4">
             <a:alphaModFix/>
           </a:blip>
-          <a:srcRect b="10011" l="9244" r="2118" t="5926"/>
+          <a:srcRect l="9244" t="5926" r="2118" b="10011"/>
           <a:stretch/>
         </p:blipFill>
         <p:spPr>
@@ -8278,12 +8453,12 @@
           </a:ln>
         </p:spPr>
         <p:txBody>
-          <a:bodyPr anchorCtr="0" anchor="b" bIns="91425" lIns="91425" spcFirstLastPara="1" rIns="91425" wrap="square" tIns="91425">
+          <a:bodyPr spcFirstLastPara="1" wrap="square" lIns="91425" tIns="91425" rIns="91425" bIns="91425" anchor="b" anchorCtr="0">
             <a:noAutofit/>
           </a:bodyPr>
           <a:lstStyle/>
           <a:p>
-            <a:pPr indent="0" lvl="0" marL="0" rtl="0" algn="l">
+            <a:pPr marL="0" lvl="0" indent="0" algn="l" rtl="0">
               <a:spcBef>
                 <a:spcPts val="0"/>
               </a:spcBef>
@@ -8293,7 +8468,7 @@
               <a:buNone/>
             </a:pPr>
             <a:r>
-              <a:rPr b="1" lang="en" sz="3000">
+              <a:rPr lang="en" sz="3000" b="1">
                 <a:solidFill>
                   <a:schemeClr val="lt2"/>
                 </a:solidFill>
@@ -8304,7 +8479,7 @@
               </a:rPr>
               <a:t>1. Uvod u temu</a:t>
             </a:r>
-            <a:endParaRPr b="1" sz="3000">
+            <a:endParaRPr sz="3000" b="1">
               <a:solidFill>
                 <a:schemeClr val="lt2"/>
               </a:solidFill>
@@ -8319,9 +8494,11 @@
       <p:sp>
         <p:nvSpPr>
           <p:cNvPr id="82" name="Google Shape;82;p14"/>
-          <p:cNvSpPr txBox="1"/>
+          <p:cNvSpPr txBox="1">
+            <a:spLocks noGrp="1"/>
+          </p:cNvSpPr>
           <p:nvPr>
-            <p:ph idx="4294967295" type="body"/>
+            <p:ph type="body" idx="4294967295"/>
           </p:nvPr>
         </p:nvSpPr>
         <p:spPr>
@@ -8334,12 +8511,12 @@
           </a:prstGeom>
         </p:spPr>
         <p:txBody>
-          <a:bodyPr anchorCtr="0" anchor="t" bIns="91425" lIns="91425" spcFirstLastPara="1" rIns="91425" wrap="square" tIns="91425">
+          <a:bodyPr spcFirstLastPara="1" wrap="square" lIns="91425" tIns="91425" rIns="91425" bIns="91425" anchor="t" anchorCtr="0">
             <a:noAutofit/>
           </a:bodyPr>
           <a:lstStyle/>
           <a:p>
-            <a:pPr indent="-317500" lvl="0" marL="457200" rtl="0" algn="l">
+            <a:pPr marL="457200" lvl="0" indent="-317500" algn="l" rtl="0">
               <a:spcBef>
                 <a:spcPts val="0"/>
               </a:spcBef>
@@ -8354,7 +8531,7 @@
               <a:buChar char="➔"/>
             </a:pPr>
             <a:r>
-              <a:rPr b="1" lang="en" sz="1400">
+              <a:rPr lang="en" sz="1400" b="1">
                 <a:solidFill>
                   <a:schemeClr val="dk1"/>
                 </a:solidFill>
@@ -8390,7 +8567,7 @@
             </a:endParaRPr>
           </a:p>
           <a:p>
-            <a:pPr indent="-317500" lvl="0" marL="457200" rtl="0" algn="l">
+            <a:pPr marL="457200" lvl="0" indent="-317500" algn="l" rtl="0">
               <a:spcBef>
                 <a:spcPts val="1000"/>
               </a:spcBef>
@@ -8405,7 +8582,7 @@
               <a:buChar char="➔"/>
             </a:pPr>
             <a:r>
-              <a:rPr b="1" lang="en" sz="1400">
+              <a:rPr lang="en" sz="1400" b="1">
                 <a:solidFill>
                   <a:schemeClr val="dk1"/>
                 </a:solidFill>
@@ -8482,11 +8659,11 @@
 </file>
 
 <file path=ppt/slides/slide3.xml><?xml version="1.0" encoding="utf-8"?>
-<p:sld xmlns:a="http://schemas.openxmlformats.org/drawingml/2006/main" xmlns:r="http://schemas.openxmlformats.org/officeDocument/2006/relationships" xmlns:mc="http://schemas.openxmlformats.org/markup-compatibility/2006" xmlns:mv="urn:schemas-microsoft-com:mac:vml" xmlns:p="http://schemas.openxmlformats.org/presentationml/2006/main" xmlns:c="http://schemas.openxmlformats.org/drawingml/2006/chart" xmlns:dgm="http://schemas.openxmlformats.org/drawingml/2006/diagram" xmlns:o="urn:schemas-microsoft-com:office:office" xmlns:v="urn:schemas-microsoft-com:vml" xmlns:pvml="urn:schemas-microsoft-com:office:powerpoint" xmlns:com="http://schemas.openxmlformats.org/drawingml/2006/compatibility" xmlns:p14="http://schemas.microsoft.com/office/powerpoint/2010/main" xmlns:p15="http://schemas.microsoft.com/office/powerpoint/2012/main" xmlns:ahyp="http://schemas.microsoft.com/office/drawing/2018/hyperlinkcolor">
+<p:sld xmlns:a="http://schemas.openxmlformats.org/drawingml/2006/main" xmlns:r="http://schemas.openxmlformats.org/officeDocument/2006/relationships" xmlns:p="http://schemas.openxmlformats.org/presentationml/2006/main">
   <p:cSld>
     <p:spTree>
       <p:nvGrpSpPr>
-        <p:cNvPr id="87" name="Shape 87"/>
+        <p:cNvPr id="1" name="Shape 87"/>
         <p:cNvGrpSpPr/>
         <p:nvPr/>
       </p:nvGrpSpPr>
@@ -8518,12 +8695,12 @@
           </a:ln>
         </p:spPr>
         <p:txBody>
-          <a:bodyPr anchorCtr="0" anchor="t" bIns="91425" lIns="91425" spcFirstLastPara="1" rIns="91425" wrap="square" tIns="91425">
+          <a:bodyPr spcFirstLastPara="1" wrap="square" lIns="91425" tIns="91425" rIns="91425" bIns="91425" anchor="t" anchorCtr="0">
             <a:spAutoFit/>
           </a:bodyPr>
           <a:lstStyle/>
           <a:p>
-            <a:pPr indent="0" lvl="0" marL="0" rtl="0" algn="ctr">
+            <a:pPr marL="0" lvl="0" indent="0" algn="ctr" rtl="0">
               <a:spcBef>
                 <a:spcPts val="0"/>
               </a:spcBef>
@@ -8533,7 +8710,7 @@
               <a:buNone/>
             </a:pPr>
             <a:r>
-              <a:rPr b="1" lang="en" sz="3000">
+              <a:rPr lang="en" sz="3000" b="1">
                 <a:solidFill>
                   <a:schemeClr val="dk1"/>
                 </a:solidFill>
@@ -8544,7 +8721,7 @@
               </a:rPr>
               <a:t>Refined-A vs Refined-E</a:t>
             </a:r>
-            <a:endParaRPr b="1" sz="3000">
+            <a:endParaRPr sz="3000" b="1">
               <a:solidFill>
                 <a:schemeClr val="dk1"/>
               </a:solidFill>
@@ -8576,12 +8753,12 @@
           </a:ln>
         </p:spPr>
         <p:txBody>
-          <a:bodyPr anchorCtr="0" anchor="t" bIns="91425" lIns="91425" spcFirstLastPara="1" rIns="91425" wrap="square" tIns="91425">
+          <a:bodyPr spcFirstLastPara="1" wrap="square" lIns="91425" tIns="91425" rIns="91425" bIns="91425" anchor="t" anchorCtr="0">
             <a:spAutoFit/>
           </a:bodyPr>
           <a:lstStyle/>
           <a:p>
-            <a:pPr indent="-317500" lvl="0" marL="457200" rtl="0" algn="l">
+            <a:pPr marL="457200" lvl="0" indent="-317500" algn="l" rtl="0">
               <a:spcBef>
                 <a:spcPts val="0"/>
               </a:spcBef>
@@ -8630,7 +8807,7 @@
             </a:endParaRPr>
           </a:p>
           <a:p>
-            <a:pPr indent="-317500" lvl="0" marL="457200" rtl="0" algn="l">
+            <a:pPr marL="457200" lvl="0" indent="-317500" algn="l" rtl="0">
               <a:spcBef>
                 <a:spcPts val="0"/>
               </a:spcBef>
@@ -8679,7 +8856,7 @@
             </a:endParaRPr>
           </a:p>
           <a:p>
-            <a:pPr indent="-317500" lvl="0" marL="457200" rtl="0" algn="l">
+            <a:pPr marL="457200" lvl="0" indent="-317500" algn="l" rtl="0">
               <a:spcBef>
                 <a:spcPts val="0"/>
               </a:spcBef>
@@ -8766,11 +8943,11 @@
 </file>
 
 <file path=ppt/slides/slide4.xml><?xml version="1.0" encoding="utf-8"?>
-<p:sld xmlns:a="http://schemas.openxmlformats.org/drawingml/2006/main" xmlns:r="http://schemas.openxmlformats.org/officeDocument/2006/relationships" xmlns:mc="http://schemas.openxmlformats.org/markup-compatibility/2006" xmlns:mv="urn:schemas-microsoft-com:mac:vml" xmlns:p="http://schemas.openxmlformats.org/presentationml/2006/main" xmlns:c="http://schemas.openxmlformats.org/drawingml/2006/chart" xmlns:dgm="http://schemas.openxmlformats.org/drawingml/2006/diagram" xmlns:o="urn:schemas-microsoft-com:office:office" xmlns:v="urn:schemas-microsoft-com:vml" xmlns:pvml="urn:schemas-microsoft-com:office:powerpoint" xmlns:com="http://schemas.openxmlformats.org/drawingml/2006/compatibility" xmlns:p14="http://schemas.microsoft.com/office/powerpoint/2010/main" xmlns:p15="http://schemas.microsoft.com/office/powerpoint/2012/main" xmlns:ahyp="http://schemas.microsoft.com/office/drawing/2018/hyperlinkcolor">
+<p:sld xmlns:a="http://schemas.openxmlformats.org/drawingml/2006/main" xmlns:r="http://schemas.openxmlformats.org/officeDocument/2006/relationships" xmlns:p="http://schemas.openxmlformats.org/presentationml/2006/main">
   <p:cSld>
     <p:spTree>
       <p:nvGrpSpPr>
-        <p:cNvPr id="94" name="Shape 94"/>
+        <p:cNvPr id="1" name="Shape 94"/>
         <p:cNvGrpSpPr/>
         <p:nvPr/>
       </p:nvGrpSpPr>
@@ -8785,7 +8962,9 @@
       <p:sp>
         <p:nvSpPr>
           <p:cNvPr id="95" name="Google Shape;95;p16"/>
-          <p:cNvSpPr txBox="1"/>
+          <p:cNvSpPr txBox="1">
+            <a:spLocks noGrp="1"/>
+          </p:cNvSpPr>
           <p:nvPr>
             <p:ph type="title"/>
           </p:nvPr>
@@ -8800,12 +8979,12 @@
           </a:prstGeom>
         </p:spPr>
         <p:txBody>
-          <a:bodyPr anchorCtr="0" anchor="t" bIns="91425" lIns="91425" spcFirstLastPara="1" rIns="91425" wrap="square" tIns="91425">
+          <a:bodyPr spcFirstLastPara="1" wrap="square" lIns="91425" tIns="91425" rIns="91425" bIns="91425" anchor="t" anchorCtr="0">
             <a:noAutofit/>
           </a:bodyPr>
           <a:lstStyle/>
           <a:p>
-            <a:pPr indent="0" lvl="0" marL="0" rtl="0" algn="l">
+            <a:pPr marL="0" lvl="0" indent="0" algn="l" rtl="0">
               <a:spcBef>
                 <a:spcPts val="0"/>
               </a:spcBef>
@@ -8863,11 +9042,11 @@
 </file>
 
 <file path=ppt/slides/slide5.xml><?xml version="1.0" encoding="utf-8"?>
-<p:sld xmlns:a="http://schemas.openxmlformats.org/drawingml/2006/main" xmlns:r="http://schemas.openxmlformats.org/officeDocument/2006/relationships" xmlns:mc="http://schemas.openxmlformats.org/markup-compatibility/2006" xmlns:mv="urn:schemas-microsoft-com:mac:vml" xmlns:p="http://schemas.openxmlformats.org/presentationml/2006/main" xmlns:c="http://schemas.openxmlformats.org/drawingml/2006/chart" xmlns:dgm="http://schemas.openxmlformats.org/drawingml/2006/diagram" xmlns:o="urn:schemas-microsoft-com:office:office" xmlns:v="urn:schemas-microsoft-com:vml" xmlns:pvml="urn:schemas-microsoft-com:office:powerpoint" xmlns:com="http://schemas.openxmlformats.org/drawingml/2006/compatibility" xmlns:p14="http://schemas.microsoft.com/office/powerpoint/2010/main" xmlns:p15="http://schemas.microsoft.com/office/powerpoint/2012/main" xmlns:ahyp="http://schemas.microsoft.com/office/drawing/2018/hyperlinkcolor">
+<p:sld xmlns:a="http://schemas.openxmlformats.org/drawingml/2006/main" xmlns:r="http://schemas.openxmlformats.org/officeDocument/2006/relationships" xmlns:p="http://schemas.openxmlformats.org/presentationml/2006/main">
   <p:cSld>
     <p:spTree>
       <p:nvGrpSpPr>
-        <p:cNvPr id="100" name="Shape 100"/>
+        <p:cNvPr id="1" name="Shape 100"/>
         <p:cNvGrpSpPr/>
         <p:nvPr/>
       </p:nvGrpSpPr>
@@ -8882,7 +9061,9 @@
       <p:sp>
         <p:nvSpPr>
           <p:cNvPr id="101" name="Google Shape;101;p17"/>
-          <p:cNvSpPr txBox="1"/>
+          <p:cNvSpPr txBox="1">
+            <a:spLocks noGrp="1"/>
+          </p:cNvSpPr>
           <p:nvPr>
             <p:ph type="title"/>
           </p:nvPr>
@@ -8897,12 +9078,12 @@
           </a:prstGeom>
         </p:spPr>
         <p:txBody>
-          <a:bodyPr anchorCtr="0" anchor="t" bIns="91425" lIns="91425" spcFirstLastPara="1" rIns="91425" wrap="square" tIns="91425">
+          <a:bodyPr spcFirstLastPara="1" wrap="square" lIns="91425" tIns="91425" rIns="91425" bIns="91425" anchor="t" anchorCtr="0">
             <a:noAutofit/>
           </a:bodyPr>
           <a:lstStyle/>
           <a:p>
-            <a:pPr indent="0" lvl="0" marL="0" rtl="0" algn="l">
+            <a:pPr marL="0" lvl="0" indent="0" algn="l" rtl="0">
               <a:spcBef>
                 <a:spcPts val="0"/>
               </a:spcBef>
@@ -8921,11 +9102,7 @@
             </a:r>
             <a:r>
               <a:rPr lang="en"/>
-              <a:t>r</a:t>
-            </a:r>
-            <a:r>
-              <a:rPr lang="en"/>
-              <a:t>ezultata</a:t>
+              <a:t>rezultata</a:t>
             </a:r>
             <a:endParaRPr/>
           </a:p>
@@ -8949,10 +9126,34 @@
                 <a:tableStyleId>{75D4A3C8-3C69-4A29-A4CA-F85FD83D8C0D}</a:tableStyleId>
               </a:tblPr>
               <a:tblGrid>
-                <a:gridCol w="967700"/>
-                <a:gridCol w="1009925"/>
-                <a:gridCol w="975025"/>
-                <a:gridCol w="1250425"/>
+                <a:gridCol w="967700">
+                  <a:extLst>
+                    <a:ext uri="{9D8B030D-6E8A-4147-A177-3AD203B41FA5}">
+                      <a16:colId xmlns:a16="http://schemas.microsoft.com/office/drawing/2014/main" val="20000"/>
+                    </a:ext>
+                  </a:extLst>
+                </a:gridCol>
+                <a:gridCol w="1009925">
+                  <a:extLst>
+                    <a:ext uri="{9D8B030D-6E8A-4147-A177-3AD203B41FA5}">
+                      <a16:colId xmlns:a16="http://schemas.microsoft.com/office/drawing/2014/main" val="20001"/>
+                    </a:ext>
+                  </a:extLst>
+                </a:gridCol>
+                <a:gridCol w="975025">
+                  <a:extLst>
+                    <a:ext uri="{9D8B030D-6E8A-4147-A177-3AD203B41FA5}">
+                      <a16:colId xmlns:a16="http://schemas.microsoft.com/office/drawing/2014/main" val="20002"/>
+                    </a:ext>
+                  </a:extLst>
+                </a:gridCol>
+                <a:gridCol w="1250425">
+                  <a:extLst>
+                    <a:ext uri="{9D8B030D-6E8A-4147-A177-3AD203B41FA5}">
+                      <a16:colId xmlns:a16="http://schemas.microsoft.com/office/drawing/2014/main" val="20003"/>
+                    </a:ext>
+                  </a:extLst>
+                </a:gridCol>
               </a:tblGrid>
               <a:tr h="591975">
                 <a:tc>
@@ -8960,7 +9161,7 @@
                     <a:bodyPr/>
                     <a:lstStyle/>
                     <a:p>
-                      <a:pPr indent="0" lvl="0" marL="0" rtl="0" algn="l">
+                      <a:pPr marL="0" lvl="0" indent="0" algn="l" rtl="0">
                         <a:spcBef>
                           <a:spcPts val="0"/>
                         </a:spcBef>
@@ -8984,14 +9185,14 @@
                       </a:endParaRPr>
                     </a:p>
                   </a:txBody>
-                  <a:tcPr marT="91425" marB="91425" marR="91425" marL="91425"/>
+                  <a:tcPr marL="91425" marR="91425" marT="91425" marB="91425"/>
                 </a:tc>
                 <a:tc>
                   <a:txBody>
                     <a:bodyPr/>
                     <a:lstStyle/>
                     <a:p>
-                      <a:pPr indent="0" lvl="0" marL="0" rtl="0" algn="l">
+                      <a:pPr marL="0" lvl="0" indent="0" algn="l" rtl="0">
                         <a:spcBef>
                           <a:spcPts val="0"/>
                         </a:spcBef>
@@ -9006,15 +9207,7 @@
                             <a:schemeClr val="dk1"/>
                           </a:solidFill>
                         </a:rPr>
-                        <a:t>Refined-A </a:t>
-                      </a:r>
-                      <a:r>
-                        <a:rPr lang="en">
-                          <a:solidFill>
-                            <a:schemeClr val="dk1"/>
-                          </a:solidFill>
-                        </a:rPr>
-                        <a:t>error</a:t>
+                        <a:t>Refined-A error</a:t>
                       </a:r>
                       <a:endParaRPr>
                         <a:solidFill>
@@ -9023,14 +9216,14 @@
                       </a:endParaRPr>
                     </a:p>
                   </a:txBody>
-                  <a:tcPr marT="91425" marB="91425" marR="91425" marL="91425"/>
+                  <a:tcPr marL="91425" marR="91425" marT="91425" marB="91425"/>
                 </a:tc>
                 <a:tc>
                   <a:txBody>
                     <a:bodyPr/>
                     <a:lstStyle/>
                     <a:p>
-                      <a:pPr indent="0" lvl="0" marL="0" rtl="0" algn="l">
+                      <a:pPr marL="0" lvl="0" indent="0" algn="l" rtl="0">
                         <a:spcBef>
                           <a:spcPts val="0"/>
                         </a:spcBef>
@@ -9045,15 +9238,7 @@
                             <a:schemeClr val="dk1"/>
                           </a:solidFill>
                         </a:rPr>
-                        <a:t>Refined-E </a:t>
-                      </a:r>
-                      <a:r>
-                        <a:rPr lang="en">
-                          <a:solidFill>
-                            <a:schemeClr val="dk1"/>
-                          </a:solidFill>
-                        </a:rPr>
-                        <a:t>error</a:t>
+                        <a:t>Refined-E error</a:t>
                       </a:r>
                       <a:endParaRPr>
                         <a:solidFill>
@@ -9062,14 +9247,14 @@
                       </a:endParaRPr>
                     </a:p>
                   </a:txBody>
-                  <a:tcPr marT="91425" marB="91425" marR="91425" marL="91425"/>
+                  <a:tcPr marL="91425" marR="91425" marT="91425" marB="91425"/>
                 </a:tc>
                 <a:tc>
                   <a:txBody>
                     <a:bodyPr/>
                     <a:lstStyle/>
                     <a:p>
-                      <a:pPr indent="0" lvl="0" marL="0" rtl="0" algn="l">
+                      <a:pPr marL="0" lvl="0" indent="0" algn="l" rtl="0">
                         <a:spcBef>
                           <a:spcPts val="0"/>
                         </a:spcBef>
@@ -9093,8 +9278,13 @@
                       </a:endParaRPr>
                     </a:p>
                   </a:txBody>
-                  <a:tcPr marT="91425" marB="91425" marR="91425" marL="91425"/>
+                  <a:tcPr marL="91425" marR="91425" marT="91425" marB="91425"/>
                 </a:tc>
+                <a:extLst>
+                  <a:ext uri="{0D108BD9-81ED-4DB2-BD59-A6C34878D82A}">
+                    <a16:rowId xmlns:a16="http://schemas.microsoft.com/office/drawing/2014/main" val="10000"/>
+                  </a:ext>
+                </a:extLst>
               </a:tr>
               <a:tr h="384775">
                 <a:tc>
@@ -9102,7 +9292,7 @@
                     <a:bodyPr/>
                     <a:lstStyle/>
                     <a:p>
-                      <a:pPr indent="0" lvl="0" marL="0" rtl="0" algn="l">
+                      <a:pPr marL="0" lvl="0" indent="0" algn="l" rtl="0">
                         <a:spcBef>
                           <a:spcPts val="0"/>
                         </a:spcBef>
@@ -9126,14 +9316,14 @@
                       </a:endParaRPr>
                     </a:p>
                   </a:txBody>
-                  <a:tcPr marT="91425" marB="91425" marR="91425" marL="91425"/>
+                  <a:tcPr marL="91425" marR="91425" marT="91425" marB="91425"/>
                 </a:tc>
                 <a:tc>
                   <a:txBody>
                     <a:bodyPr/>
                     <a:lstStyle/>
                     <a:p>
-                      <a:pPr indent="0" lvl="0" marL="0" rtl="0" algn="l">
+                      <a:pPr marL="0" lvl="0" indent="0" algn="l" rtl="0">
                         <a:spcBef>
                           <a:spcPts val="0"/>
                         </a:spcBef>
@@ -9157,14 +9347,14 @@
                       </a:endParaRPr>
                     </a:p>
                   </a:txBody>
-                  <a:tcPr marT="91425" marB="91425" marR="91425" marL="91425"/>
+                  <a:tcPr marL="91425" marR="91425" marT="91425" marB="91425"/>
                 </a:tc>
                 <a:tc>
                   <a:txBody>
                     <a:bodyPr/>
                     <a:lstStyle/>
                     <a:p>
-                      <a:pPr indent="0" lvl="0" marL="0" rtl="0" algn="l">
+                      <a:pPr marL="0" lvl="0" indent="0" algn="l" rtl="0">
                         <a:spcBef>
                           <a:spcPts val="0"/>
                         </a:spcBef>
@@ -9188,14 +9378,14 @@
                       </a:endParaRPr>
                     </a:p>
                   </a:txBody>
-                  <a:tcPr marT="91425" marB="91425" marR="91425" marL="91425"/>
+                  <a:tcPr marL="91425" marR="91425" marT="91425" marB="91425"/>
                 </a:tc>
                 <a:tc>
                   <a:txBody>
                     <a:bodyPr/>
                     <a:lstStyle/>
                     <a:p>
-                      <a:pPr indent="0" lvl="0" marL="0" rtl="0" algn="l">
+                      <a:pPr marL="0" lvl="0" indent="0" algn="l" rtl="0">
                         <a:spcBef>
                           <a:spcPts val="0"/>
                         </a:spcBef>
@@ -9219,8 +9409,13 @@
                       </a:endParaRPr>
                     </a:p>
                   </a:txBody>
-                  <a:tcPr marT="91425" marB="91425" marR="91425" marL="91425"/>
+                  <a:tcPr marL="91425" marR="91425" marT="91425" marB="91425"/>
                 </a:tc>
+                <a:extLst>
+                  <a:ext uri="{0D108BD9-81ED-4DB2-BD59-A6C34878D82A}">
+                    <a16:rowId xmlns:a16="http://schemas.microsoft.com/office/drawing/2014/main" val="10001"/>
+                  </a:ext>
+                </a:extLst>
               </a:tr>
               <a:tr h="384775">
                 <a:tc>
@@ -9228,7 +9423,7 @@
                     <a:bodyPr/>
                     <a:lstStyle/>
                     <a:p>
-                      <a:pPr indent="0" lvl="0" marL="0" rtl="0" algn="l">
+                      <a:pPr marL="0" lvl="0" indent="0" algn="l" rtl="0">
                         <a:spcBef>
                           <a:spcPts val="0"/>
                         </a:spcBef>
@@ -9252,14 +9447,14 @@
                       </a:endParaRPr>
                     </a:p>
                   </a:txBody>
-                  <a:tcPr marT="91425" marB="91425" marR="91425" marL="91425"/>
+                  <a:tcPr marL="91425" marR="91425" marT="91425" marB="91425"/>
                 </a:tc>
                 <a:tc>
                   <a:txBody>
                     <a:bodyPr/>
                     <a:lstStyle/>
                     <a:p>
-                      <a:pPr indent="0" lvl="0" marL="0" rtl="0" algn="l">
+                      <a:pPr marL="0" lvl="0" indent="0" algn="l" rtl="0">
                         <a:spcBef>
                           <a:spcPts val="0"/>
                         </a:spcBef>
@@ -9283,14 +9478,14 @@
                       </a:endParaRPr>
                     </a:p>
                   </a:txBody>
-                  <a:tcPr marT="91425" marB="91425" marR="91425" marL="91425"/>
+                  <a:tcPr marL="91425" marR="91425" marT="91425" marB="91425"/>
                 </a:tc>
                 <a:tc>
                   <a:txBody>
                     <a:bodyPr/>
                     <a:lstStyle/>
                     <a:p>
-                      <a:pPr indent="0" lvl="0" marL="0" rtl="0" algn="l">
+                      <a:pPr marL="0" lvl="0" indent="0" algn="l" rtl="0">
                         <a:spcBef>
                           <a:spcPts val="0"/>
                         </a:spcBef>
@@ -9314,14 +9509,14 @@
                       </a:endParaRPr>
                     </a:p>
                   </a:txBody>
-                  <a:tcPr marT="91425" marB="91425" marR="91425" marL="91425"/>
+                  <a:tcPr marL="91425" marR="91425" marT="91425" marB="91425"/>
                 </a:tc>
                 <a:tc>
                   <a:txBody>
                     <a:bodyPr/>
                     <a:lstStyle/>
                     <a:p>
-                      <a:pPr indent="0" lvl="0" marL="0" rtl="0" algn="l">
+                      <a:pPr marL="0" lvl="0" indent="0" algn="l" rtl="0">
                         <a:spcBef>
                           <a:spcPts val="0"/>
                         </a:spcBef>
@@ -9345,8 +9540,13 @@
                       </a:endParaRPr>
                     </a:p>
                   </a:txBody>
-                  <a:tcPr marT="91425" marB="91425" marR="91425" marL="91425"/>
+                  <a:tcPr marL="91425" marR="91425" marT="91425" marB="91425"/>
                 </a:tc>
+                <a:extLst>
+                  <a:ext uri="{0D108BD9-81ED-4DB2-BD59-A6C34878D82A}">
+                    <a16:rowId xmlns:a16="http://schemas.microsoft.com/office/drawing/2014/main" val="10002"/>
+                  </a:ext>
+                </a:extLst>
               </a:tr>
               <a:tr h="523125">
                 <a:tc>
@@ -9354,7 +9554,7 @@
                     <a:bodyPr/>
                     <a:lstStyle/>
                     <a:p>
-                      <a:pPr indent="0" lvl="0" marL="0" rtl="0" algn="l">
+                      <a:pPr marL="0" lvl="0" indent="0" algn="l" rtl="0">
                         <a:spcBef>
                           <a:spcPts val="0"/>
                         </a:spcBef>
@@ -9378,14 +9578,14 @@
                       </a:endParaRPr>
                     </a:p>
                   </a:txBody>
-                  <a:tcPr marT="91425" marB="91425" marR="91425" marL="91425"/>
+                  <a:tcPr marL="91425" marR="91425" marT="91425" marB="91425"/>
                 </a:tc>
                 <a:tc>
                   <a:txBody>
                     <a:bodyPr/>
                     <a:lstStyle/>
                     <a:p>
-                      <a:pPr indent="0" lvl="0" marL="0" rtl="0" algn="l">
+                      <a:pPr marL="0" lvl="0" indent="0" algn="l" rtl="0">
                         <a:spcBef>
                           <a:spcPts val="0"/>
                         </a:spcBef>
@@ -9409,14 +9609,14 @@
                       </a:endParaRPr>
                     </a:p>
                   </a:txBody>
-                  <a:tcPr marT="91425" marB="91425" marR="91425" marL="91425"/>
+                  <a:tcPr marL="91425" marR="91425" marT="91425" marB="91425"/>
                 </a:tc>
                 <a:tc>
                   <a:txBody>
                     <a:bodyPr/>
                     <a:lstStyle/>
                     <a:p>
-                      <a:pPr indent="0" lvl="0" marL="0" rtl="0" algn="l">
+                      <a:pPr marL="0" lvl="0" indent="0" algn="l" rtl="0">
                         <a:spcBef>
                           <a:spcPts val="0"/>
                         </a:spcBef>
@@ -9440,14 +9640,14 @@
                       </a:endParaRPr>
                     </a:p>
                   </a:txBody>
-                  <a:tcPr marT="91425" marB="91425" marR="91425" marL="91425"/>
+                  <a:tcPr marL="91425" marR="91425" marT="91425" marB="91425"/>
                 </a:tc>
                 <a:tc>
                   <a:txBody>
                     <a:bodyPr/>
                     <a:lstStyle/>
                     <a:p>
-                      <a:pPr indent="0" lvl="0" marL="0" rtl="0" algn="l">
+                      <a:pPr marL="0" lvl="0" indent="0" algn="l" rtl="0">
                         <a:spcBef>
                           <a:spcPts val="0"/>
                         </a:spcBef>
@@ -9471,8 +9671,13 @@
                       </a:endParaRPr>
                     </a:p>
                   </a:txBody>
-                  <a:tcPr marT="91425" marB="91425" marR="91425" marL="91425"/>
+                  <a:tcPr marL="91425" marR="91425" marT="91425" marB="91425"/>
                 </a:tc>
+                <a:extLst>
+                  <a:ext uri="{0D108BD9-81ED-4DB2-BD59-A6C34878D82A}">
+                    <a16:rowId xmlns:a16="http://schemas.microsoft.com/office/drawing/2014/main" val="10003"/>
+                  </a:ext>
+                </a:extLst>
               </a:tr>
               <a:tr h="523125">
                 <a:tc>
@@ -9480,7 +9685,7 @@
                     <a:bodyPr/>
                     <a:lstStyle/>
                     <a:p>
-                      <a:pPr indent="0" lvl="0" marL="0" rtl="0" algn="l">
+                      <a:pPr marL="0" lvl="0" indent="0" algn="l" rtl="0">
                         <a:spcBef>
                           <a:spcPts val="0"/>
                         </a:spcBef>
@@ -9504,14 +9709,14 @@
                       </a:endParaRPr>
                     </a:p>
                   </a:txBody>
-                  <a:tcPr marT="91425" marB="91425" marR="91425" marL="91425"/>
+                  <a:tcPr marL="91425" marR="91425" marT="91425" marB="91425"/>
                 </a:tc>
                 <a:tc>
                   <a:txBody>
                     <a:bodyPr/>
                     <a:lstStyle/>
                     <a:p>
-                      <a:pPr indent="0" lvl="0" marL="0" rtl="0" algn="l">
+                      <a:pPr marL="0" lvl="0" indent="0" algn="l" rtl="0">
                         <a:spcBef>
                           <a:spcPts val="0"/>
                         </a:spcBef>
@@ -9535,14 +9740,14 @@
                       </a:endParaRPr>
                     </a:p>
                   </a:txBody>
-                  <a:tcPr marT="91425" marB="91425" marR="91425" marL="91425"/>
+                  <a:tcPr marL="91425" marR="91425" marT="91425" marB="91425"/>
                 </a:tc>
                 <a:tc>
                   <a:txBody>
                     <a:bodyPr/>
                     <a:lstStyle/>
                     <a:p>
-                      <a:pPr indent="0" lvl="0" marL="0" rtl="0" algn="l">
+                      <a:pPr marL="0" lvl="0" indent="0" algn="l" rtl="0">
                         <a:spcBef>
                           <a:spcPts val="0"/>
                         </a:spcBef>
@@ -9566,14 +9771,14 @@
                       </a:endParaRPr>
                     </a:p>
                   </a:txBody>
-                  <a:tcPr marT="91425" marB="91425" marR="91425" marL="91425"/>
+                  <a:tcPr marL="91425" marR="91425" marT="91425" marB="91425"/>
                 </a:tc>
                 <a:tc>
                   <a:txBody>
                     <a:bodyPr/>
                     <a:lstStyle/>
                     <a:p>
-                      <a:pPr indent="0" lvl="0" marL="0" rtl="0" algn="l">
+                      <a:pPr marL="0" lvl="0" indent="0" algn="l" rtl="0">
                         <a:spcBef>
                           <a:spcPts val="0"/>
                         </a:spcBef>
@@ -9597,8 +9802,13 @@
                       </a:endParaRPr>
                     </a:p>
                   </a:txBody>
-                  <a:tcPr marT="91425" marB="91425" marR="91425" marL="91425"/>
+                  <a:tcPr marL="91425" marR="91425" marT="91425" marB="91425"/>
                 </a:tc>
+                <a:extLst>
+                  <a:ext uri="{0D108BD9-81ED-4DB2-BD59-A6C34878D82A}">
+                    <a16:rowId xmlns:a16="http://schemas.microsoft.com/office/drawing/2014/main" val="10004"/>
+                  </a:ext>
+                </a:extLst>
               </a:tr>
             </a:tbl>
           </a:graphicData>
@@ -9622,10 +9832,34 @@
                 <a:tableStyleId>{75D4A3C8-3C69-4A29-A4CA-F85FD83D8C0D}</a:tableStyleId>
               </a:tblPr>
               <a:tblGrid>
-                <a:gridCol w="961350"/>
-                <a:gridCol w="986175"/>
-                <a:gridCol w="984750"/>
-                <a:gridCol w="1478500"/>
+                <a:gridCol w="961350">
+                  <a:extLst>
+                    <a:ext uri="{9D8B030D-6E8A-4147-A177-3AD203B41FA5}">
+                      <a16:colId xmlns:a16="http://schemas.microsoft.com/office/drawing/2014/main" val="20000"/>
+                    </a:ext>
+                  </a:extLst>
+                </a:gridCol>
+                <a:gridCol w="986175">
+                  <a:extLst>
+                    <a:ext uri="{9D8B030D-6E8A-4147-A177-3AD203B41FA5}">
+                      <a16:colId xmlns:a16="http://schemas.microsoft.com/office/drawing/2014/main" val="20001"/>
+                    </a:ext>
+                  </a:extLst>
+                </a:gridCol>
+                <a:gridCol w="984750">
+                  <a:extLst>
+                    <a:ext uri="{9D8B030D-6E8A-4147-A177-3AD203B41FA5}">
+                      <a16:colId xmlns:a16="http://schemas.microsoft.com/office/drawing/2014/main" val="20002"/>
+                    </a:ext>
+                  </a:extLst>
+                </a:gridCol>
+                <a:gridCol w="1478500">
+                  <a:extLst>
+                    <a:ext uri="{9D8B030D-6E8A-4147-A177-3AD203B41FA5}">
+                      <a16:colId xmlns:a16="http://schemas.microsoft.com/office/drawing/2014/main" val="20003"/>
+                    </a:ext>
+                  </a:extLst>
+                </a:gridCol>
               </a:tblGrid>
               <a:tr h="619825">
                 <a:tc>
@@ -9633,7 +9867,7 @@
                     <a:bodyPr/>
                     <a:lstStyle/>
                     <a:p>
-                      <a:pPr indent="0" lvl="0" marL="0" rtl="0" algn="l">
+                      <a:pPr marL="0" lvl="0" indent="0" algn="l" rtl="0">
                         <a:spcBef>
                           <a:spcPts val="0"/>
                         </a:spcBef>
@@ -9657,14 +9891,14 @@
                       </a:endParaRPr>
                     </a:p>
                   </a:txBody>
-                  <a:tcPr marT="91425" marB="91425" marR="91425" marL="91425"/>
+                  <a:tcPr marL="91425" marR="91425" marT="91425" marB="91425"/>
                 </a:tc>
                 <a:tc>
                   <a:txBody>
                     <a:bodyPr/>
                     <a:lstStyle/>
                     <a:p>
-                      <a:pPr indent="0" lvl="0" marL="0" rtl="0" algn="l">
+                      <a:pPr marL="0" lvl="0" indent="0" algn="l" rtl="0">
                         <a:spcBef>
                           <a:spcPts val="0"/>
                         </a:spcBef>
@@ -9688,14 +9922,14 @@
                       </a:endParaRPr>
                     </a:p>
                   </a:txBody>
-                  <a:tcPr marT="91425" marB="91425" marR="91425" marL="91425"/>
+                  <a:tcPr marL="91425" marR="91425" marT="91425" marB="91425"/>
                 </a:tc>
                 <a:tc>
                   <a:txBody>
                     <a:bodyPr/>
                     <a:lstStyle/>
                     <a:p>
-                      <a:pPr indent="0" lvl="0" marL="0" rtl="0" algn="l">
+                      <a:pPr marL="0" lvl="0" indent="0" algn="l" rtl="0">
                         <a:spcBef>
                           <a:spcPts val="0"/>
                         </a:spcBef>
@@ -9719,14 +9953,14 @@
                       </a:endParaRPr>
                     </a:p>
                   </a:txBody>
-                  <a:tcPr marT="91425" marB="91425" marR="91425" marL="91425"/>
+                  <a:tcPr marL="91425" marR="91425" marT="91425" marB="91425"/>
                 </a:tc>
                 <a:tc>
                   <a:txBody>
                     <a:bodyPr/>
                     <a:lstStyle/>
                     <a:p>
-                      <a:pPr indent="0" lvl="0" marL="0" rtl="0" algn="l">
+                      <a:pPr marL="0" lvl="0" indent="0" algn="l" rtl="0">
                         <a:spcBef>
                           <a:spcPts val="0"/>
                         </a:spcBef>
@@ -9755,8 +9989,13 @@
                       </a:endParaRPr>
                     </a:p>
                   </a:txBody>
-                  <a:tcPr marT="91425" marB="91425" marR="91425" marL="91425"/>
+                  <a:tcPr marL="91425" marR="91425" marT="91425" marB="91425"/>
                 </a:tc>
+                <a:extLst>
+                  <a:ext uri="{0D108BD9-81ED-4DB2-BD59-A6C34878D82A}">
+                    <a16:rowId xmlns:a16="http://schemas.microsoft.com/office/drawing/2014/main" val="10000"/>
+                  </a:ext>
+                </a:extLst>
               </a:tr>
               <a:tr h="402875">
                 <a:tc>
@@ -9764,7 +10003,7 @@
                     <a:bodyPr/>
                     <a:lstStyle/>
                     <a:p>
-                      <a:pPr indent="0" lvl="0" marL="0" rtl="0" algn="l">
+                      <a:pPr marL="0" lvl="0" indent="0" algn="l" rtl="0">
                         <a:spcBef>
                           <a:spcPts val="0"/>
                         </a:spcBef>
@@ -9788,14 +10027,14 @@
                       </a:endParaRPr>
                     </a:p>
                   </a:txBody>
-                  <a:tcPr marT="91425" marB="91425" marR="91425" marL="91425"/>
+                  <a:tcPr marL="91425" marR="91425" marT="91425" marB="91425"/>
                 </a:tc>
                 <a:tc>
                   <a:txBody>
                     <a:bodyPr/>
                     <a:lstStyle/>
                     <a:p>
-                      <a:pPr indent="0" lvl="0" marL="0" rtl="0" algn="l">
+                      <a:pPr marL="0" lvl="0" indent="0" algn="l" rtl="0">
                         <a:spcBef>
                           <a:spcPts val="0"/>
                         </a:spcBef>
@@ -9819,14 +10058,14 @@
                       </a:endParaRPr>
                     </a:p>
                   </a:txBody>
-                  <a:tcPr marT="91425" marB="91425" marR="91425" marL="91425"/>
+                  <a:tcPr marL="91425" marR="91425" marT="91425" marB="91425"/>
                 </a:tc>
                 <a:tc>
                   <a:txBody>
                     <a:bodyPr/>
                     <a:lstStyle/>
                     <a:p>
-                      <a:pPr indent="0" lvl="0" marL="0" rtl="0" algn="l">
+                      <a:pPr marL="0" lvl="0" indent="0" algn="l" rtl="0">
                         <a:spcBef>
                           <a:spcPts val="0"/>
                         </a:spcBef>
@@ -9850,14 +10089,14 @@
                       </a:endParaRPr>
                     </a:p>
                   </a:txBody>
-                  <a:tcPr marT="91425" marB="91425" marR="91425" marL="91425"/>
+                  <a:tcPr marL="91425" marR="91425" marT="91425" marB="91425"/>
                 </a:tc>
                 <a:tc>
                   <a:txBody>
                     <a:bodyPr/>
                     <a:lstStyle/>
                     <a:p>
-                      <a:pPr indent="0" lvl="0" marL="0" rtl="0" algn="l">
+                      <a:pPr marL="0" lvl="0" indent="0" algn="l" rtl="0">
                         <a:spcBef>
                           <a:spcPts val="0"/>
                         </a:spcBef>
@@ -9881,8 +10120,13 @@
                       </a:endParaRPr>
                     </a:p>
                   </a:txBody>
-                  <a:tcPr marT="91425" marB="91425" marR="91425" marL="91425"/>
+                  <a:tcPr marL="91425" marR="91425" marT="91425" marB="91425"/>
                 </a:tc>
+                <a:extLst>
+                  <a:ext uri="{0D108BD9-81ED-4DB2-BD59-A6C34878D82A}">
+                    <a16:rowId xmlns:a16="http://schemas.microsoft.com/office/drawing/2014/main" val="10001"/>
+                  </a:ext>
+                </a:extLst>
               </a:tr>
               <a:tr h="402875">
                 <a:tc>
@@ -9890,7 +10134,7 @@
                     <a:bodyPr/>
                     <a:lstStyle/>
                     <a:p>
-                      <a:pPr indent="0" lvl="0" marL="0" rtl="0" algn="l">
+                      <a:pPr marL="0" lvl="0" indent="0" algn="l" rtl="0">
                         <a:spcBef>
                           <a:spcPts val="0"/>
                         </a:spcBef>
@@ -9914,14 +10158,14 @@
                       </a:endParaRPr>
                     </a:p>
                   </a:txBody>
-                  <a:tcPr marT="91425" marB="91425" marR="91425" marL="91425"/>
+                  <a:tcPr marL="91425" marR="91425" marT="91425" marB="91425"/>
                 </a:tc>
                 <a:tc>
                   <a:txBody>
                     <a:bodyPr/>
                     <a:lstStyle/>
                     <a:p>
-                      <a:pPr indent="0" lvl="0" marL="0" rtl="0" algn="l">
+                      <a:pPr marL="0" lvl="0" indent="0" algn="l" rtl="0">
                         <a:spcBef>
                           <a:spcPts val="0"/>
                         </a:spcBef>
@@ -9945,14 +10189,14 @@
                       </a:endParaRPr>
                     </a:p>
                   </a:txBody>
-                  <a:tcPr marT="91425" marB="91425" marR="91425" marL="91425"/>
+                  <a:tcPr marL="91425" marR="91425" marT="91425" marB="91425"/>
                 </a:tc>
                 <a:tc>
                   <a:txBody>
                     <a:bodyPr/>
                     <a:lstStyle/>
                     <a:p>
-                      <a:pPr indent="0" lvl="0" marL="0" rtl="0" algn="l">
+                      <a:pPr marL="0" lvl="0" indent="0" algn="l" rtl="0">
                         <a:spcBef>
                           <a:spcPts val="0"/>
                         </a:spcBef>
@@ -9976,14 +10220,14 @@
                       </a:endParaRPr>
                     </a:p>
                   </a:txBody>
-                  <a:tcPr marT="91425" marB="91425" marR="91425" marL="91425"/>
+                  <a:tcPr marL="91425" marR="91425" marT="91425" marB="91425"/>
                 </a:tc>
                 <a:tc>
                   <a:txBody>
                     <a:bodyPr/>
                     <a:lstStyle/>
                     <a:p>
-                      <a:pPr indent="0" lvl="0" marL="0" rtl="0" algn="l">
+                      <a:pPr marL="0" lvl="0" indent="0" algn="l" rtl="0">
                         <a:spcBef>
                           <a:spcPts val="0"/>
                         </a:spcBef>
@@ -10007,8 +10251,13 @@
                       </a:endParaRPr>
                     </a:p>
                   </a:txBody>
-                  <a:tcPr marT="91425" marB="91425" marR="91425" marL="91425"/>
+                  <a:tcPr marL="91425" marR="91425" marT="91425" marB="91425"/>
                 </a:tc>
+                <a:extLst>
+                  <a:ext uri="{0D108BD9-81ED-4DB2-BD59-A6C34878D82A}">
+                    <a16:rowId xmlns:a16="http://schemas.microsoft.com/office/drawing/2014/main" val="10002"/>
+                  </a:ext>
+                </a:extLst>
               </a:tr>
               <a:tr h="402875">
                 <a:tc>
@@ -10016,7 +10265,7 @@
                     <a:bodyPr/>
                     <a:lstStyle/>
                     <a:p>
-                      <a:pPr indent="0" lvl="0" marL="0" rtl="0" algn="l">
+                      <a:pPr marL="0" lvl="0" indent="0" algn="l" rtl="0">
                         <a:spcBef>
                           <a:spcPts val="0"/>
                         </a:spcBef>
@@ -10041,14 +10290,14 @@
                       <a:endParaRPr/>
                     </a:p>
                   </a:txBody>
-                  <a:tcPr marT="91425" marB="91425" marR="91425" marL="91425"/>
+                  <a:tcPr marL="91425" marR="91425" marT="91425" marB="91425"/>
                 </a:tc>
                 <a:tc>
                   <a:txBody>
                     <a:bodyPr/>
                     <a:lstStyle/>
                     <a:p>
-                      <a:pPr indent="0" lvl="0" marL="0" rtl="0" algn="l">
+                      <a:pPr marL="0" lvl="0" indent="0" algn="l" rtl="0">
                         <a:spcBef>
                           <a:spcPts val="0"/>
                         </a:spcBef>
@@ -10072,14 +10321,14 @@
                       </a:endParaRPr>
                     </a:p>
                   </a:txBody>
-                  <a:tcPr marT="91425" marB="91425" marR="91425" marL="91425"/>
+                  <a:tcPr marL="91425" marR="91425" marT="91425" marB="91425"/>
                 </a:tc>
                 <a:tc>
                   <a:txBody>
                     <a:bodyPr/>
                     <a:lstStyle/>
                     <a:p>
-                      <a:pPr indent="0" lvl="0" marL="0" rtl="0" algn="l">
+                      <a:pPr marL="0" lvl="0" indent="0" algn="l" rtl="0">
                         <a:spcBef>
                           <a:spcPts val="0"/>
                         </a:spcBef>
@@ -10103,14 +10352,14 @@
                       </a:endParaRPr>
                     </a:p>
                   </a:txBody>
-                  <a:tcPr marT="91425" marB="91425" marR="91425" marL="91425"/>
+                  <a:tcPr marL="91425" marR="91425" marT="91425" marB="91425"/>
                 </a:tc>
                 <a:tc>
                   <a:txBody>
                     <a:bodyPr/>
                     <a:lstStyle/>
                     <a:p>
-                      <a:pPr indent="0" lvl="0" marL="0" rtl="0" algn="l">
+                      <a:pPr marL="0" lvl="0" indent="0" algn="l" rtl="0">
                         <a:spcBef>
                           <a:spcPts val="0"/>
                         </a:spcBef>
@@ -10134,8 +10383,13 @@
                       </a:endParaRPr>
                     </a:p>
                   </a:txBody>
-                  <a:tcPr marT="91425" marB="91425" marR="91425" marL="91425"/>
+                  <a:tcPr marL="91425" marR="91425" marT="91425" marB="91425"/>
                 </a:tc>
+                <a:extLst>
+                  <a:ext uri="{0D108BD9-81ED-4DB2-BD59-A6C34878D82A}">
+                    <a16:rowId xmlns:a16="http://schemas.microsoft.com/office/drawing/2014/main" val="10003"/>
+                  </a:ext>
+                </a:extLst>
               </a:tr>
               <a:tr h="619825">
                 <a:tc>
@@ -10143,7 +10397,7 @@
                     <a:bodyPr/>
                     <a:lstStyle/>
                     <a:p>
-                      <a:pPr indent="0" lvl="0" marL="0" rtl="0" algn="l">
+                      <a:pPr marL="0" lvl="0" indent="0" algn="l" rtl="0">
                         <a:spcBef>
                           <a:spcPts val="0"/>
                         </a:spcBef>
@@ -10168,14 +10422,14 @@
                       <a:endParaRPr/>
                     </a:p>
                   </a:txBody>
-                  <a:tcPr marT="91425" marB="91425" marR="91425" marL="91425"/>
+                  <a:tcPr marL="91425" marR="91425" marT="91425" marB="91425"/>
                 </a:tc>
                 <a:tc>
                   <a:txBody>
                     <a:bodyPr/>
                     <a:lstStyle/>
                     <a:p>
-                      <a:pPr indent="0" lvl="0" marL="0" rtl="0" algn="l">
+                      <a:pPr marL="0" lvl="0" indent="0" algn="l" rtl="0">
                         <a:spcBef>
                           <a:spcPts val="0"/>
                         </a:spcBef>
@@ -10199,14 +10453,14 @@
                       </a:endParaRPr>
                     </a:p>
                   </a:txBody>
-                  <a:tcPr marT="91425" marB="91425" marR="91425" marL="91425"/>
+                  <a:tcPr marL="91425" marR="91425" marT="91425" marB="91425"/>
                 </a:tc>
                 <a:tc>
                   <a:txBody>
                     <a:bodyPr/>
                     <a:lstStyle/>
                     <a:p>
-                      <a:pPr indent="0" lvl="0" marL="0" rtl="0" algn="l">
+                      <a:pPr marL="0" lvl="0" indent="0" algn="l" rtl="0">
                         <a:spcBef>
                           <a:spcPts val="0"/>
                         </a:spcBef>
@@ -10230,14 +10484,14 @@
                       </a:endParaRPr>
                     </a:p>
                   </a:txBody>
-                  <a:tcPr marT="91425" marB="91425" marR="91425" marL="91425"/>
+                  <a:tcPr marL="91425" marR="91425" marT="91425" marB="91425"/>
                 </a:tc>
                 <a:tc>
                   <a:txBody>
                     <a:bodyPr/>
                     <a:lstStyle/>
                     <a:p>
-                      <a:pPr indent="0" lvl="0" marL="0" rtl="0" algn="l">
+                      <a:pPr marL="0" lvl="0" indent="0" algn="l" rtl="0">
                         <a:spcBef>
                           <a:spcPts val="0"/>
                         </a:spcBef>
@@ -10261,8 +10515,13 @@
                       </a:endParaRPr>
                     </a:p>
                   </a:txBody>
-                  <a:tcPr marT="91425" marB="91425" marR="91425" marL="91425"/>
+                  <a:tcPr marL="91425" marR="91425" marT="91425" marB="91425"/>
                 </a:tc>
+                <a:extLst>
+                  <a:ext uri="{0D108BD9-81ED-4DB2-BD59-A6C34878D82A}">
+                    <a16:rowId xmlns:a16="http://schemas.microsoft.com/office/drawing/2014/main" val="10004"/>
+                  </a:ext>
+                </a:extLst>
               </a:tr>
             </a:tbl>
           </a:graphicData>
@@ -10277,11 +10536,11 @@
 </file>
 
 <file path=ppt/slides/slide6.xml><?xml version="1.0" encoding="utf-8"?>
-<p:sld xmlns:a="http://schemas.openxmlformats.org/drawingml/2006/main" xmlns:r="http://schemas.openxmlformats.org/officeDocument/2006/relationships" xmlns:mc="http://schemas.openxmlformats.org/markup-compatibility/2006" xmlns:mv="urn:schemas-microsoft-com:mac:vml" xmlns:p="http://schemas.openxmlformats.org/presentationml/2006/main" xmlns:c="http://schemas.openxmlformats.org/drawingml/2006/chart" xmlns:dgm="http://schemas.openxmlformats.org/drawingml/2006/diagram" xmlns:o="urn:schemas-microsoft-com:office:office" xmlns:v="urn:schemas-microsoft-com:vml" xmlns:pvml="urn:schemas-microsoft-com:office:powerpoint" xmlns:com="http://schemas.openxmlformats.org/drawingml/2006/compatibility" xmlns:p14="http://schemas.microsoft.com/office/powerpoint/2010/main" xmlns:p15="http://schemas.microsoft.com/office/powerpoint/2012/main" xmlns:ahyp="http://schemas.microsoft.com/office/drawing/2018/hyperlinkcolor">
+<p:sld xmlns:a="http://schemas.openxmlformats.org/drawingml/2006/main" xmlns:r="http://schemas.openxmlformats.org/officeDocument/2006/relationships" xmlns:p="http://schemas.openxmlformats.org/presentationml/2006/main">
   <p:cSld>
     <p:spTree>
       <p:nvGrpSpPr>
-        <p:cNvPr id="107" name="Shape 107"/>
+        <p:cNvPr id="1" name="Shape 107"/>
         <p:cNvGrpSpPr/>
         <p:nvPr/>
       </p:nvGrpSpPr>
@@ -10296,7 +10555,9 @@
       <p:sp>
         <p:nvSpPr>
           <p:cNvPr id="108" name="Google Shape;108;p18"/>
-          <p:cNvSpPr txBox="1"/>
+          <p:cNvSpPr txBox="1">
+            <a:spLocks noGrp="1"/>
+          </p:cNvSpPr>
           <p:nvPr>
             <p:ph type="title"/>
           </p:nvPr>
@@ -10311,12 +10572,12 @@
           </a:prstGeom>
         </p:spPr>
         <p:txBody>
-          <a:bodyPr anchorCtr="0" anchor="t" bIns="91425" lIns="91425" spcFirstLastPara="1" rIns="91425" wrap="square" tIns="91425">
+          <a:bodyPr spcFirstLastPara="1" wrap="square" lIns="91425" tIns="91425" rIns="91425" bIns="91425" anchor="t" anchorCtr="0">
             <a:noAutofit/>
           </a:bodyPr>
           <a:lstStyle/>
           <a:p>
-            <a:pPr indent="0" lvl="0" marL="0" rtl="0" algn="l">
+            <a:pPr marL="0" lvl="0" indent="0" algn="l" rtl="0">
               <a:spcBef>
                 <a:spcPts val="0"/>
               </a:spcBef>
@@ -10340,7 +10601,7 @@
             <a:endParaRPr/>
           </a:p>
           <a:p>
-            <a:pPr indent="0" lvl="0" marL="0" rtl="0" algn="l">
+            <a:pPr marL="0" lvl="0" indent="0" algn="l" rtl="0">
               <a:spcBef>
                 <a:spcPts val="1000"/>
               </a:spcBef>
@@ -10349,10 +10610,7 @@
               </a:spcAft>
               <a:buNone/>
             </a:pPr>
-            <a:r>
-              <a:t/>
-            </a:r>
-            <a:endParaRPr b="0" sz="2400"/>
+            <a:endParaRPr sz="2400" b="0"/>
           </a:p>
         </p:txBody>
       </p:sp>
@@ -10376,12 +10634,12 @@
           </a:ln>
         </p:spPr>
         <p:txBody>
-          <a:bodyPr anchorCtr="0" anchor="t" bIns="91425" lIns="91425" spcFirstLastPara="1" rIns="91425" wrap="square" tIns="91425">
+          <a:bodyPr spcFirstLastPara="1" wrap="square" lIns="91425" tIns="91425" rIns="91425" bIns="91425" anchor="t" anchorCtr="0">
             <a:spAutoFit/>
           </a:bodyPr>
           <a:lstStyle/>
           <a:p>
-            <a:pPr indent="-317500" lvl="0" marL="457200" rtl="0" algn="l">
+            <a:pPr marL="457200" lvl="0" indent="-317500" algn="l" rtl="0">
               <a:spcBef>
                 <a:spcPts val="0"/>
               </a:spcBef>
@@ -10418,7 +10676,7 @@
             </a:endParaRPr>
           </a:p>
           <a:p>
-            <a:pPr indent="-317500" lvl="0" marL="457200" rtl="0" algn="l">
+            <a:pPr marL="457200" lvl="0" indent="-317500" algn="l" rtl="0">
               <a:spcBef>
                 <a:spcPts val="0"/>
               </a:spcBef>
@@ -10455,7 +10713,7 @@
             </a:endParaRPr>
           </a:p>
           <a:p>
-            <a:pPr indent="0" lvl="0" marL="0" rtl="0" algn="l">
+            <a:pPr marL="0" lvl="0" indent="0" algn="l" rtl="0">
               <a:spcBef>
                 <a:spcPts val="0"/>
               </a:spcBef>
@@ -10464,9 +10722,6 @@
               </a:spcAft>
               <a:buNone/>
             </a:pPr>
-            <a:r>
-              <a:t/>
-            </a:r>
             <a:endParaRPr>
               <a:solidFill>
                 <a:schemeClr val="lt1"/>
@@ -10516,11 +10771,11 @@
 </file>
 
 <file path=ppt/slides/slide7.xml><?xml version="1.0" encoding="utf-8"?>
-<p:sld xmlns:a="http://schemas.openxmlformats.org/drawingml/2006/main" xmlns:r="http://schemas.openxmlformats.org/officeDocument/2006/relationships" xmlns:mc="http://schemas.openxmlformats.org/markup-compatibility/2006" xmlns:mv="urn:schemas-microsoft-com:mac:vml" xmlns:p="http://schemas.openxmlformats.org/presentationml/2006/main" xmlns:c="http://schemas.openxmlformats.org/drawingml/2006/chart" xmlns:dgm="http://schemas.openxmlformats.org/drawingml/2006/diagram" xmlns:o="urn:schemas-microsoft-com:office:office" xmlns:v="urn:schemas-microsoft-com:vml" xmlns:pvml="urn:schemas-microsoft-com:office:powerpoint" xmlns:com="http://schemas.openxmlformats.org/drawingml/2006/compatibility" xmlns:p14="http://schemas.microsoft.com/office/powerpoint/2010/main" xmlns:p15="http://schemas.microsoft.com/office/powerpoint/2012/main" xmlns:ahyp="http://schemas.microsoft.com/office/drawing/2018/hyperlinkcolor">
+<p:sld xmlns:a="http://schemas.openxmlformats.org/drawingml/2006/main" xmlns:r="http://schemas.openxmlformats.org/officeDocument/2006/relationships" xmlns:p="http://schemas.openxmlformats.org/presentationml/2006/main">
   <p:cSld>
     <p:spTree>
       <p:nvGrpSpPr>
-        <p:cNvPr id="114" name="Shape 114"/>
+        <p:cNvPr id="1" name="Shape 114"/>
         <p:cNvGrpSpPr/>
         <p:nvPr/>
       </p:nvGrpSpPr>
@@ -10535,7 +10790,9 @@
       <p:sp>
         <p:nvSpPr>
           <p:cNvPr id="115" name="Google Shape;115;p19"/>
-          <p:cNvSpPr txBox="1"/>
+          <p:cNvSpPr txBox="1">
+            <a:spLocks noGrp="1"/>
+          </p:cNvSpPr>
           <p:nvPr>
             <p:ph type="title"/>
           </p:nvPr>
@@ -10550,12 +10807,12 @@
           </a:prstGeom>
         </p:spPr>
         <p:txBody>
-          <a:bodyPr anchorCtr="0" anchor="ctr" bIns="91425" lIns="91425" spcFirstLastPara="1" rIns="91425" wrap="square" tIns="91425">
+          <a:bodyPr spcFirstLastPara="1" wrap="square" lIns="91425" tIns="91425" rIns="91425" bIns="91425" anchor="ctr" anchorCtr="0">
             <a:noAutofit/>
           </a:bodyPr>
           <a:lstStyle/>
           <a:p>
-            <a:pPr indent="0" lvl="0" marL="0" rtl="0" algn="l">
+            <a:pPr marL="0" lvl="0" indent="0" algn="l" rtl="0">
               <a:spcBef>
                 <a:spcPts val="0"/>
               </a:spcBef>
@@ -10663,23 +10920,23 @@
             <a:avLst/>
           </a:prstGeom>
           <a:noFill/>
-          <a:ln cap="flat" cmpd="sng" w="38100">
+          <a:ln w="38100" cap="flat" cmpd="sng">
             <a:solidFill>
               <a:schemeClr val="dk1"/>
             </a:solidFill>
             <a:prstDash val="solid"/>
             <a:round/>
-            <a:headEnd len="sm" w="sm" type="none"/>
-            <a:tailEnd len="sm" w="sm" type="none"/>
+            <a:headEnd type="none" w="sm" len="sm"/>
+            <a:tailEnd type="none" w="sm" len="sm"/>
           </a:ln>
         </p:spPr>
         <p:txBody>
-          <a:bodyPr anchorCtr="0" anchor="ctr" bIns="91425" lIns="91425" spcFirstLastPara="1" rIns="91425" wrap="square" tIns="91425">
+          <a:bodyPr spcFirstLastPara="1" wrap="square" lIns="91425" tIns="91425" rIns="91425" bIns="91425" anchor="ctr" anchorCtr="0">
             <a:noAutofit/>
           </a:bodyPr>
           <a:lstStyle/>
           <a:p>
-            <a:pPr indent="0" lvl="0" marL="0" rtl="0" algn="l">
+            <a:pPr marL="0" lvl="0" indent="0" algn="l" rtl="0">
               <a:spcBef>
                 <a:spcPts val="0"/>
               </a:spcBef>
@@ -10688,9 +10945,6 @@
               </a:spcAft>
               <a:buNone/>
             </a:pPr>
-            <a:r>
-              <a:t/>
-            </a:r>
             <a:endParaRPr/>
           </a:p>
         </p:txBody>
@@ -10715,12 +10969,12 @@
           </a:ln>
         </p:spPr>
         <p:txBody>
-          <a:bodyPr anchorCtr="0" anchor="t" bIns="91425" lIns="91425" spcFirstLastPara="1" rIns="91425" wrap="square" tIns="91425">
+          <a:bodyPr spcFirstLastPara="1" wrap="square" lIns="91425" tIns="91425" rIns="91425" bIns="91425" anchor="t" anchorCtr="0">
             <a:spAutoFit/>
           </a:bodyPr>
           <a:lstStyle/>
           <a:p>
-            <a:pPr indent="0" lvl="0" marL="0" rtl="0" algn="l">
+            <a:pPr marL="0" lvl="0" indent="0" algn="l" rtl="0">
               <a:lnSpc>
                 <a:spcPct val="135714"/>
               </a:lnSpc>
@@ -10738,7 +10992,7 @@
               <a:buNone/>
             </a:pPr>
             <a:r>
-              <a:rPr b="1" lang="en" sz="1050">
+              <a:rPr lang="en" sz="1050" b="1">
                 <a:solidFill>
                   <a:srgbClr val="569CD6"/>
                 </a:solidFill>
@@ -10752,7 +11006,7 @@
               </a:rPr>
               <a:t>Klasifikacija EMINIST seta</a:t>
             </a:r>
-            <a:endParaRPr b="1" sz="1050">
+            <a:endParaRPr sz="1050" b="1">
               <a:solidFill>
                 <a:srgbClr val="569CD6"/>
               </a:solidFill>
@@ -10766,7 +11020,7 @@
             </a:endParaRPr>
           </a:p>
           <a:p>
-            <a:pPr indent="0" lvl="0" marL="0" rtl="0" algn="l">
+            <a:pPr marL="0" lvl="0" indent="0" algn="l" rtl="0">
               <a:spcBef>
                 <a:spcPts val="0"/>
               </a:spcBef>
@@ -10793,62 +11047,6 @@
           </a:p>
         </p:txBody>
       </p:sp>
-      <p:pic>
-        <p:nvPicPr>
-          <p:cNvPr id="120" name="Google Shape;120;p19"/>
-          <p:cNvPicPr preferRelativeResize="0"/>
-          <p:nvPr/>
-        </p:nvPicPr>
-        <p:blipFill>
-          <a:blip r:embed="rId5">
-            <a:alphaModFix/>
-          </a:blip>
-          <a:stretch>
-            <a:fillRect/>
-          </a:stretch>
-        </p:blipFill>
-        <p:spPr>
-          <a:xfrm>
-            <a:off x="72425" y="4370493"/>
-            <a:ext cx="4223999" cy="693957"/>
-          </a:xfrm>
-          <a:prstGeom prst="rect">
-            <a:avLst/>
-          </a:prstGeom>
-          <a:noFill/>
-          <a:ln>
-            <a:noFill/>
-          </a:ln>
-        </p:spPr>
-      </p:pic>
-      <p:pic>
-        <p:nvPicPr>
-          <p:cNvPr id="121" name="Google Shape;121;p19"/>
-          <p:cNvPicPr preferRelativeResize="0"/>
-          <p:nvPr/>
-        </p:nvPicPr>
-        <p:blipFill>
-          <a:blip r:embed="rId6">
-            <a:alphaModFix/>
-          </a:blip>
-          <a:stretch>
-            <a:fillRect/>
-          </a:stretch>
-        </p:blipFill>
-        <p:spPr>
-          <a:xfrm>
-            <a:off x="66515" y="3515800"/>
-            <a:ext cx="4221114" cy="619500"/>
-          </a:xfrm>
-          <a:prstGeom prst="rect">
-            <a:avLst/>
-          </a:prstGeom>
-          <a:noFill/>
-          <a:ln>
-            <a:noFill/>
-          </a:ln>
-        </p:spPr>
-      </p:pic>
       <p:sp>
         <p:nvSpPr>
           <p:cNvPr id="122" name="Google Shape;122;p19"/>
@@ -10869,12 +11067,12 @@
           </a:ln>
         </p:spPr>
         <p:txBody>
-          <a:bodyPr anchorCtr="0" anchor="t" bIns="91425" lIns="91425" spcFirstLastPara="1" rIns="91425" wrap="square" tIns="91425">
+          <a:bodyPr spcFirstLastPara="1" wrap="square" lIns="91425" tIns="91425" rIns="91425" bIns="91425" anchor="t" anchorCtr="0">
             <a:spAutoFit/>
           </a:bodyPr>
           <a:lstStyle/>
           <a:p>
-            <a:pPr indent="0" lvl="0" marL="0" rtl="0" algn="l">
+            <a:pPr marL="0" lvl="0" indent="0" algn="l" rtl="0">
               <a:spcBef>
                 <a:spcPts val="0"/>
               </a:spcBef>
@@ -10916,23 +11114,23 @@
             <a:avLst/>
           </a:prstGeom>
           <a:noFill/>
-          <a:ln cap="flat" cmpd="sng" w="38100">
+          <a:ln w="38100" cap="flat" cmpd="sng">
             <a:solidFill>
               <a:schemeClr val="dk1"/>
             </a:solidFill>
             <a:prstDash val="solid"/>
             <a:round/>
-            <a:headEnd len="sm" w="sm" type="none"/>
-            <a:tailEnd len="sm" w="sm" type="none"/>
+            <a:headEnd type="none" w="sm" len="sm"/>
+            <a:tailEnd type="none" w="sm" len="sm"/>
           </a:ln>
         </p:spPr>
         <p:txBody>
-          <a:bodyPr anchorCtr="0" anchor="ctr" bIns="91425" lIns="91425" spcFirstLastPara="1" rIns="91425" wrap="square" tIns="91425">
+          <a:bodyPr spcFirstLastPara="1" wrap="square" lIns="91425" tIns="91425" rIns="91425" bIns="91425" anchor="ctr" anchorCtr="0">
             <a:noAutofit/>
           </a:bodyPr>
           <a:lstStyle/>
           <a:p>
-            <a:pPr indent="0" lvl="0" marL="0" rtl="0" algn="l">
+            <a:pPr marL="0" lvl="0" indent="0" algn="l" rtl="0">
               <a:spcBef>
                 <a:spcPts val="0"/>
               </a:spcBef>
@@ -10941,9 +11139,6 @@
               </a:spcAft>
               <a:buNone/>
             </a:pPr>
-            <a:r>
-              <a:t/>
-            </a:r>
             <a:endParaRPr/>
           </a:p>
         </p:txBody>
@@ -10963,23 +11158,23 @@
             <a:avLst/>
           </a:prstGeom>
           <a:noFill/>
-          <a:ln cap="flat" cmpd="sng" w="38100">
+          <a:ln w="38100" cap="flat" cmpd="sng">
             <a:solidFill>
               <a:schemeClr val="dk1"/>
             </a:solidFill>
             <a:prstDash val="solid"/>
             <a:round/>
-            <a:headEnd len="sm" w="sm" type="none"/>
-            <a:tailEnd len="sm" w="sm" type="none"/>
+            <a:headEnd type="none" w="sm" len="sm"/>
+            <a:tailEnd type="none" w="sm" len="sm"/>
           </a:ln>
         </p:spPr>
         <p:txBody>
-          <a:bodyPr anchorCtr="0" anchor="ctr" bIns="91425" lIns="91425" spcFirstLastPara="1" rIns="91425" wrap="square" tIns="91425">
+          <a:bodyPr spcFirstLastPara="1" wrap="square" lIns="91425" tIns="91425" rIns="91425" bIns="91425" anchor="ctr" anchorCtr="0">
             <a:noAutofit/>
           </a:bodyPr>
           <a:lstStyle/>
           <a:p>
-            <a:pPr indent="0" lvl="0" marL="0" rtl="0" algn="l">
+            <a:pPr marL="0" lvl="0" indent="0" algn="l" rtl="0">
               <a:spcBef>
                 <a:spcPts val="0"/>
               </a:spcBef>
@@ -10988,13 +11183,70 @@
               </a:spcAft>
               <a:buNone/>
             </a:pPr>
-            <a:r>
-              <a:t/>
-            </a:r>
             <a:endParaRPr/>
           </a:p>
         </p:txBody>
       </p:sp>
+      <p:pic>
+        <p:nvPicPr>
+          <p:cNvPr id="3" name="Picture 2">
+            <a:extLst>
+              <a:ext uri="{FF2B5EF4-FFF2-40B4-BE49-F238E27FC236}">
+                <a16:creationId xmlns:a16="http://schemas.microsoft.com/office/drawing/2014/main" id="{6B63A203-357F-4703-B099-2B7991054154}"/>
+              </a:ext>
+            </a:extLst>
+          </p:cNvPr>
+          <p:cNvPicPr>
+            <a:picLocks noChangeAspect="1"/>
+          </p:cNvPicPr>
+          <p:nvPr/>
+        </p:nvPicPr>
+        <p:blipFill>
+          <a:blip r:embed="rId5"/>
+          <a:stretch>
+            <a:fillRect/>
+          </a:stretch>
+        </p:blipFill>
+        <p:spPr>
+          <a:xfrm>
+            <a:off x="148549" y="3564636"/>
+            <a:ext cx="4169052" cy="505340"/>
+          </a:xfrm>
+          <a:prstGeom prst="rect">
+            <a:avLst/>
+          </a:prstGeom>
+        </p:spPr>
+      </p:pic>
+      <p:pic>
+        <p:nvPicPr>
+          <p:cNvPr id="5" name="Picture 4">
+            <a:extLst>
+              <a:ext uri="{FF2B5EF4-FFF2-40B4-BE49-F238E27FC236}">
+                <a16:creationId xmlns:a16="http://schemas.microsoft.com/office/drawing/2014/main" id="{F39EA35D-FA49-42C3-96D7-6E71C49EA131}"/>
+              </a:ext>
+            </a:extLst>
+          </p:cNvPr>
+          <p:cNvPicPr>
+            <a:picLocks noChangeAspect="1"/>
+          </p:cNvPicPr>
+          <p:nvPr/>
+        </p:nvPicPr>
+        <p:blipFill>
+          <a:blip r:embed="rId6"/>
+          <a:stretch>
+            <a:fillRect/>
+          </a:stretch>
+        </p:blipFill>
+        <p:spPr>
+          <a:xfrm>
+            <a:off x="139584" y="4410190"/>
+            <a:ext cx="3921428" cy="546429"/>
+          </a:xfrm>
+          <a:prstGeom prst="rect">
+            <a:avLst/>
+          </a:prstGeom>
+        </p:spPr>
+      </p:pic>
     </p:spTree>
   </p:cSld>
   <p:clrMapOvr>
@@ -11004,11 +11256,11 @@
 </file>
 
 <file path=ppt/slides/slide8.xml><?xml version="1.0" encoding="utf-8"?>
-<p:sld xmlns:a="http://schemas.openxmlformats.org/drawingml/2006/main" xmlns:r="http://schemas.openxmlformats.org/officeDocument/2006/relationships" xmlns:mc="http://schemas.openxmlformats.org/markup-compatibility/2006" xmlns:mv="urn:schemas-microsoft-com:mac:vml" xmlns:p="http://schemas.openxmlformats.org/presentationml/2006/main" xmlns:c="http://schemas.openxmlformats.org/drawingml/2006/chart" xmlns:dgm="http://schemas.openxmlformats.org/drawingml/2006/diagram" xmlns:o="urn:schemas-microsoft-com:office:office" xmlns:v="urn:schemas-microsoft-com:vml" xmlns:pvml="urn:schemas-microsoft-com:office:powerpoint" xmlns:com="http://schemas.openxmlformats.org/drawingml/2006/compatibility" xmlns:p14="http://schemas.microsoft.com/office/powerpoint/2010/main" xmlns:p15="http://schemas.microsoft.com/office/powerpoint/2012/main" xmlns:ahyp="http://schemas.microsoft.com/office/drawing/2018/hyperlinkcolor">
+<p:sld xmlns:a="http://schemas.openxmlformats.org/drawingml/2006/main" xmlns:r="http://schemas.openxmlformats.org/officeDocument/2006/relationships" xmlns:p="http://schemas.openxmlformats.org/presentationml/2006/main">
   <p:cSld>
     <p:spTree>
       <p:nvGrpSpPr>
-        <p:cNvPr id="128" name="Shape 128"/>
+        <p:cNvPr id="1" name="Shape 128"/>
         <p:cNvGrpSpPr/>
         <p:nvPr/>
       </p:nvGrpSpPr>
@@ -11023,7 +11275,9 @@
       <p:sp>
         <p:nvSpPr>
           <p:cNvPr id="129" name="Google Shape;129;p20"/>
-          <p:cNvSpPr txBox="1"/>
+          <p:cNvSpPr txBox="1">
+            <a:spLocks noGrp="1"/>
+          </p:cNvSpPr>
           <p:nvPr>
             <p:ph type="title"/>
           </p:nvPr>
@@ -11038,12 +11292,12 @@
           </a:prstGeom>
         </p:spPr>
         <p:txBody>
-          <a:bodyPr anchorCtr="0" anchor="t" bIns="91425" lIns="91425" spcFirstLastPara="1" rIns="91425" wrap="square" tIns="91425">
+          <a:bodyPr spcFirstLastPara="1" wrap="square" lIns="91425" tIns="91425" rIns="91425" bIns="91425" anchor="t" anchorCtr="0">
             <a:noAutofit/>
           </a:bodyPr>
           <a:lstStyle/>
           <a:p>
-            <a:pPr indent="0" lvl="0" marL="0" rtl="0" algn="l">
+            <a:pPr marL="0" lvl="0" indent="0" algn="l" rtl="0">
               <a:spcBef>
                 <a:spcPts val="0"/>
               </a:spcBef>
@@ -11086,8 +11340,20 @@
                 <a:tableStyleId>{75D4A3C8-3C69-4A29-A4CA-F85FD83D8C0D}</a:tableStyleId>
               </a:tblPr>
               <a:tblGrid>
-                <a:gridCol w="1493025"/>
-                <a:gridCol w="1129775"/>
+                <a:gridCol w="1493025">
+                  <a:extLst>
+                    <a:ext uri="{9D8B030D-6E8A-4147-A177-3AD203B41FA5}">
+                      <a16:colId xmlns:a16="http://schemas.microsoft.com/office/drawing/2014/main" val="20000"/>
+                    </a:ext>
+                  </a:extLst>
+                </a:gridCol>
+                <a:gridCol w="1129775">
+                  <a:extLst>
+                    <a:ext uri="{9D8B030D-6E8A-4147-A177-3AD203B41FA5}">
+                      <a16:colId xmlns:a16="http://schemas.microsoft.com/office/drawing/2014/main" val="20001"/>
+                    </a:ext>
+                  </a:extLst>
+                </a:gridCol>
               </a:tblGrid>
               <a:tr h="591975">
                 <a:tc>
@@ -11095,7 +11361,7 @@
                     <a:bodyPr/>
                     <a:lstStyle/>
                     <a:p>
-                      <a:pPr indent="0" lvl="0" marL="0" rtl="0" algn="l">
+                      <a:pPr marL="0" lvl="0" indent="0" algn="l" rtl="0">
                         <a:spcBef>
                           <a:spcPts val="0"/>
                         </a:spcBef>
@@ -11119,14 +11385,14 @@
                       </a:endParaRPr>
                     </a:p>
                   </a:txBody>
-                  <a:tcPr marT="91425" marB="91425" marR="91425" marL="91425"/>
+                  <a:tcPr marL="91425" marR="91425" marT="91425" marB="91425"/>
                 </a:tc>
                 <a:tc>
                   <a:txBody>
                     <a:bodyPr/>
                     <a:lstStyle/>
                     <a:p>
-                      <a:pPr indent="0" lvl="0" marL="0" rtl="0" algn="l">
+                      <a:pPr marL="0" lvl="0" indent="0" algn="l" rtl="0">
                         <a:spcBef>
                           <a:spcPts val="0"/>
                         </a:spcBef>
@@ -11141,15 +11407,7 @@
                             <a:schemeClr val="dk1"/>
                           </a:solidFill>
                         </a:rPr>
-                        <a:t>A</a:t>
-                      </a:r>
-                      <a:r>
-                        <a:rPr lang="en">
-                          <a:solidFill>
-                            <a:schemeClr val="dk1"/>
-                          </a:solidFill>
-                        </a:rPr>
-                        <a:t>ccuracy</a:t>
+                        <a:t>Accuracy</a:t>
                       </a:r>
                       <a:endParaRPr>
                         <a:solidFill>
@@ -11158,8 +11416,13 @@
                       </a:endParaRPr>
                     </a:p>
                   </a:txBody>
-                  <a:tcPr marT="91425" marB="91425" marR="91425" marL="91425"/>
+                  <a:tcPr marL="91425" marR="91425" marT="91425" marB="91425"/>
                 </a:tc>
+                <a:extLst>
+                  <a:ext uri="{0D108BD9-81ED-4DB2-BD59-A6C34878D82A}">
+                    <a16:rowId xmlns:a16="http://schemas.microsoft.com/office/drawing/2014/main" val="10000"/>
+                  </a:ext>
+                </a:extLst>
               </a:tr>
               <a:tr h="384775">
                 <a:tc>
@@ -11167,7 +11430,7 @@
                     <a:bodyPr/>
                     <a:lstStyle/>
                     <a:p>
-                      <a:pPr indent="0" lvl="0" marL="0" rtl="0" algn="l">
+                      <a:pPr marL="0" lvl="0" indent="0" algn="l" rtl="0">
                         <a:spcBef>
                           <a:spcPts val="0"/>
                         </a:spcBef>
@@ -11191,14 +11454,14 @@
                       </a:endParaRPr>
                     </a:p>
                   </a:txBody>
-                  <a:tcPr marT="91425" marB="91425" marR="91425" marL="91425"/>
+                  <a:tcPr marL="91425" marR="91425" marT="91425" marB="91425"/>
                 </a:tc>
                 <a:tc>
                   <a:txBody>
                     <a:bodyPr/>
                     <a:lstStyle/>
                     <a:p>
-                      <a:pPr indent="0" lvl="0" marL="0" rtl="0" algn="l">
+                      <a:pPr marL="0" lvl="0" indent="0" algn="l" rtl="0">
                         <a:spcBef>
                           <a:spcPts val="0"/>
                         </a:spcBef>
@@ -11222,8 +11485,13 @@
                       </a:endParaRPr>
                     </a:p>
                   </a:txBody>
-                  <a:tcPr marT="91425" marB="91425" marR="91425" marL="91425"/>
+                  <a:tcPr marL="91425" marR="91425" marT="91425" marB="91425"/>
                 </a:tc>
+                <a:extLst>
+                  <a:ext uri="{0D108BD9-81ED-4DB2-BD59-A6C34878D82A}">
+                    <a16:rowId xmlns:a16="http://schemas.microsoft.com/office/drawing/2014/main" val="10001"/>
+                  </a:ext>
+                </a:extLst>
               </a:tr>
               <a:tr h="384775">
                 <a:tc>
@@ -11231,7 +11499,7 @@
                     <a:bodyPr/>
                     <a:lstStyle/>
                     <a:p>
-                      <a:pPr indent="0" lvl="0" marL="0" rtl="0" algn="l">
+                      <a:pPr marL="0" lvl="0" indent="0" algn="l" rtl="0">
                         <a:spcBef>
                           <a:spcPts val="0"/>
                         </a:spcBef>
@@ -11255,14 +11523,14 @@
                       </a:endParaRPr>
                     </a:p>
                   </a:txBody>
-                  <a:tcPr marT="91425" marB="91425" marR="91425" marL="91425"/>
+                  <a:tcPr marL="91425" marR="91425" marT="91425" marB="91425"/>
                 </a:tc>
                 <a:tc>
                   <a:txBody>
                     <a:bodyPr/>
                     <a:lstStyle/>
                     <a:p>
-                      <a:pPr indent="0" lvl="0" marL="0" rtl="0" algn="l">
+                      <a:pPr marL="0" lvl="0" indent="0" algn="l" rtl="0">
                         <a:spcBef>
                           <a:spcPts val="0"/>
                         </a:spcBef>
@@ -11286,8 +11554,13 @@
                       </a:endParaRPr>
                     </a:p>
                   </a:txBody>
-                  <a:tcPr marT="91425" marB="91425" marR="91425" marL="91425"/>
+                  <a:tcPr marL="91425" marR="91425" marT="91425" marB="91425"/>
                 </a:tc>
+                <a:extLst>
+                  <a:ext uri="{0D108BD9-81ED-4DB2-BD59-A6C34878D82A}">
+                    <a16:rowId xmlns:a16="http://schemas.microsoft.com/office/drawing/2014/main" val="10002"/>
+                  </a:ext>
+                </a:extLst>
               </a:tr>
               <a:tr h="444050">
                 <a:tc>
@@ -11295,7 +11568,7 @@
                     <a:bodyPr/>
                     <a:lstStyle/>
                     <a:p>
-                      <a:pPr indent="0" lvl="0" marL="0" rtl="0" algn="l">
+                      <a:pPr marL="0" lvl="0" indent="0" algn="l" rtl="0">
                         <a:spcBef>
                           <a:spcPts val="0"/>
                         </a:spcBef>
@@ -11319,14 +11592,14 @@
                       </a:endParaRPr>
                     </a:p>
                   </a:txBody>
-                  <a:tcPr marT="91425" marB="91425" marR="91425" marL="91425"/>
+                  <a:tcPr marL="91425" marR="91425" marT="91425" marB="91425"/>
                 </a:tc>
                 <a:tc>
                   <a:txBody>
                     <a:bodyPr/>
                     <a:lstStyle/>
                     <a:p>
-                      <a:pPr indent="0" lvl="0" marL="0" rtl="0" algn="l">
+                      <a:pPr marL="0" lvl="0" indent="0" algn="l" rtl="0">
                         <a:spcBef>
                           <a:spcPts val="0"/>
                         </a:spcBef>
@@ -11355,8 +11628,13 @@
                       </a:endParaRPr>
                     </a:p>
                   </a:txBody>
-                  <a:tcPr marT="91425" marB="91425" marR="91425" marL="91425"/>
+                  <a:tcPr marL="91425" marR="91425" marT="91425" marB="91425"/>
                 </a:tc>
+                <a:extLst>
+                  <a:ext uri="{0D108BD9-81ED-4DB2-BD59-A6C34878D82A}">
+                    <a16:rowId xmlns:a16="http://schemas.microsoft.com/office/drawing/2014/main" val="10003"/>
+                  </a:ext>
+                </a:extLst>
               </a:tr>
             </a:tbl>
           </a:graphicData>
@@ -11380,9 +11658,27 @@
                 <a:tableStyleId>{75D4A3C8-3C69-4A29-A4CA-F85FD83D8C0D}</a:tableStyleId>
               </a:tblPr>
               <a:tblGrid>
-                <a:gridCol w="1498825"/>
-                <a:gridCol w="1115150"/>
-                <a:gridCol w="1081500"/>
+                <a:gridCol w="1498825">
+                  <a:extLst>
+                    <a:ext uri="{9D8B030D-6E8A-4147-A177-3AD203B41FA5}">
+                      <a16:colId xmlns:a16="http://schemas.microsoft.com/office/drawing/2014/main" val="20000"/>
+                    </a:ext>
+                  </a:extLst>
+                </a:gridCol>
+                <a:gridCol w="1115150">
+                  <a:extLst>
+                    <a:ext uri="{9D8B030D-6E8A-4147-A177-3AD203B41FA5}">
+                      <a16:colId xmlns:a16="http://schemas.microsoft.com/office/drawing/2014/main" val="20001"/>
+                    </a:ext>
+                  </a:extLst>
+                </a:gridCol>
+                <a:gridCol w="1081500">
+                  <a:extLst>
+                    <a:ext uri="{9D8B030D-6E8A-4147-A177-3AD203B41FA5}">
+                      <a16:colId xmlns:a16="http://schemas.microsoft.com/office/drawing/2014/main" val="20002"/>
+                    </a:ext>
+                  </a:extLst>
+                </a:gridCol>
               </a:tblGrid>
               <a:tr h="619825">
                 <a:tc>
@@ -11390,7 +11686,7 @@
                     <a:bodyPr/>
                     <a:lstStyle/>
                     <a:p>
-                      <a:pPr indent="0" lvl="0" marL="0" rtl="0" algn="l">
+                      <a:pPr marL="0" lvl="0" indent="0" algn="l" rtl="0">
                         <a:spcBef>
                           <a:spcPts val="0"/>
                         </a:spcBef>
@@ -11414,14 +11710,14 @@
                       </a:endParaRPr>
                     </a:p>
                   </a:txBody>
-                  <a:tcPr marT="91425" marB="91425" marR="91425" marL="91425"/>
+                  <a:tcPr marL="91425" marR="91425" marT="91425" marB="91425"/>
                 </a:tc>
                 <a:tc>
                   <a:txBody>
                     <a:bodyPr/>
                     <a:lstStyle/>
                     <a:p>
-                      <a:pPr indent="0" lvl="0" marL="0" rtl="0" algn="l">
+                      <a:pPr marL="0" lvl="0" indent="0" algn="l" rtl="0">
                         <a:spcBef>
                           <a:spcPts val="0"/>
                         </a:spcBef>
@@ -11436,15 +11732,7 @@
                             <a:schemeClr val="dk1"/>
                           </a:solidFill>
                         </a:rPr>
-                        <a:t>Refined-A </a:t>
-                      </a:r>
-                      <a:r>
-                        <a:rPr lang="en">
-                          <a:solidFill>
-                            <a:schemeClr val="dk1"/>
-                          </a:solidFill>
-                        </a:rPr>
-                        <a:t>accuracy</a:t>
+                        <a:t>Refined-A accuracy</a:t>
                       </a:r>
                       <a:endParaRPr>
                         <a:solidFill>
@@ -11453,14 +11741,14 @@
                       </a:endParaRPr>
                     </a:p>
                   </a:txBody>
-                  <a:tcPr marT="91425" marB="91425" marR="91425" marL="91425"/>
+                  <a:tcPr marL="91425" marR="91425" marT="91425" marB="91425"/>
                 </a:tc>
                 <a:tc>
                   <a:txBody>
                     <a:bodyPr/>
                     <a:lstStyle/>
                     <a:p>
-                      <a:pPr indent="0" lvl="0" marL="0" rtl="0" algn="l">
+                      <a:pPr marL="0" lvl="0" indent="0" algn="l" rtl="0">
                         <a:spcBef>
                           <a:spcPts val="0"/>
                         </a:spcBef>
@@ -11475,15 +11763,7 @@
                             <a:schemeClr val="dk1"/>
                           </a:solidFill>
                         </a:rPr>
-                        <a:t>Refined-E </a:t>
-                      </a:r>
-                      <a:r>
-                        <a:rPr lang="en">
-                          <a:solidFill>
-                            <a:schemeClr val="dk1"/>
-                          </a:solidFill>
-                        </a:rPr>
-                        <a:t>accuracy</a:t>
+                        <a:t>Refined-E accuracy</a:t>
                       </a:r>
                       <a:endParaRPr>
                         <a:solidFill>
@@ -11492,8 +11772,13 @@
                       </a:endParaRPr>
                     </a:p>
                   </a:txBody>
-                  <a:tcPr marT="91425" marB="91425" marR="91425" marL="91425"/>
+                  <a:tcPr marL="91425" marR="91425" marT="91425" marB="91425"/>
                 </a:tc>
+                <a:extLst>
+                  <a:ext uri="{0D108BD9-81ED-4DB2-BD59-A6C34878D82A}">
+                    <a16:rowId xmlns:a16="http://schemas.microsoft.com/office/drawing/2014/main" val="10000"/>
+                  </a:ext>
+                </a:extLst>
               </a:tr>
               <a:tr h="402875">
                 <a:tc>
@@ -11501,7 +11786,7 @@
                     <a:bodyPr/>
                     <a:lstStyle/>
                     <a:p>
-                      <a:pPr indent="0" lvl="0" marL="0" rtl="0" algn="l">
+                      <a:pPr marL="0" lvl="0" indent="0" algn="l" rtl="0">
                         <a:spcBef>
                           <a:spcPts val="0"/>
                         </a:spcBef>
@@ -11525,14 +11810,14 @@
                       </a:endParaRPr>
                     </a:p>
                   </a:txBody>
-                  <a:tcPr marT="91425" marB="91425" marR="91425" marL="91425"/>
+                  <a:tcPr marL="91425" marR="91425" marT="91425" marB="91425"/>
                 </a:tc>
                 <a:tc>
                   <a:txBody>
                     <a:bodyPr/>
                     <a:lstStyle/>
                     <a:p>
-                      <a:pPr indent="0" lvl="0" marL="0" rtl="0" algn="l">
+                      <a:pPr marL="0" lvl="0" indent="0" algn="l" rtl="0">
                         <a:spcBef>
                           <a:spcPts val="0"/>
                         </a:spcBef>
@@ -11556,14 +11841,14 @@
                       </a:endParaRPr>
                     </a:p>
                   </a:txBody>
-                  <a:tcPr marT="91425" marB="91425" marR="91425" marL="91425"/>
+                  <a:tcPr marL="91425" marR="91425" marT="91425" marB="91425"/>
                 </a:tc>
                 <a:tc>
                   <a:txBody>
                     <a:bodyPr/>
                     <a:lstStyle/>
                     <a:p>
-                      <a:pPr indent="0" lvl="0" marL="0" rtl="0" algn="l">
+                      <a:pPr marL="0" lvl="0" indent="0" algn="l" rtl="0">
                         <a:spcBef>
                           <a:spcPts val="0"/>
                         </a:spcBef>
@@ -11587,8 +11872,13 @@
                       </a:endParaRPr>
                     </a:p>
                   </a:txBody>
-                  <a:tcPr marT="91425" marB="91425" marR="91425" marL="91425"/>
+                  <a:tcPr marL="91425" marR="91425" marT="91425" marB="91425"/>
                 </a:tc>
+                <a:extLst>
+                  <a:ext uri="{0D108BD9-81ED-4DB2-BD59-A6C34878D82A}">
+                    <a16:rowId xmlns:a16="http://schemas.microsoft.com/office/drawing/2014/main" val="10001"/>
+                  </a:ext>
+                </a:extLst>
               </a:tr>
               <a:tr h="402875">
                 <a:tc>
@@ -11596,7 +11886,7 @@
                     <a:bodyPr/>
                     <a:lstStyle/>
                     <a:p>
-                      <a:pPr indent="0" lvl="0" marL="0" rtl="0" algn="l">
+                      <a:pPr marL="0" lvl="0" indent="0" algn="l" rtl="0">
                         <a:spcBef>
                           <a:spcPts val="0"/>
                         </a:spcBef>
@@ -11620,14 +11910,14 @@
                       </a:endParaRPr>
                     </a:p>
                   </a:txBody>
-                  <a:tcPr marT="91425" marB="91425" marR="91425" marL="91425"/>
+                  <a:tcPr marL="91425" marR="91425" marT="91425" marB="91425"/>
                 </a:tc>
                 <a:tc>
                   <a:txBody>
                     <a:bodyPr/>
                     <a:lstStyle/>
                     <a:p>
-                      <a:pPr indent="0" lvl="0" marL="0" rtl="0" algn="l">
+                      <a:pPr marL="0" lvl="0" indent="0" algn="l" rtl="0">
                         <a:spcBef>
                           <a:spcPts val="0"/>
                         </a:spcBef>
@@ -11651,14 +11941,14 @@
                       </a:endParaRPr>
                     </a:p>
                   </a:txBody>
-                  <a:tcPr marT="91425" marB="91425" marR="91425" marL="91425"/>
+                  <a:tcPr marL="91425" marR="91425" marT="91425" marB="91425"/>
                 </a:tc>
                 <a:tc>
                   <a:txBody>
                     <a:bodyPr/>
                     <a:lstStyle/>
                     <a:p>
-                      <a:pPr indent="0" lvl="0" marL="0" rtl="0" algn="l">
+                      <a:pPr marL="0" lvl="0" indent="0" algn="l" rtl="0">
                         <a:spcBef>
                           <a:spcPts val="0"/>
                         </a:spcBef>
@@ -11682,8 +11972,13 @@
                       </a:endParaRPr>
                     </a:p>
                   </a:txBody>
-                  <a:tcPr marT="91425" marB="91425" marR="91425" marL="91425"/>
+                  <a:tcPr marL="91425" marR="91425" marT="91425" marB="91425"/>
                 </a:tc>
+                <a:extLst>
+                  <a:ext uri="{0D108BD9-81ED-4DB2-BD59-A6C34878D82A}">
+                    <a16:rowId xmlns:a16="http://schemas.microsoft.com/office/drawing/2014/main" val="10002"/>
+                  </a:ext>
+                </a:extLst>
               </a:tr>
               <a:tr h="402875">
                 <a:tc>
@@ -11691,7 +11986,7 @@
                     <a:bodyPr/>
                     <a:lstStyle/>
                     <a:p>
-                      <a:pPr indent="0" lvl="0" marL="0" rtl="0" algn="l">
+                      <a:pPr marL="0" lvl="0" indent="0" algn="l" rtl="0">
                         <a:spcBef>
                           <a:spcPts val="0"/>
                         </a:spcBef>
@@ -11711,14 +12006,14 @@
                       <a:endParaRPr/>
                     </a:p>
                   </a:txBody>
-                  <a:tcPr marT="91425" marB="91425" marR="91425" marL="91425"/>
+                  <a:tcPr marL="91425" marR="91425" marT="91425" marB="91425"/>
                 </a:tc>
                 <a:tc>
                   <a:txBody>
                     <a:bodyPr/>
                     <a:lstStyle/>
                     <a:p>
-                      <a:pPr indent="0" lvl="0" marL="0" rtl="0" algn="l">
+                      <a:pPr marL="0" lvl="0" indent="0" algn="l" rtl="0">
                         <a:spcBef>
                           <a:spcPts val="0"/>
                         </a:spcBef>
@@ -11742,14 +12037,14 @@
                       </a:endParaRPr>
                     </a:p>
                   </a:txBody>
-                  <a:tcPr marT="91425" marB="91425" marR="91425" marL="91425"/>
+                  <a:tcPr marL="91425" marR="91425" marT="91425" marB="91425"/>
                 </a:tc>
                 <a:tc>
                   <a:txBody>
                     <a:bodyPr/>
                     <a:lstStyle/>
                     <a:p>
-                      <a:pPr indent="0" lvl="0" marL="0" rtl="0" algn="l">
+                      <a:pPr marL="0" lvl="0" indent="0" algn="l" rtl="0">
                         <a:spcBef>
                           <a:spcPts val="0"/>
                         </a:spcBef>
@@ -11773,8 +12068,13 @@
                       </a:endParaRPr>
                     </a:p>
                   </a:txBody>
-                  <a:tcPr marT="91425" marB="91425" marR="91425" marL="91425"/>
+                  <a:tcPr marL="91425" marR="91425" marT="91425" marB="91425"/>
                 </a:tc>
+                <a:extLst>
+                  <a:ext uri="{0D108BD9-81ED-4DB2-BD59-A6C34878D82A}">
+                    <a16:rowId xmlns:a16="http://schemas.microsoft.com/office/drawing/2014/main" val="10003"/>
+                  </a:ext>
+                </a:extLst>
               </a:tr>
             </a:tbl>
           </a:graphicData>
@@ -11789,18 +12089,19 @@
 </file>
 
 <file path=ppt/slides/slide9.xml><?xml version="1.0" encoding="utf-8"?>
-<p:sld xmlns:a="http://schemas.openxmlformats.org/drawingml/2006/main" xmlns:r="http://schemas.openxmlformats.org/officeDocument/2006/relationships" xmlns:mc="http://schemas.openxmlformats.org/markup-compatibility/2006" xmlns:mv="urn:schemas-microsoft-com:mac:vml" xmlns:p="http://schemas.openxmlformats.org/presentationml/2006/main" xmlns:c="http://schemas.openxmlformats.org/drawingml/2006/chart" xmlns:dgm="http://schemas.openxmlformats.org/drawingml/2006/diagram" xmlns:o="urn:schemas-microsoft-com:office:office" xmlns:v="urn:schemas-microsoft-com:vml" xmlns:pvml="urn:schemas-microsoft-com:office:powerpoint" xmlns:com="http://schemas.openxmlformats.org/drawingml/2006/compatibility" xmlns:p14="http://schemas.microsoft.com/office/powerpoint/2010/main" xmlns:p15="http://schemas.microsoft.com/office/powerpoint/2012/main" xmlns:ahyp="http://schemas.microsoft.com/office/drawing/2018/hyperlinkcolor">
+<p:sld xmlns:a="http://schemas.openxmlformats.org/drawingml/2006/main" xmlns:r="http://schemas.openxmlformats.org/officeDocument/2006/relationships" xmlns:p="http://schemas.openxmlformats.org/presentationml/2006/main">
   <p:cSld>
     <p:bg>
       <p:bgPr>
         <a:solidFill>
           <a:schemeClr val="dk1"/>
         </a:solidFill>
+        <a:effectLst/>
       </p:bgPr>
     </p:bg>
     <p:spTree>
       <p:nvGrpSpPr>
-        <p:cNvPr id="135" name="Shape 135"/>
+        <p:cNvPr id="1" name="Shape 135"/>
         <p:cNvGrpSpPr/>
         <p:nvPr/>
       </p:nvGrpSpPr>
@@ -11842,7 +12143,7 @@
       </p:pic>
       <p:pic>
         <p:nvPicPr>
-          <p:cNvPr descr="Piece of duct tape sticking a note to the slide" id="137" name="Google Shape;137;p21"/>
+          <p:cNvPr id="137" name="Google Shape;137;p21" descr="Piece of duct tape sticking a note to the slide"/>
           <p:cNvPicPr preferRelativeResize="0"/>
           <p:nvPr/>
         </p:nvPicPr>
@@ -11850,7 +12151,7 @@
           <a:blip r:embed="rId4">
             <a:alphaModFix/>
           </a:blip>
-          <a:srcRect b="10011" l="9244" r="2118" t="5926"/>
+          <a:srcRect l="9244" t="5926" r="2118" b="10011"/>
           <a:stretch/>
         </p:blipFill>
         <p:spPr>
@@ -11887,12 +12188,12 @@
           </a:ln>
         </p:spPr>
         <p:txBody>
-          <a:bodyPr anchorCtr="0" anchor="b" bIns="91425" lIns="91425" spcFirstLastPara="1" rIns="91425" wrap="square" tIns="91425">
+          <a:bodyPr spcFirstLastPara="1" wrap="square" lIns="91425" tIns="91425" rIns="91425" bIns="91425" anchor="b" anchorCtr="0">
             <a:noAutofit/>
           </a:bodyPr>
           <a:lstStyle/>
           <a:p>
-            <a:pPr indent="0" lvl="0" marL="0" rtl="0" algn="l">
+            <a:pPr marL="0" lvl="0" indent="0" algn="l" rtl="0">
               <a:spcBef>
                 <a:spcPts val="0"/>
               </a:spcBef>
@@ -11902,7 +12203,7 @@
               <a:buNone/>
             </a:pPr>
             <a:r>
-              <a:rPr b="1" lang="en" sz="3000">
+              <a:rPr lang="en" sz="3000" b="1">
                 <a:solidFill>
                   <a:schemeClr val="lt2"/>
                 </a:solidFill>
@@ -11913,7 +12214,7 @@
               </a:rPr>
               <a:t>Zaključak</a:t>
             </a:r>
-            <a:endParaRPr b="1" sz="3000">
+            <a:endParaRPr sz="3000" b="1">
               <a:solidFill>
                 <a:schemeClr val="lt2"/>
               </a:solidFill>
@@ -11928,9 +12229,11 @@
       <p:sp>
         <p:nvSpPr>
           <p:cNvPr id="139" name="Google Shape;139;p21"/>
-          <p:cNvSpPr txBox="1"/>
+          <p:cNvSpPr txBox="1">
+            <a:spLocks noGrp="1"/>
+          </p:cNvSpPr>
           <p:nvPr>
-            <p:ph idx="4294967295" type="body"/>
+            <p:ph type="body" idx="4294967295"/>
           </p:nvPr>
         </p:nvSpPr>
         <p:spPr>
@@ -11943,12 +12246,12 @@
           </a:prstGeom>
         </p:spPr>
         <p:txBody>
-          <a:bodyPr anchorCtr="0" anchor="t" bIns="91425" lIns="91425" spcFirstLastPara="1" rIns="91425" wrap="square" tIns="91425">
+          <a:bodyPr spcFirstLastPara="1" wrap="square" lIns="91425" tIns="91425" rIns="91425" bIns="91425" anchor="t" anchorCtr="0">
             <a:noAutofit/>
           </a:bodyPr>
           <a:lstStyle/>
           <a:p>
-            <a:pPr indent="-317500" lvl="0" marL="457200" rtl="0" algn="l">
+            <a:pPr marL="457200" lvl="0" indent="-317500" algn="l" rtl="0">
               <a:spcBef>
                 <a:spcPts val="0"/>
               </a:spcBef>
@@ -11963,7 +12266,7 @@
               <a:buChar char="➔"/>
             </a:pPr>
             <a:r>
-              <a:rPr b="1" lang="en" sz="1400">
+              <a:rPr lang="en" sz="1400" b="1">
                 <a:solidFill>
                   <a:schemeClr val="dk1"/>
                 </a:solidFill>
@@ -11999,7 +12302,7 @@
             </a:endParaRPr>
           </a:p>
           <a:p>
-            <a:pPr indent="-317500" lvl="0" marL="457200" rtl="0" algn="l">
+            <a:pPr marL="457200" lvl="0" indent="-317500" algn="l" rtl="0">
               <a:spcBef>
                 <a:spcPts val="1000"/>
               </a:spcBef>
@@ -12014,7 +12317,7 @@
               <a:buChar char="➔"/>
             </a:pPr>
             <a:r>
-              <a:rPr b="1" lang="en" sz="1400">
+              <a:rPr lang="en" sz="1400" b="1">
                 <a:solidFill>
                   <a:schemeClr val="dk1"/>
                 </a:solidFill>
@@ -12088,7 +12391,7 @@
 </file>
 
 <file path=ppt/theme/theme1.xml><?xml version="1.0" encoding="utf-8"?>
-<a:theme xmlns:a="http://schemas.openxmlformats.org/drawingml/2006/main" xmlns:r="http://schemas.openxmlformats.org/officeDocument/2006/relationships" name="Swiss">
+<a:theme xmlns:a="http://schemas.openxmlformats.org/drawingml/2006/main" name="Swiss">
   <a:themeElements>
     <a:clrScheme name="Swiss">
       <a:dk1>
@@ -12363,11 +12666,13 @@
       </a:bgFillStyleLst>
     </a:fmtScheme>
   </a:themeElements>
+  <a:objectDefaults/>
+  <a:extraClrSchemeLst/>
 </a:theme>
 </file>
 
 <file path=ppt/theme/theme2.xml><?xml version="1.0" encoding="utf-8"?>
-<a:theme xmlns:a="http://schemas.openxmlformats.org/drawingml/2006/main" xmlns:r="http://schemas.openxmlformats.org/officeDocument/2006/relationships">
+<a:theme xmlns:a="http://schemas.openxmlformats.org/drawingml/2006/main">
   <a:themeElements>
     <a:clrScheme name="Default">
       <a:dk1>
@@ -12642,5 +12947,7 @@
       </a:bgFillStyleLst>
     </a:fmtScheme>
   </a:themeElements>
+  <a:objectDefaults/>
+  <a:extraClrSchemeLst/>
 </a:theme>
 </file>